--- a/12-mutable/lec.pptx
+++ b/12-mutable/lec.pptx
@@ -5,7 +5,7 @@
     <p:sldMasterId id="2147483648" r:id="rId1"/>
   </p:sldMasterIdLst>
   <p:notesMasterIdLst>
-    <p:notesMasterId r:id="rId22"/>
+    <p:notesMasterId r:id="rId23"/>
   </p:notesMasterIdLst>
   <p:sldIdLst>
     <p:sldId id="545" r:id="rId2"/>
@@ -14,20 +14,21 @@
     <p:sldId id="555" r:id="rId5"/>
     <p:sldId id="517" r:id="rId6"/>
     <p:sldId id="521" r:id="rId7"/>
-    <p:sldId id="522" r:id="rId8"/>
-    <p:sldId id="523" r:id="rId9"/>
-    <p:sldId id="570" r:id="rId10"/>
-    <p:sldId id="529" r:id="rId11"/>
-    <p:sldId id="524" r:id="rId12"/>
-    <p:sldId id="556" r:id="rId13"/>
-    <p:sldId id="535" r:id="rId14"/>
-    <p:sldId id="565" r:id="rId15"/>
-    <p:sldId id="540" r:id="rId16"/>
-    <p:sldId id="541" r:id="rId17"/>
-    <p:sldId id="542" r:id="rId18"/>
-    <p:sldId id="543" r:id="rId19"/>
-    <p:sldId id="544" r:id="rId20"/>
-    <p:sldId id="546" r:id="rId21"/>
+    <p:sldId id="571" r:id="rId8"/>
+    <p:sldId id="522" r:id="rId9"/>
+    <p:sldId id="523" r:id="rId10"/>
+    <p:sldId id="570" r:id="rId11"/>
+    <p:sldId id="529" r:id="rId12"/>
+    <p:sldId id="524" r:id="rId13"/>
+    <p:sldId id="556" r:id="rId14"/>
+    <p:sldId id="535" r:id="rId15"/>
+    <p:sldId id="565" r:id="rId16"/>
+    <p:sldId id="540" r:id="rId17"/>
+    <p:sldId id="541" r:id="rId18"/>
+    <p:sldId id="542" r:id="rId19"/>
+    <p:sldId id="543" r:id="rId20"/>
+    <p:sldId id="544" r:id="rId21"/>
+    <p:sldId id="546" r:id="rId22"/>
   </p:sldIdLst>
   <p:sldSz cx="9144000" cy="6858000" type="screen4x3"/>
   <p:notesSz cx="6858000" cy="9144000"/>
@@ -227,7 +228,7 @@
           <a:p>
             <a:fld id="{5367F125-181F-9A48-A24E-AAD89CB055B5}" type="datetimeFigureOut">
               <a:rPr lang="en-US" smtClean="0"/>
-              <a:t>10/6/19</a:t>
+              <a:t>10/8/19</a:t>
             </a:fld>
             <a:endParaRPr lang="en-US"/>
           </a:p>
@@ -661,6 +662,90 @@
             <a:spLocks noGrp="1"/>
           </p:cNvSpPr>
           <p:nvPr>
+            <p:ph type="sldNum" sz="quarter" idx="5"/>
+          </p:nvPr>
+        </p:nvSpPr>
+        <p:spPr/>
+        <p:txBody>
+          <a:bodyPr/>
+          <a:lstStyle/>
+          <a:p>
+            <a:fld id="{B7975FD5-AB21-4C45-BFE8-1D3F02B463E2}" type="slidenum">
+              <a:rPr lang="en-US" smtClean="0"/>
+              <a:t>18</a:t>
+            </a:fld>
+            <a:endParaRPr lang="en-US"/>
+          </a:p>
+        </p:txBody>
+      </p:sp>
+    </p:spTree>
+    <p:extLst>
+      <p:ext uri="{BB962C8B-B14F-4D97-AF65-F5344CB8AC3E}">
+        <p14:creationId xmlns:p14="http://schemas.microsoft.com/office/powerpoint/2010/main" val="888025086"/>
+      </p:ext>
+    </p:extLst>
+  </p:cSld>
+  <p:clrMapOvr>
+    <a:masterClrMapping/>
+  </p:clrMapOvr>
+</p:notes>
+</file>
+
+<file path=ppt/notesSlides/notesSlide11.xml><?xml version="1.0" encoding="utf-8"?>
+<p:notes xmlns:a="http://schemas.openxmlformats.org/drawingml/2006/main" xmlns:r="http://schemas.openxmlformats.org/officeDocument/2006/relationships" xmlns:p="http://schemas.openxmlformats.org/presentationml/2006/main">
+  <p:cSld>
+    <p:spTree>
+      <p:nvGrpSpPr>
+        <p:cNvPr id="1" name=""/>
+        <p:cNvGrpSpPr/>
+        <p:nvPr/>
+      </p:nvGrpSpPr>
+      <p:grpSpPr>
+        <a:xfrm>
+          <a:off x="0" y="0"/>
+          <a:ext cx="0" cy="0"/>
+          <a:chOff x="0" y="0"/>
+          <a:chExt cx="0" cy="0"/>
+        </a:xfrm>
+      </p:grpSpPr>
+      <p:sp>
+        <p:nvSpPr>
+          <p:cNvPr id="2" name="Slide Image Placeholder 1"/>
+          <p:cNvSpPr>
+            <a:spLocks noGrp="1" noRot="1" noChangeAspect="1"/>
+          </p:cNvSpPr>
+          <p:nvPr>
+            <p:ph type="sldImg"/>
+          </p:nvPr>
+        </p:nvSpPr>
+        <p:spPr/>
+      </p:sp>
+      <p:sp>
+        <p:nvSpPr>
+          <p:cNvPr id="3" name="Notes Placeholder 2"/>
+          <p:cNvSpPr>
+            <a:spLocks noGrp="1"/>
+          </p:cNvSpPr>
+          <p:nvPr>
+            <p:ph type="body" idx="1"/>
+          </p:nvPr>
+        </p:nvSpPr>
+        <p:spPr/>
+        <p:txBody>
+          <a:bodyPr/>
+          <a:lstStyle/>
+          <a:p>
+            <a:endParaRPr lang="en-US" dirty="0"/>
+          </a:p>
+        </p:txBody>
+      </p:sp>
+      <p:sp>
+        <p:nvSpPr>
+          <p:cNvPr id="4" name="Slide Number Placeholder 3"/>
+          <p:cNvSpPr>
+            <a:spLocks noGrp="1"/>
+          </p:cNvSpPr>
+          <p:nvPr>
             <p:ph type="sldNum" sz="quarter" idx="10"/>
           </p:nvPr>
         </p:nvSpPr>
@@ -671,7 +756,7 @@
           <a:p>
             <a:fld id="{B7975FD5-AB21-4C45-BFE8-1D3F02B463E2}" type="slidenum">
               <a:rPr lang="en-US" smtClean="0"/>
-              <a:t>20</a:t>
+              <a:t>21</a:t>
             </a:fld>
             <a:endParaRPr lang="en-US"/>
           </a:p>
@@ -745,7 +830,7 @@
           <a:p>
             <a:r>
               <a:rPr lang="en-US" dirty="0"/>
-              <a:t>Arrays:  we won't spend much time on.  In the textbook, and really no different from other languages.</a:t>
+              <a:t>Arrays:  Covered in the textbook, and in recitation; really no different from other languages.</a:t>
             </a:r>
           </a:p>
         </p:txBody>
@@ -831,8 +916,768 @@
           <a:lstStyle/>
           <a:p>
             <a:r>
-              <a:rPr lang="en-US" dirty="0"/>
-              <a:t>Demo:  Create a ref cell and mutate it, get its new value back.</a:t>
+              <a:rPr lang="en-US" sz="1200" b="0" kern="1200" dirty="0">
+                <a:solidFill>
+                  <a:schemeClr val="tx1"/>
+                </a:solidFill>
+                <a:effectLst/>
+                <a:latin typeface="+mn-lt"/>
+                <a:ea typeface="+mn-ea"/>
+                <a:cs typeface="+mn-cs"/>
+              </a:rPr>
+              <a:t>(*</a:t>
+            </a:r>
+            <a:r>
+              <a:rPr lang="en-US" sz="1200" b="0" i="1" kern="1200" dirty="0">
+                <a:solidFill>
+                  <a:schemeClr val="tx1"/>
+                </a:solidFill>
+                <a:effectLst/>
+                <a:latin typeface="+mn-lt"/>
+                <a:ea typeface="+mn-ea"/>
+                <a:cs typeface="+mn-cs"/>
+              </a:rPr>
+              <a:t> Refs </a:t>
+            </a:r>
+            <a:r>
+              <a:rPr lang="en-US" sz="1200" b="0" kern="1200" dirty="0">
+                <a:solidFill>
+                  <a:schemeClr val="tx1"/>
+                </a:solidFill>
+                <a:effectLst/>
+                <a:latin typeface="+mn-lt"/>
+                <a:ea typeface="+mn-ea"/>
+                <a:cs typeface="+mn-cs"/>
+              </a:rPr>
+              <a:t>*)</a:t>
+            </a:r>
+          </a:p>
+          <a:p>
+            <a:br>
+              <a:rPr lang="en-US" sz="1200" b="0" kern="1200" dirty="0">
+                <a:solidFill>
+                  <a:schemeClr val="tx1"/>
+                </a:solidFill>
+                <a:effectLst/>
+                <a:latin typeface="+mn-lt"/>
+                <a:ea typeface="+mn-ea"/>
+                <a:cs typeface="+mn-cs"/>
+              </a:rPr>
+            </a:br>
+            <a:r>
+              <a:rPr lang="en-US" sz="1200" b="0" kern="1200" dirty="0">
+                <a:solidFill>
+                  <a:schemeClr val="tx1"/>
+                </a:solidFill>
+                <a:effectLst/>
+                <a:latin typeface="+mn-lt"/>
+                <a:ea typeface="+mn-ea"/>
+                <a:cs typeface="+mn-cs"/>
+              </a:rPr>
+              <a:t>3110;;</a:t>
+            </a:r>
+          </a:p>
+          <a:p>
+            <a:r>
+              <a:rPr lang="en-US" sz="1200" b="0" u="sng" kern="1200" dirty="0">
+                <a:solidFill>
+                  <a:schemeClr val="tx1"/>
+                </a:solidFill>
+                <a:effectLst/>
+                <a:latin typeface="+mn-lt"/>
+                <a:ea typeface="+mn-ea"/>
+                <a:cs typeface="+mn-cs"/>
+              </a:rPr>
+              <a:t>let</a:t>
+            </a:r>
+            <a:r>
+              <a:rPr lang="en-US" sz="1200" b="0" kern="1200" dirty="0">
+                <a:solidFill>
+                  <a:schemeClr val="tx1"/>
+                </a:solidFill>
+                <a:effectLst/>
+                <a:latin typeface="+mn-lt"/>
+                <a:ea typeface="+mn-ea"/>
+                <a:cs typeface="+mn-cs"/>
+              </a:rPr>
+              <a:t> </a:t>
+            </a:r>
+            <a:r>
+              <a:rPr lang="en-US" sz="1200" b="0" i="1" kern="1200" dirty="0">
+                <a:solidFill>
+                  <a:schemeClr val="tx1"/>
+                </a:solidFill>
+                <a:effectLst/>
+                <a:latin typeface="+mn-lt"/>
+                <a:ea typeface="+mn-ea"/>
+                <a:cs typeface="+mn-cs"/>
+              </a:rPr>
+              <a:t>x</a:t>
+            </a:r>
+            <a:r>
+              <a:rPr lang="en-US" sz="1200" b="0" kern="1200" dirty="0">
+                <a:solidFill>
+                  <a:schemeClr val="tx1"/>
+                </a:solidFill>
+                <a:effectLst/>
+                <a:latin typeface="+mn-lt"/>
+                <a:ea typeface="+mn-ea"/>
+                <a:cs typeface="+mn-cs"/>
+              </a:rPr>
+              <a:t> </a:t>
+            </a:r>
+            <a:r>
+              <a:rPr lang="en-US" sz="1200" b="1" kern="1200" dirty="0">
+                <a:solidFill>
+                  <a:schemeClr val="tx1"/>
+                </a:solidFill>
+                <a:effectLst/>
+                <a:latin typeface="+mn-lt"/>
+                <a:ea typeface="+mn-ea"/>
+                <a:cs typeface="+mn-cs"/>
+              </a:rPr>
+              <a:t>=</a:t>
+            </a:r>
+            <a:r>
+              <a:rPr lang="en-US" sz="1200" b="0" kern="1200" dirty="0">
+                <a:solidFill>
+                  <a:schemeClr val="tx1"/>
+                </a:solidFill>
+                <a:effectLst/>
+                <a:latin typeface="+mn-lt"/>
+                <a:ea typeface="+mn-ea"/>
+                <a:cs typeface="+mn-cs"/>
+              </a:rPr>
+              <a:t> 3110;;</a:t>
+            </a:r>
+          </a:p>
+          <a:p>
+            <a:r>
+              <a:rPr lang="en-US" sz="1200" b="0" kern="1200" dirty="0">
+                <a:solidFill>
+                  <a:schemeClr val="tx1"/>
+                </a:solidFill>
+                <a:effectLst/>
+                <a:latin typeface="+mn-lt"/>
+                <a:ea typeface="+mn-ea"/>
+                <a:cs typeface="+mn-cs"/>
+              </a:rPr>
+              <a:t>x;;</a:t>
+            </a:r>
+          </a:p>
+          <a:p>
+            <a:br>
+              <a:rPr lang="en-US" sz="1200" b="0" kern="1200" dirty="0">
+                <a:solidFill>
+                  <a:schemeClr val="tx1"/>
+                </a:solidFill>
+                <a:effectLst/>
+                <a:latin typeface="+mn-lt"/>
+                <a:ea typeface="+mn-ea"/>
+                <a:cs typeface="+mn-cs"/>
+              </a:rPr>
+            </a:br>
+            <a:r>
+              <a:rPr lang="en-US" sz="1200" b="0" kern="1200" dirty="0">
+                <a:solidFill>
+                  <a:schemeClr val="tx1"/>
+                </a:solidFill>
+                <a:effectLst/>
+                <a:latin typeface="+mn-lt"/>
+                <a:ea typeface="+mn-ea"/>
+                <a:cs typeface="+mn-cs"/>
+              </a:rPr>
+              <a:t>ref 3110;;</a:t>
+            </a:r>
+          </a:p>
+          <a:p>
+            <a:r>
+              <a:rPr lang="en-US" sz="1200" b="0" kern="1200" dirty="0">
+                <a:solidFill>
+                  <a:schemeClr val="tx1"/>
+                </a:solidFill>
+                <a:effectLst/>
+                <a:latin typeface="+mn-lt"/>
+                <a:ea typeface="+mn-ea"/>
+                <a:cs typeface="+mn-cs"/>
+              </a:rPr>
+              <a:t>(*</a:t>
+            </a:r>
+            <a:r>
+              <a:rPr lang="en-US" sz="1200" b="0" i="1" kern="1200" dirty="0">
+                <a:solidFill>
+                  <a:schemeClr val="tx1"/>
+                </a:solidFill>
+                <a:effectLst/>
+                <a:latin typeface="+mn-lt"/>
+                <a:ea typeface="+mn-ea"/>
+                <a:cs typeface="+mn-cs"/>
+              </a:rPr>
+              <a:t> Think of a ref like a box in memory whose contents may change</a:t>
+            </a:r>
+            <a:endParaRPr lang="en-US" sz="1200" b="0" kern="1200" dirty="0">
+              <a:solidFill>
+                <a:schemeClr val="tx1"/>
+              </a:solidFill>
+              <a:effectLst/>
+              <a:latin typeface="+mn-lt"/>
+              <a:ea typeface="+mn-ea"/>
+              <a:cs typeface="+mn-cs"/>
+            </a:endParaRPr>
+          </a:p>
+          <a:p>
+            <a:r>
+              <a:rPr lang="en-US" sz="1200" b="0" i="1" kern="1200" dirty="0">
+                <a:solidFill>
+                  <a:schemeClr val="tx1"/>
+                </a:solidFill>
+                <a:effectLst/>
+                <a:latin typeface="+mn-lt"/>
+                <a:ea typeface="+mn-ea"/>
+                <a:cs typeface="+mn-cs"/>
+              </a:rPr>
+              <a:t>   </a:t>
+            </a:r>
+            <a:r>
+              <a:rPr lang="en-US" sz="1200" b="0" i="1" kern="1200" dirty="0" err="1">
+                <a:solidFill>
+                  <a:schemeClr val="tx1"/>
+                </a:solidFill>
+                <a:effectLst/>
+                <a:latin typeface="+mn-lt"/>
+                <a:ea typeface="+mn-ea"/>
+                <a:cs typeface="+mn-cs"/>
+              </a:rPr>
+              <a:t>OCaml</a:t>
+            </a:r>
+            <a:r>
+              <a:rPr lang="en-US" sz="1200" b="0" i="1" kern="1200" dirty="0">
+                <a:solidFill>
+                  <a:schemeClr val="tx1"/>
+                </a:solidFill>
+                <a:effectLst/>
+                <a:latin typeface="+mn-lt"/>
+                <a:ea typeface="+mn-ea"/>
+                <a:cs typeface="+mn-cs"/>
+              </a:rPr>
+              <a:t> creates a fresh new location in which to stores those contents</a:t>
+            </a:r>
+            <a:endParaRPr lang="en-US" sz="1200" b="0" kern="1200" dirty="0">
+              <a:solidFill>
+                <a:schemeClr val="tx1"/>
+              </a:solidFill>
+              <a:effectLst/>
+              <a:latin typeface="+mn-lt"/>
+              <a:ea typeface="+mn-ea"/>
+              <a:cs typeface="+mn-cs"/>
+            </a:endParaRPr>
+          </a:p>
+          <a:p>
+            <a:r>
+              <a:rPr lang="en-US" sz="1200" b="0" i="1" kern="1200" dirty="0">
+                <a:solidFill>
+                  <a:schemeClr val="tx1"/>
+                </a:solidFill>
+                <a:effectLst/>
+                <a:latin typeface="+mn-lt"/>
+                <a:ea typeface="+mn-ea"/>
+                <a:cs typeface="+mn-cs"/>
+              </a:rPr>
+              <a:t>   with every ref that is created. </a:t>
+            </a:r>
+            <a:r>
+              <a:rPr lang="en-US" sz="1200" b="0" kern="1200" dirty="0">
+                <a:solidFill>
+                  <a:schemeClr val="tx1"/>
+                </a:solidFill>
+                <a:effectLst/>
+                <a:latin typeface="+mn-lt"/>
+                <a:ea typeface="+mn-ea"/>
+                <a:cs typeface="+mn-cs"/>
+              </a:rPr>
+              <a:t>*)</a:t>
+            </a:r>
+          </a:p>
+          <a:p>
+            <a:r>
+              <a:rPr lang="en-US" sz="1200" b="0" u="sng" kern="1200" dirty="0">
+                <a:solidFill>
+                  <a:schemeClr val="tx1"/>
+                </a:solidFill>
+                <a:effectLst/>
+                <a:latin typeface="+mn-lt"/>
+                <a:ea typeface="+mn-ea"/>
+                <a:cs typeface="+mn-cs"/>
+              </a:rPr>
+              <a:t>let</a:t>
+            </a:r>
+            <a:r>
+              <a:rPr lang="en-US" sz="1200" b="0" kern="1200" dirty="0">
+                <a:solidFill>
+                  <a:schemeClr val="tx1"/>
+                </a:solidFill>
+                <a:effectLst/>
+                <a:latin typeface="+mn-lt"/>
+                <a:ea typeface="+mn-ea"/>
+                <a:cs typeface="+mn-cs"/>
+              </a:rPr>
+              <a:t> </a:t>
+            </a:r>
+            <a:r>
+              <a:rPr lang="en-US" sz="1200" b="0" i="1" kern="1200" dirty="0">
+                <a:solidFill>
+                  <a:schemeClr val="tx1"/>
+                </a:solidFill>
+                <a:effectLst/>
+                <a:latin typeface="+mn-lt"/>
+                <a:ea typeface="+mn-ea"/>
+                <a:cs typeface="+mn-cs"/>
+              </a:rPr>
+              <a:t>y</a:t>
+            </a:r>
+            <a:r>
+              <a:rPr lang="en-US" sz="1200" b="0" kern="1200" dirty="0">
+                <a:solidFill>
+                  <a:schemeClr val="tx1"/>
+                </a:solidFill>
+                <a:effectLst/>
+                <a:latin typeface="+mn-lt"/>
+                <a:ea typeface="+mn-ea"/>
+                <a:cs typeface="+mn-cs"/>
+              </a:rPr>
+              <a:t> </a:t>
+            </a:r>
+            <a:r>
+              <a:rPr lang="en-US" sz="1200" b="1" kern="1200" dirty="0">
+                <a:solidFill>
+                  <a:schemeClr val="tx1"/>
+                </a:solidFill>
+                <a:effectLst/>
+                <a:latin typeface="+mn-lt"/>
+                <a:ea typeface="+mn-ea"/>
+                <a:cs typeface="+mn-cs"/>
+              </a:rPr>
+              <a:t>=</a:t>
+            </a:r>
+            <a:r>
+              <a:rPr lang="en-US" sz="1200" b="0" kern="1200" dirty="0">
+                <a:solidFill>
+                  <a:schemeClr val="tx1"/>
+                </a:solidFill>
+                <a:effectLst/>
+                <a:latin typeface="+mn-lt"/>
+                <a:ea typeface="+mn-ea"/>
+                <a:cs typeface="+mn-cs"/>
+              </a:rPr>
+              <a:t> ref 3110;;</a:t>
+            </a:r>
+          </a:p>
+          <a:p>
+            <a:r>
+              <a:rPr lang="en-US" sz="1200" b="0" kern="1200" dirty="0">
+                <a:solidFill>
+                  <a:schemeClr val="tx1"/>
+                </a:solidFill>
+                <a:effectLst/>
+                <a:latin typeface="+mn-lt"/>
+                <a:ea typeface="+mn-ea"/>
+                <a:cs typeface="+mn-cs"/>
+              </a:rPr>
+              <a:t>(*</a:t>
+            </a:r>
+            <a:r>
+              <a:rPr lang="en-US" sz="1200" b="0" i="1" kern="1200" dirty="0">
+                <a:solidFill>
+                  <a:schemeClr val="tx1"/>
+                </a:solidFill>
+                <a:effectLst/>
+                <a:latin typeface="+mn-lt"/>
+                <a:ea typeface="+mn-ea"/>
+                <a:cs typeface="+mn-cs"/>
+              </a:rPr>
+              <a:t> </a:t>
+            </a:r>
+            <a:r>
+              <a:rPr lang="en-US" sz="1200" b="0" i="1" kern="1200" dirty="0" err="1">
+                <a:solidFill>
+                  <a:schemeClr val="tx1"/>
+                </a:solidFill>
+                <a:effectLst/>
+                <a:latin typeface="+mn-lt"/>
+                <a:ea typeface="+mn-ea"/>
+                <a:cs typeface="+mn-cs"/>
+              </a:rPr>
+              <a:t>val</a:t>
+            </a:r>
+            <a:r>
+              <a:rPr lang="en-US" sz="1200" b="0" i="1" kern="1200" dirty="0">
+                <a:solidFill>
+                  <a:schemeClr val="tx1"/>
+                </a:solidFill>
+                <a:effectLst/>
+                <a:latin typeface="+mn-lt"/>
+                <a:ea typeface="+mn-ea"/>
+                <a:cs typeface="+mn-cs"/>
+              </a:rPr>
+              <a:t> y : </a:t>
+            </a:r>
+            <a:r>
+              <a:rPr lang="en-US" sz="1200" b="0" i="1" kern="1200" dirty="0" err="1">
+                <a:solidFill>
+                  <a:schemeClr val="tx1"/>
+                </a:solidFill>
+                <a:effectLst/>
+                <a:latin typeface="+mn-lt"/>
+                <a:ea typeface="+mn-ea"/>
+                <a:cs typeface="+mn-cs"/>
+              </a:rPr>
+              <a:t>int</a:t>
+            </a:r>
+            <a:r>
+              <a:rPr lang="en-US" sz="1200" b="0" i="1" kern="1200" dirty="0">
+                <a:solidFill>
+                  <a:schemeClr val="tx1"/>
+                </a:solidFill>
+                <a:effectLst/>
+                <a:latin typeface="+mn-lt"/>
+                <a:ea typeface="+mn-ea"/>
+                <a:cs typeface="+mn-cs"/>
+              </a:rPr>
+              <a:t> ref = {contents = 3110}) </a:t>
+            </a:r>
+            <a:endParaRPr lang="en-US" sz="1200" b="0" kern="1200" dirty="0">
+              <a:solidFill>
+                <a:schemeClr val="tx1"/>
+              </a:solidFill>
+              <a:effectLst/>
+              <a:latin typeface="+mn-lt"/>
+              <a:ea typeface="+mn-ea"/>
+              <a:cs typeface="+mn-cs"/>
+            </a:endParaRPr>
+          </a:p>
+          <a:p>
+            <a:r>
+              <a:rPr lang="en-US" sz="1200" b="0" i="1" kern="1200" dirty="0">
+                <a:solidFill>
+                  <a:schemeClr val="tx1"/>
+                </a:solidFill>
+                <a:effectLst/>
+                <a:latin typeface="+mn-lt"/>
+                <a:ea typeface="+mn-ea"/>
+                <a:cs typeface="+mn-cs"/>
+              </a:rPr>
+              <a:t>   [y] is a value whose type is [</a:t>
+            </a:r>
+            <a:r>
+              <a:rPr lang="en-US" sz="1200" b="0" i="1" kern="1200" dirty="0" err="1">
+                <a:solidFill>
+                  <a:schemeClr val="tx1"/>
+                </a:solidFill>
+                <a:effectLst/>
+                <a:latin typeface="+mn-lt"/>
+                <a:ea typeface="+mn-ea"/>
+                <a:cs typeface="+mn-cs"/>
+              </a:rPr>
+              <a:t>int</a:t>
+            </a:r>
+            <a:r>
+              <a:rPr lang="en-US" sz="1200" b="0" i="1" kern="1200" dirty="0">
+                <a:solidFill>
+                  <a:schemeClr val="tx1"/>
+                </a:solidFill>
+                <a:effectLst/>
+                <a:latin typeface="+mn-lt"/>
+                <a:ea typeface="+mn-ea"/>
+                <a:cs typeface="+mn-cs"/>
+              </a:rPr>
+              <a:t> ref] and whose current contents are [3110].</a:t>
+            </a:r>
+            <a:endParaRPr lang="en-US" sz="1200" b="0" kern="1200" dirty="0">
+              <a:solidFill>
+                <a:schemeClr val="tx1"/>
+              </a:solidFill>
+              <a:effectLst/>
+              <a:latin typeface="+mn-lt"/>
+              <a:ea typeface="+mn-ea"/>
+              <a:cs typeface="+mn-cs"/>
+            </a:endParaRPr>
+          </a:p>
+          <a:p>
+            <a:r>
+              <a:rPr lang="en-US" sz="1200" b="0" i="1" kern="1200" dirty="0">
+                <a:solidFill>
+                  <a:schemeClr val="tx1"/>
+                </a:solidFill>
+                <a:effectLst/>
+                <a:latin typeface="+mn-lt"/>
+                <a:ea typeface="+mn-ea"/>
+                <a:cs typeface="+mn-cs"/>
+              </a:rPr>
+              <a:t>   [y] is bound to the location of that box, though we can't find out</a:t>
+            </a:r>
+            <a:endParaRPr lang="en-US" sz="1200" b="0" kern="1200" dirty="0">
+              <a:solidFill>
+                <a:schemeClr val="tx1"/>
+              </a:solidFill>
+              <a:effectLst/>
+              <a:latin typeface="+mn-lt"/>
+              <a:ea typeface="+mn-ea"/>
+              <a:cs typeface="+mn-cs"/>
+            </a:endParaRPr>
+          </a:p>
+          <a:p>
+            <a:r>
+              <a:rPr lang="en-US" sz="1200" b="0" i="1" kern="1200" dirty="0">
+                <a:solidFill>
+                  <a:schemeClr val="tx1"/>
+                </a:solidFill>
+                <a:effectLst/>
+                <a:latin typeface="+mn-lt"/>
+                <a:ea typeface="+mn-ea"/>
+                <a:cs typeface="+mn-cs"/>
+              </a:rPr>
+              <a:t>   the location itself, just its contents. </a:t>
+            </a:r>
+            <a:r>
+              <a:rPr lang="en-US" sz="1200" b="0" kern="1200" dirty="0">
+                <a:solidFill>
+                  <a:schemeClr val="tx1"/>
+                </a:solidFill>
+                <a:effectLst/>
+                <a:latin typeface="+mn-lt"/>
+                <a:ea typeface="+mn-ea"/>
+                <a:cs typeface="+mn-cs"/>
+              </a:rPr>
+              <a:t>*)</a:t>
+            </a:r>
+          </a:p>
+          <a:p>
+            <a:r>
+              <a:rPr lang="en-US" sz="1200" b="0" kern="1200" dirty="0">
+                <a:solidFill>
+                  <a:schemeClr val="tx1"/>
+                </a:solidFill>
+                <a:effectLst/>
+                <a:latin typeface="+mn-lt"/>
+                <a:ea typeface="+mn-ea"/>
+                <a:cs typeface="+mn-cs"/>
+              </a:rPr>
+              <a:t>y;;</a:t>
+            </a:r>
+          </a:p>
+          <a:p>
+            <a:r>
+              <a:rPr lang="en-US" sz="1200" b="0" kern="1200" dirty="0">
+                <a:solidFill>
+                  <a:schemeClr val="tx1"/>
+                </a:solidFill>
+                <a:effectLst/>
+                <a:latin typeface="+mn-lt"/>
+                <a:ea typeface="+mn-ea"/>
+                <a:cs typeface="+mn-cs"/>
+              </a:rPr>
+              <a:t>!y;;</a:t>
+            </a:r>
+          </a:p>
+          <a:p>
+            <a:br>
+              <a:rPr lang="en-US" sz="1200" b="0" kern="1200" dirty="0">
+                <a:solidFill>
+                  <a:schemeClr val="tx1"/>
+                </a:solidFill>
+                <a:effectLst/>
+                <a:latin typeface="+mn-lt"/>
+                <a:ea typeface="+mn-ea"/>
+                <a:cs typeface="+mn-cs"/>
+              </a:rPr>
+            </a:br>
+            <a:r>
+              <a:rPr lang="en-US" sz="1200" b="0" kern="1200" dirty="0">
+                <a:solidFill>
+                  <a:schemeClr val="tx1"/>
+                </a:solidFill>
+                <a:effectLst/>
+                <a:latin typeface="+mn-lt"/>
+                <a:ea typeface="+mn-ea"/>
+                <a:cs typeface="+mn-cs"/>
+              </a:rPr>
+              <a:t>(*</a:t>
+            </a:r>
+            <a:r>
+              <a:rPr lang="en-US" sz="1200" b="0" i="1" kern="1200" dirty="0">
+                <a:solidFill>
+                  <a:schemeClr val="tx1"/>
+                </a:solidFill>
+                <a:effectLst/>
+                <a:latin typeface="+mn-lt"/>
+                <a:ea typeface="+mn-ea"/>
+                <a:cs typeface="+mn-cs"/>
+              </a:rPr>
+              <a:t> type error </a:t>
+            </a:r>
+            <a:r>
+              <a:rPr lang="en-US" sz="1200" b="0" kern="1200" dirty="0">
+                <a:solidFill>
+                  <a:schemeClr val="tx1"/>
+                </a:solidFill>
+                <a:effectLst/>
+                <a:latin typeface="+mn-lt"/>
+                <a:ea typeface="+mn-ea"/>
+                <a:cs typeface="+mn-cs"/>
+              </a:rPr>
+              <a:t>*)</a:t>
+            </a:r>
+          </a:p>
+          <a:p>
+            <a:r>
+              <a:rPr lang="en-US" sz="1200" b="0" kern="1200" dirty="0">
+                <a:solidFill>
+                  <a:schemeClr val="tx1"/>
+                </a:solidFill>
+                <a:effectLst/>
+                <a:latin typeface="+mn-lt"/>
+                <a:ea typeface="+mn-ea"/>
+                <a:cs typeface="+mn-cs"/>
+              </a:rPr>
+              <a:t>(*</a:t>
+            </a:r>
+            <a:r>
+              <a:rPr lang="en-US" sz="1200" b="0" i="1" kern="1200" dirty="0">
+                <a:solidFill>
+                  <a:schemeClr val="tx1"/>
+                </a:solidFill>
+                <a:effectLst/>
+                <a:latin typeface="+mn-lt"/>
+                <a:ea typeface="+mn-ea"/>
+                <a:cs typeface="+mn-cs"/>
+              </a:rPr>
+              <a:t> x + y;; </a:t>
+            </a:r>
+            <a:r>
+              <a:rPr lang="en-US" sz="1200" b="0" kern="1200" dirty="0">
+                <a:solidFill>
+                  <a:schemeClr val="tx1"/>
+                </a:solidFill>
+                <a:effectLst/>
+                <a:latin typeface="+mn-lt"/>
+                <a:ea typeface="+mn-ea"/>
+                <a:cs typeface="+mn-cs"/>
+              </a:rPr>
+              <a:t>*)</a:t>
+            </a:r>
+          </a:p>
+          <a:p>
+            <a:r>
+              <a:rPr lang="en-US" sz="1200" b="0" kern="1200" dirty="0">
+                <a:solidFill>
+                  <a:schemeClr val="tx1"/>
+                </a:solidFill>
+                <a:effectLst/>
+                <a:latin typeface="+mn-lt"/>
+                <a:ea typeface="+mn-ea"/>
+                <a:cs typeface="+mn-cs"/>
+              </a:rPr>
+              <a:t>x + !y;;</a:t>
+            </a:r>
+          </a:p>
+          <a:p>
+            <a:br>
+              <a:rPr lang="en-US" sz="1200" b="0" kern="1200" dirty="0">
+                <a:solidFill>
+                  <a:schemeClr val="tx1"/>
+                </a:solidFill>
+                <a:effectLst/>
+                <a:latin typeface="+mn-lt"/>
+                <a:ea typeface="+mn-ea"/>
+                <a:cs typeface="+mn-cs"/>
+              </a:rPr>
+            </a:br>
+            <a:r>
+              <a:rPr lang="en-US" sz="1200" b="0" kern="1200" dirty="0">
+                <a:solidFill>
+                  <a:schemeClr val="tx1"/>
+                </a:solidFill>
+                <a:effectLst/>
+                <a:latin typeface="+mn-lt"/>
+                <a:ea typeface="+mn-ea"/>
+                <a:cs typeface="+mn-cs"/>
+              </a:rPr>
+              <a:t>y := 2110;;</a:t>
+            </a:r>
+          </a:p>
+          <a:p>
+            <a:r>
+              <a:rPr lang="en-US" sz="1200" b="0" kern="1200" dirty="0">
+                <a:solidFill>
+                  <a:schemeClr val="tx1"/>
+                </a:solidFill>
+                <a:effectLst/>
+                <a:latin typeface="+mn-lt"/>
+                <a:ea typeface="+mn-ea"/>
+                <a:cs typeface="+mn-cs"/>
+              </a:rPr>
+              <a:t>!y;;</a:t>
+            </a:r>
+          </a:p>
+          <a:p>
+            <a:r>
+              <a:rPr lang="en-US" sz="1200" b="0" kern="1200" dirty="0">
+                <a:solidFill>
+                  <a:schemeClr val="tx1"/>
+                </a:solidFill>
+                <a:effectLst/>
+                <a:latin typeface="+mn-lt"/>
+                <a:ea typeface="+mn-ea"/>
+                <a:cs typeface="+mn-cs"/>
+              </a:rPr>
+              <a:t>(*</a:t>
+            </a:r>
+            <a:r>
+              <a:rPr lang="en-US" sz="1200" b="0" i="1" kern="1200" dirty="0">
+                <a:solidFill>
+                  <a:schemeClr val="tx1"/>
+                </a:solidFill>
+                <a:effectLst/>
+                <a:latin typeface="+mn-lt"/>
+                <a:ea typeface="+mn-ea"/>
+                <a:cs typeface="+mn-cs"/>
+              </a:rPr>
+              <a:t> [y] is still bound to same location as before; that's immutable.</a:t>
+            </a:r>
+            <a:endParaRPr lang="en-US" sz="1200" b="0" kern="1200" dirty="0">
+              <a:solidFill>
+                <a:schemeClr val="tx1"/>
+              </a:solidFill>
+              <a:effectLst/>
+              <a:latin typeface="+mn-lt"/>
+              <a:ea typeface="+mn-ea"/>
+              <a:cs typeface="+mn-cs"/>
+            </a:endParaRPr>
+          </a:p>
+          <a:p>
+            <a:r>
+              <a:rPr lang="en-US" sz="1200" b="0" i="1" kern="1200" dirty="0">
+                <a:solidFill>
+                  <a:schemeClr val="tx1"/>
+                </a:solidFill>
+                <a:effectLst/>
+                <a:latin typeface="+mn-lt"/>
+                <a:ea typeface="+mn-ea"/>
+                <a:cs typeface="+mn-cs"/>
+              </a:rPr>
+              <a:t>   But contents have changed. </a:t>
+            </a:r>
+            <a:r>
+              <a:rPr lang="en-US" sz="1200" b="0" kern="1200" dirty="0">
+                <a:solidFill>
+                  <a:schemeClr val="tx1"/>
+                </a:solidFill>
+                <a:effectLst/>
+                <a:latin typeface="+mn-lt"/>
+                <a:ea typeface="+mn-ea"/>
+                <a:cs typeface="+mn-cs"/>
+              </a:rPr>
+              <a:t>*)</a:t>
             </a:r>
           </a:p>
         </p:txBody>
@@ -1001,108 +1846,74 @@
           <a:bodyPr/>
           <a:lstStyle/>
           <a:p>
-            <a:pPr marL="0" marR="0" indent="0" algn="l" defTabSz="457200" rtl="0" eaLnBrk="1" fontAlgn="auto" latinLnBrk="0" hangingPunct="1">
-              <a:lnSpc>
-                <a:spcPct val="100000"/>
-              </a:lnSpc>
-              <a:spcBef>
-                <a:spcPts val="0"/>
-              </a:spcBef>
-              <a:spcAft>
-                <a:spcPts val="0"/>
-              </a:spcAft>
-              <a:buClrTx/>
-              <a:buSzTx/>
-              <a:buFontTx/>
-              <a:buNone/>
-              <a:tabLst/>
-              <a:defRPr/>
+            <a:pPr marL="171450" lvl="0" indent="-171450">
+              <a:buFont typeface="Arial" panose="020B0604020202020204" pitchFamily="34" charset="0"/>
+              <a:buChar char="•"/>
             </a:pPr>
             <a:r>
-              <a:rPr lang="en-US" dirty="0">
-                <a:solidFill>
-                  <a:srgbClr val="000000"/>
-                </a:solidFill>
-                <a:ea typeface="Cronos Pro"/>
-              </a:rPr>
-              <a:t>Useful function from </a:t>
-            </a:r>
-            <a:r>
-              <a:rPr lang="en-US" b="1" dirty="0" err="1">
-                <a:solidFill>
-                  <a:srgbClr val="000000"/>
-                </a:solidFill>
-                <a:latin typeface="Courier New"/>
-                <a:ea typeface="Cronos Pro"/>
-                <a:cs typeface="Courier New"/>
-              </a:rPr>
-              <a:t>Pervasives</a:t>
-            </a:r>
-            <a:r>
-              <a:rPr lang="en-US" b="1" dirty="0">
-                <a:solidFill>
-                  <a:srgbClr val="000000"/>
-                </a:solidFill>
-                <a:ea typeface="Cronos Pro"/>
-              </a:rPr>
-              <a:t>:  </a:t>
-            </a:r>
-            <a:br>
-              <a:rPr lang="en-US" b="1" dirty="0">
-                <a:solidFill>
-                  <a:srgbClr val="000000"/>
-                </a:solidFill>
-                <a:ea typeface="Cronos Pro"/>
-              </a:rPr>
-            </a:br>
-            <a:r>
-              <a:rPr lang="en-US" b="1" dirty="0">
-                <a:solidFill>
-                  <a:srgbClr val="000000"/>
-                </a:solidFill>
-                <a:latin typeface="Courier New"/>
-                <a:ea typeface="Cronos Pro"/>
-                <a:cs typeface="Courier New"/>
-              </a:rPr>
-              <a:t>ignore : ‘a -&gt; unit</a:t>
-            </a:r>
-            <a:br>
-              <a:rPr lang="en-US" b="1" dirty="0">
-                <a:solidFill>
-                  <a:srgbClr val="000000"/>
-                </a:solidFill>
-                <a:latin typeface="Courier New"/>
-                <a:ea typeface="Cronos Pro"/>
-                <a:cs typeface="Courier New"/>
-              </a:rPr>
-            </a:br>
-            <a:r>
-              <a:rPr lang="en-US" dirty="0">
-                <a:solidFill>
-                  <a:srgbClr val="000000"/>
-                </a:solidFill>
-                <a:ea typeface="Cronos Pro"/>
-              </a:rPr>
-              <a:t>Evaluates its argument then returns </a:t>
-            </a:r>
-            <a:r>
-              <a:rPr lang="en-US" b="1" dirty="0">
-                <a:solidFill>
-                  <a:srgbClr val="000000"/>
-                </a:solidFill>
-                <a:latin typeface="Courier New"/>
-                <a:ea typeface="Cronos Pro"/>
-                <a:cs typeface="Courier New"/>
-              </a:rPr>
-              <a:t>()</a:t>
-            </a:r>
-            <a:endParaRPr lang="en-US" b="1" dirty="0">
-              <a:solidFill>
-                <a:srgbClr val="000000"/>
-              </a:solidFill>
-              <a:latin typeface="Courier New"/>
-              <a:cs typeface="Courier New"/>
-            </a:endParaRPr>
+              <a:rPr lang="en-US" dirty="0"/>
+              <a:t>Values:</a:t>
+            </a:r>
+          </a:p>
+          <a:p>
+            <a:pPr marL="628650" lvl="1" indent="-171450">
+              <a:buFont typeface="Arial" panose="020B0604020202020204" pitchFamily="34" charset="0"/>
+              <a:buChar char="•"/>
+            </a:pPr>
+            <a:r>
+              <a:rPr lang="en-US" dirty="0"/>
+              <a:t>Can pass and return from functions</a:t>
+            </a:r>
+          </a:p>
+          <a:p>
+            <a:pPr marL="628650" lvl="1" indent="-171450">
+              <a:buFont typeface="Arial" panose="020B0604020202020204" pitchFamily="34" charset="0"/>
+              <a:buChar char="•"/>
+            </a:pPr>
+            <a:r>
+              <a:rPr lang="en-US" dirty="0"/>
+              <a:t>Evaluation of an expression is done when if it reduces to a location</a:t>
+            </a:r>
+          </a:p>
+          <a:p>
+            <a:pPr marL="171450" indent="-171450">
+              <a:buFont typeface="Arial" panose="020B0604020202020204" pitchFamily="34" charset="0"/>
+              <a:buChar char="•"/>
+            </a:pPr>
+            <a:r>
+              <a:rPr lang="en-US" dirty="0"/>
+              <a:t>Not expressions:</a:t>
+            </a:r>
+          </a:p>
+          <a:p>
+            <a:pPr marL="628650" lvl="1" indent="-171450">
+              <a:buFont typeface="Arial" panose="020B0604020202020204" pitchFamily="34" charset="0"/>
+              <a:buChar char="•"/>
+            </a:pPr>
+            <a:r>
+              <a:rPr lang="en-US" dirty="0"/>
+              <a:t>Can’t write a location directly</a:t>
+            </a:r>
+          </a:p>
+          <a:p>
+            <a:pPr marL="628650" lvl="1" indent="-171450">
+              <a:buFont typeface="Arial" panose="020B0604020202020204" pitchFamily="34" charset="0"/>
+              <a:buChar char="•"/>
+            </a:pPr>
+            <a:r>
+              <a:rPr lang="en-US" dirty="0"/>
+              <a:t>No memory addresses expressible in language syntax</a:t>
+            </a:r>
+          </a:p>
+          <a:p>
+            <a:pPr marL="628650" lvl="1" indent="-171450">
+              <a:buFont typeface="Arial" panose="020B0604020202020204" pitchFamily="34" charset="0"/>
+              <a:buChar char="•"/>
+            </a:pPr>
+            <a:r>
+              <a:rPr lang="en-US" dirty="0"/>
+              <a:t>No pointer arithmetic</a:t>
+            </a:r>
           </a:p>
           <a:p>
             <a:endParaRPr lang="en-US" dirty="0"/>
@@ -1116,7 +1927,7 @@
             <a:spLocks noGrp="1"/>
           </p:cNvSpPr>
           <p:nvPr>
-            <p:ph type="sldNum" sz="quarter" idx="10"/>
+            <p:ph type="sldNum" sz="quarter" idx="5"/>
           </p:nvPr>
         </p:nvSpPr>
         <p:spPr/>
@@ -1126,7 +1937,7 @@
           <a:p>
             <a:fld id="{B7975FD5-AB21-4C45-BFE8-1D3F02B463E2}" type="slidenum">
               <a:rPr lang="en-US" smtClean="0"/>
-              <a:t>11</a:t>
+              <a:t>7</a:t>
             </a:fld>
             <a:endParaRPr lang="en-US"/>
           </a:p>
@@ -1135,7 +1946,7 @@
     </p:spTree>
     <p:extLst>
       <p:ext uri="{BB962C8B-B14F-4D97-AF65-F5344CB8AC3E}">
-        <p14:creationId xmlns:p14="http://schemas.microsoft.com/office/powerpoint/2010/main" val="950149115"/>
+        <p14:creationId xmlns:p14="http://schemas.microsoft.com/office/powerpoint/2010/main" val="1056688220"/>
       </p:ext>
     </p:extLst>
   </p:cSld>
@@ -1189,587 +2000,107 @@
           <a:bodyPr/>
           <a:lstStyle/>
           <a:p>
-            <a:r>
-              <a:rPr lang="en-US" sz="1200" b="0" u="sng" kern="1200" dirty="0">
-                <a:solidFill>
-                  <a:schemeClr val="tx1"/>
-                </a:solidFill>
-                <a:effectLst/>
-                <a:latin typeface="+mn-lt"/>
-                <a:ea typeface="+mn-ea"/>
-                <a:cs typeface="+mn-cs"/>
-              </a:rPr>
-              <a:t>type</a:t>
-            </a:r>
-            <a:r>
-              <a:rPr lang="en-US" sz="1200" b="0" kern="1200" dirty="0">
-                <a:solidFill>
-                  <a:schemeClr val="tx1"/>
-                </a:solidFill>
-                <a:effectLst/>
-                <a:latin typeface="+mn-lt"/>
-                <a:ea typeface="+mn-ea"/>
-                <a:cs typeface="+mn-cs"/>
-              </a:rPr>
-              <a:t> </a:t>
-            </a:r>
-            <a:r>
-              <a:rPr lang="en-US" sz="1200" b="1" kern="1200" dirty="0">
-                <a:solidFill>
-                  <a:schemeClr val="tx1"/>
-                </a:solidFill>
-                <a:effectLst/>
-                <a:latin typeface="+mn-lt"/>
-                <a:ea typeface="+mn-ea"/>
-                <a:cs typeface="+mn-cs"/>
-              </a:rPr>
-              <a:t>point</a:t>
-            </a:r>
-            <a:r>
-              <a:rPr lang="en-US" sz="1200" b="0" kern="1200" dirty="0">
-                <a:solidFill>
-                  <a:schemeClr val="tx1"/>
-                </a:solidFill>
-                <a:effectLst/>
-                <a:latin typeface="+mn-lt"/>
-                <a:ea typeface="+mn-ea"/>
-                <a:cs typeface="+mn-cs"/>
-              </a:rPr>
-              <a:t> </a:t>
-            </a:r>
-            <a:r>
-              <a:rPr lang="en-US" sz="1200" b="1" kern="1200" dirty="0">
-                <a:solidFill>
-                  <a:schemeClr val="tx1"/>
-                </a:solidFill>
-                <a:effectLst/>
-                <a:latin typeface="+mn-lt"/>
-                <a:ea typeface="+mn-ea"/>
-                <a:cs typeface="+mn-cs"/>
-              </a:rPr>
-              <a:t>=</a:t>
-            </a:r>
-            <a:r>
-              <a:rPr lang="en-US" sz="1200" b="0" kern="1200" dirty="0">
-                <a:solidFill>
-                  <a:schemeClr val="tx1"/>
-                </a:solidFill>
-                <a:effectLst/>
-                <a:latin typeface="+mn-lt"/>
-                <a:ea typeface="+mn-ea"/>
-                <a:cs typeface="+mn-cs"/>
-              </a:rPr>
-              <a:t> </a:t>
-            </a:r>
-            <a:r>
-              <a:rPr lang="en-US" sz="1200" b="1" kern="1200" dirty="0">
-                <a:solidFill>
-                  <a:schemeClr val="tx1"/>
-                </a:solidFill>
-                <a:effectLst/>
-                <a:latin typeface="+mn-lt"/>
-                <a:ea typeface="+mn-ea"/>
-                <a:cs typeface="+mn-cs"/>
-              </a:rPr>
-              <a:t>{</a:t>
-            </a:r>
-            <a:r>
-              <a:rPr lang="en-US" sz="1200" b="0" i="1" kern="1200" dirty="0" err="1">
-                <a:solidFill>
-                  <a:schemeClr val="tx1"/>
-                </a:solidFill>
-                <a:effectLst/>
-                <a:latin typeface="+mn-lt"/>
-                <a:ea typeface="+mn-ea"/>
-                <a:cs typeface="+mn-cs"/>
-              </a:rPr>
-              <a:t>x</a:t>
-            </a:r>
-            <a:r>
-              <a:rPr lang="en-US" sz="1200" b="1" kern="1200" dirty="0" err="1">
-                <a:solidFill>
-                  <a:schemeClr val="tx1"/>
-                </a:solidFill>
-                <a:effectLst/>
-                <a:latin typeface="+mn-lt"/>
-                <a:ea typeface="+mn-ea"/>
-                <a:cs typeface="+mn-cs"/>
-              </a:rPr>
-              <a:t>:</a:t>
-            </a:r>
-            <a:r>
-              <a:rPr lang="en-US" sz="1200" b="0" kern="1200" dirty="0" err="1">
-                <a:solidFill>
-                  <a:schemeClr val="tx1"/>
-                </a:solidFill>
-                <a:effectLst/>
-                <a:latin typeface="+mn-lt"/>
-                <a:ea typeface="+mn-ea"/>
-                <a:cs typeface="+mn-cs"/>
-              </a:rPr>
-              <a:t>int</a:t>
-            </a:r>
-            <a:r>
-              <a:rPr lang="en-US" sz="1200" b="0" kern="1200" dirty="0">
-                <a:solidFill>
-                  <a:schemeClr val="tx1"/>
-                </a:solidFill>
-                <a:effectLst/>
-                <a:latin typeface="+mn-lt"/>
-                <a:ea typeface="+mn-ea"/>
-                <a:cs typeface="+mn-cs"/>
-              </a:rPr>
-              <a:t>; </a:t>
-            </a:r>
-            <a:r>
-              <a:rPr lang="en-US" sz="1200" b="0" i="1" kern="1200" dirty="0" err="1">
-                <a:solidFill>
-                  <a:schemeClr val="tx1"/>
-                </a:solidFill>
-                <a:effectLst/>
-                <a:latin typeface="+mn-lt"/>
-                <a:ea typeface="+mn-ea"/>
-                <a:cs typeface="+mn-cs"/>
-              </a:rPr>
-              <a:t>y</a:t>
-            </a:r>
-            <a:r>
-              <a:rPr lang="en-US" sz="1200" b="1" kern="1200" dirty="0" err="1">
-                <a:solidFill>
-                  <a:schemeClr val="tx1"/>
-                </a:solidFill>
-                <a:effectLst/>
-                <a:latin typeface="+mn-lt"/>
-                <a:ea typeface="+mn-ea"/>
-                <a:cs typeface="+mn-cs"/>
-              </a:rPr>
-              <a:t>:</a:t>
-            </a:r>
-            <a:r>
-              <a:rPr lang="en-US" sz="1200" b="0" kern="1200" dirty="0" err="1">
-                <a:solidFill>
-                  <a:schemeClr val="tx1"/>
-                </a:solidFill>
-                <a:effectLst/>
-                <a:latin typeface="+mn-lt"/>
-                <a:ea typeface="+mn-ea"/>
-                <a:cs typeface="+mn-cs"/>
-              </a:rPr>
-              <a:t>int</a:t>
-            </a:r>
-            <a:r>
-              <a:rPr lang="en-US" sz="1200" b="0" kern="1200" dirty="0">
-                <a:solidFill>
-                  <a:schemeClr val="tx1"/>
-                </a:solidFill>
-                <a:effectLst/>
-                <a:latin typeface="+mn-lt"/>
-                <a:ea typeface="+mn-ea"/>
-                <a:cs typeface="+mn-cs"/>
-              </a:rPr>
-              <a:t>; mutable </a:t>
-            </a:r>
-            <a:r>
-              <a:rPr lang="en-US" sz="1200" b="0" i="1" kern="1200" dirty="0" err="1">
-                <a:solidFill>
-                  <a:schemeClr val="tx1"/>
-                </a:solidFill>
-                <a:effectLst/>
-                <a:latin typeface="+mn-lt"/>
-                <a:ea typeface="+mn-ea"/>
-                <a:cs typeface="+mn-cs"/>
-              </a:rPr>
-              <a:t>c</a:t>
-            </a:r>
-            <a:r>
-              <a:rPr lang="en-US" sz="1200" b="1" kern="1200" dirty="0" err="1">
-                <a:solidFill>
-                  <a:schemeClr val="tx1"/>
-                </a:solidFill>
-                <a:effectLst/>
-                <a:latin typeface="+mn-lt"/>
-                <a:ea typeface="+mn-ea"/>
-                <a:cs typeface="+mn-cs"/>
-              </a:rPr>
-              <a:t>:</a:t>
-            </a:r>
-            <a:r>
-              <a:rPr lang="en-US" sz="1200" b="0" kern="1200" dirty="0" err="1">
-                <a:solidFill>
-                  <a:schemeClr val="tx1"/>
-                </a:solidFill>
-                <a:effectLst/>
-                <a:latin typeface="+mn-lt"/>
-                <a:ea typeface="+mn-ea"/>
-                <a:cs typeface="+mn-cs"/>
-              </a:rPr>
-              <a:t>string</a:t>
-            </a:r>
-            <a:r>
-              <a:rPr lang="en-US" sz="1200" b="1" kern="1200" dirty="0">
-                <a:solidFill>
-                  <a:schemeClr val="tx1"/>
-                </a:solidFill>
-                <a:effectLst/>
-                <a:latin typeface="+mn-lt"/>
-                <a:ea typeface="+mn-ea"/>
-                <a:cs typeface="+mn-cs"/>
-              </a:rPr>
-              <a:t>}</a:t>
-            </a:r>
-            <a:r>
-              <a:rPr lang="en-US" sz="1200" b="0" kern="1200" dirty="0">
-                <a:solidFill>
-                  <a:schemeClr val="tx1"/>
-                </a:solidFill>
-                <a:effectLst/>
-                <a:latin typeface="+mn-lt"/>
-                <a:ea typeface="+mn-ea"/>
-                <a:cs typeface="+mn-cs"/>
-              </a:rPr>
-              <a:t>;;</a:t>
-            </a:r>
-          </a:p>
-          <a:p>
-            <a:r>
-              <a:rPr lang="en-US" sz="1200" b="0" u="sng" kern="1200" dirty="0">
-                <a:solidFill>
-                  <a:schemeClr val="tx1"/>
-                </a:solidFill>
-                <a:effectLst/>
-                <a:latin typeface="+mn-lt"/>
-                <a:ea typeface="+mn-ea"/>
-                <a:cs typeface="+mn-cs"/>
-              </a:rPr>
-              <a:t>let</a:t>
-            </a:r>
-            <a:r>
-              <a:rPr lang="en-US" sz="1200" b="0" kern="1200" dirty="0">
-                <a:solidFill>
-                  <a:schemeClr val="tx1"/>
-                </a:solidFill>
-                <a:effectLst/>
-                <a:latin typeface="+mn-lt"/>
-                <a:ea typeface="+mn-ea"/>
-                <a:cs typeface="+mn-cs"/>
-              </a:rPr>
-              <a:t> </a:t>
-            </a:r>
-            <a:r>
-              <a:rPr lang="en-US" sz="1200" b="0" i="1" kern="1200" dirty="0">
-                <a:solidFill>
-                  <a:schemeClr val="tx1"/>
-                </a:solidFill>
-                <a:effectLst/>
-                <a:latin typeface="+mn-lt"/>
-                <a:ea typeface="+mn-ea"/>
-                <a:cs typeface="+mn-cs"/>
-              </a:rPr>
-              <a:t>p</a:t>
-            </a:r>
-            <a:r>
-              <a:rPr lang="en-US" sz="1200" b="0" kern="1200" dirty="0">
-                <a:solidFill>
-                  <a:schemeClr val="tx1"/>
-                </a:solidFill>
-                <a:effectLst/>
-                <a:latin typeface="+mn-lt"/>
-                <a:ea typeface="+mn-ea"/>
-                <a:cs typeface="+mn-cs"/>
-              </a:rPr>
-              <a:t> </a:t>
-            </a:r>
-            <a:r>
-              <a:rPr lang="en-US" sz="1200" b="1" kern="1200" dirty="0">
-                <a:solidFill>
-                  <a:schemeClr val="tx1"/>
-                </a:solidFill>
-                <a:effectLst/>
-                <a:latin typeface="+mn-lt"/>
-                <a:ea typeface="+mn-ea"/>
-                <a:cs typeface="+mn-cs"/>
-              </a:rPr>
-              <a:t>=</a:t>
-            </a:r>
-            <a:r>
-              <a:rPr lang="en-US" sz="1200" b="0" kern="1200" dirty="0">
-                <a:solidFill>
-                  <a:schemeClr val="tx1"/>
-                </a:solidFill>
-                <a:effectLst/>
-                <a:latin typeface="+mn-lt"/>
-                <a:ea typeface="+mn-ea"/>
-                <a:cs typeface="+mn-cs"/>
-              </a:rPr>
-              <a:t> </a:t>
-            </a:r>
-            <a:r>
-              <a:rPr lang="en-US" sz="1200" b="1" kern="1200" dirty="0">
-                <a:solidFill>
-                  <a:schemeClr val="tx1"/>
-                </a:solidFill>
-                <a:effectLst/>
-                <a:latin typeface="+mn-lt"/>
-                <a:ea typeface="+mn-ea"/>
-                <a:cs typeface="+mn-cs"/>
-              </a:rPr>
-              <a:t>{</a:t>
-            </a:r>
-            <a:r>
-              <a:rPr lang="en-US" sz="1200" b="0" i="1" kern="1200" dirty="0">
-                <a:solidFill>
-                  <a:schemeClr val="tx1"/>
-                </a:solidFill>
-                <a:effectLst/>
-                <a:latin typeface="+mn-lt"/>
-                <a:ea typeface="+mn-ea"/>
-                <a:cs typeface="+mn-cs"/>
-              </a:rPr>
-              <a:t>x</a:t>
-            </a:r>
-            <a:r>
-              <a:rPr lang="en-US" sz="1200" b="1" kern="1200" dirty="0">
-                <a:solidFill>
-                  <a:schemeClr val="tx1"/>
-                </a:solidFill>
-                <a:effectLst/>
-                <a:latin typeface="+mn-lt"/>
-                <a:ea typeface="+mn-ea"/>
-                <a:cs typeface="+mn-cs"/>
-              </a:rPr>
-              <a:t>=</a:t>
-            </a:r>
-            <a:r>
-              <a:rPr lang="en-US" sz="1200" b="0" kern="1200" dirty="0">
-                <a:solidFill>
-                  <a:schemeClr val="tx1"/>
-                </a:solidFill>
-                <a:effectLst/>
-                <a:latin typeface="+mn-lt"/>
-                <a:ea typeface="+mn-ea"/>
-                <a:cs typeface="+mn-cs"/>
-              </a:rPr>
-              <a:t>0; </a:t>
-            </a:r>
-            <a:r>
-              <a:rPr lang="en-US" sz="1200" b="0" i="1" kern="1200" dirty="0">
-                <a:solidFill>
-                  <a:schemeClr val="tx1"/>
-                </a:solidFill>
-                <a:effectLst/>
-                <a:latin typeface="+mn-lt"/>
-                <a:ea typeface="+mn-ea"/>
-                <a:cs typeface="+mn-cs"/>
-              </a:rPr>
-              <a:t>y</a:t>
-            </a:r>
-            <a:r>
-              <a:rPr lang="en-US" sz="1200" b="1" kern="1200" dirty="0">
-                <a:solidFill>
-                  <a:schemeClr val="tx1"/>
-                </a:solidFill>
-                <a:effectLst/>
-                <a:latin typeface="+mn-lt"/>
-                <a:ea typeface="+mn-ea"/>
-                <a:cs typeface="+mn-cs"/>
-              </a:rPr>
-              <a:t>=</a:t>
-            </a:r>
-            <a:r>
-              <a:rPr lang="en-US" sz="1200" b="0" kern="1200" dirty="0">
-                <a:solidFill>
-                  <a:schemeClr val="tx1"/>
-                </a:solidFill>
-                <a:effectLst/>
-                <a:latin typeface="+mn-lt"/>
-                <a:ea typeface="+mn-ea"/>
-                <a:cs typeface="+mn-cs"/>
-              </a:rPr>
-              <a:t>0; </a:t>
-            </a:r>
-            <a:r>
-              <a:rPr lang="en-US" sz="1200" b="0" i="1" kern="1200" dirty="0">
-                <a:solidFill>
-                  <a:schemeClr val="tx1"/>
-                </a:solidFill>
-                <a:effectLst/>
-                <a:latin typeface="+mn-lt"/>
-                <a:ea typeface="+mn-ea"/>
-                <a:cs typeface="+mn-cs"/>
-              </a:rPr>
-              <a:t>c</a:t>
-            </a:r>
-            <a:r>
-              <a:rPr lang="en-US" sz="1200" b="1" kern="1200" dirty="0">
-                <a:solidFill>
-                  <a:schemeClr val="tx1"/>
-                </a:solidFill>
-                <a:effectLst/>
-                <a:latin typeface="+mn-lt"/>
-                <a:ea typeface="+mn-ea"/>
-                <a:cs typeface="+mn-cs"/>
-              </a:rPr>
-              <a:t>=</a:t>
-            </a:r>
-            <a:r>
-              <a:rPr lang="en-US" sz="1200" b="0" kern="1200" dirty="0">
-                <a:solidFill>
-                  <a:schemeClr val="tx1"/>
-                </a:solidFill>
-                <a:effectLst/>
-                <a:latin typeface="+mn-lt"/>
-                <a:ea typeface="+mn-ea"/>
-                <a:cs typeface="+mn-cs"/>
-              </a:rPr>
-              <a:t>"red"</a:t>
-            </a:r>
-            <a:r>
-              <a:rPr lang="en-US" sz="1200" b="1" kern="1200" dirty="0">
-                <a:solidFill>
-                  <a:schemeClr val="tx1"/>
-                </a:solidFill>
-                <a:effectLst/>
-                <a:latin typeface="+mn-lt"/>
-                <a:ea typeface="+mn-ea"/>
-                <a:cs typeface="+mn-cs"/>
-              </a:rPr>
-              <a:t>}</a:t>
-            </a:r>
-            <a:r>
-              <a:rPr lang="en-US" sz="1200" b="0" kern="1200" dirty="0">
-                <a:solidFill>
-                  <a:schemeClr val="tx1"/>
-                </a:solidFill>
-                <a:effectLst/>
-                <a:latin typeface="+mn-lt"/>
-                <a:ea typeface="+mn-ea"/>
-                <a:cs typeface="+mn-cs"/>
-              </a:rPr>
-              <a:t>;;</a:t>
-            </a:r>
-          </a:p>
-          <a:p>
-            <a:r>
-              <a:rPr lang="en-US" sz="1200" b="0" kern="1200" dirty="0" err="1">
-                <a:solidFill>
-                  <a:schemeClr val="tx1"/>
-                </a:solidFill>
-                <a:effectLst/>
-                <a:latin typeface="+mn-lt"/>
-                <a:ea typeface="+mn-ea"/>
-                <a:cs typeface="+mn-cs"/>
-              </a:rPr>
-              <a:t>p.c</a:t>
-            </a:r>
-            <a:r>
-              <a:rPr lang="en-US" sz="1200" b="0" kern="1200" dirty="0">
-                <a:solidFill>
-                  <a:schemeClr val="tx1"/>
-                </a:solidFill>
-                <a:effectLst/>
-                <a:latin typeface="+mn-lt"/>
-                <a:ea typeface="+mn-ea"/>
-                <a:cs typeface="+mn-cs"/>
-              </a:rPr>
-              <a:t> &lt;- "white";;</a:t>
-            </a:r>
-          </a:p>
-          <a:p>
-            <a:r>
-              <a:rPr lang="en-US" sz="1200" b="0" kern="1200" dirty="0">
-                <a:solidFill>
-                  <a:schemeClr val="tx1"/>
-                </a:solidFill>
-                <a:effectLst/>
-                <a:latin typeface="+mn-lt"/>
-                <a:ea typeface="+mn-ea"/>
-                <a:cs typeface="+mn-cs"/>
-              </a:rPr>
-              <a:t>p;;</a:t>
-            </a:r>
-          </a:p>
-          <a:p>
+            <a:pPr marL="0" marR="0" indent="0" algn="l" defTabSz="457200" rtl="0" eaLnBrk="1" fontAlgn="auto" latinLnBrk="0" hangingPunct="1">
+              <a:lnSpc>
+                <a:spcPct val="100000"/>
+              </a:lnSpc>
+              <a:spcBef>
+                <a:spcPts val="0"/>
+              </a:spcBef>
+              <a:spcAft>
+                <a:spcPts val="0"/>
+              </a:spcAft>
+              <a:buClrTx/>
+              <a:buSzTx/>
+              <a:buFontTx/>
+              <a:buNone/>
+              <a:tabLst/>
+              <a:defRPr/>
+            </a:pPr>
+            <a:r>
+              <a:rPr lang="en-US" dirty="0">
+                <a:solidFill>
+                  <a:srgbClr val="000000"/>
+                </a:solidFill>
+                <a:ea typeface="Cronos Pro"/>
+              </a:rPr>
+              <a:t>Useful function from </a:t>
+            </a:r>
+            <a:r>
+              <a:rPr lang="en-US" b="1" dirty="0" err="1">
+                <a:solidFill>
+                  <a:srgbClr val="000000"/>
+                </a:solidFill>
+                <a:latin typeface="Courier New"/>
+                <a:ea typeface="Cronos Pro"/>
+                <a:cs typeface="Courier New"/>
+              </a:rPr>
+              <a:t>Pervasives</a:t>
+            </a:r>
+            <a:r>
+              <a:rPr lang="en-US" b="1" dirty="0">
+                <a:solidFill>
+                  <a:srgbClr val="000000"/>
+                </a:solidFill>
+                <a:ea typeface="Cronos Pro"/>
+              </a:rPr>
+              <a:t>:  </a:t>
+            </a:r>
             <a:br>
-              <a:rPr lang="en-US" sz="1200" b="0" kern="1200" dirty="0">
-                <a:solidFill>
-                  <a:schemeClr val="tx1"/>
-                </a:solidFill>
-                <a:effectLst/>
-                <a:latin typeface="+mn-lt"/>
-                <a:ea typeface="+mn-ea"/>
-                <a:cs typeface="+mn-cs"/>
+              <a:rPr lang="en-US" b="1" dirty="0">
+                <a:solidFill>
+                  <a:srgbClr val="000000"/>
+                </a:solidFill>
+                <a:ea typeface="Cronos Pro"/>
               </a:rPr>
             </a:br>
             <a:r>
-              <a:rPr lang="en-US" sz="1200" b="0" kern="1200" dirty="0">
-                <a:solidFill>
-                  <a:schemeClr val="tx1"/>
-                </a:solidFill>
-                <a:effectLst/>
-                <a:latin typeface="+mn-lt"/>
-                <a:ea typeface="+mn-ea"/>
-                <a:cs typeface="+mn-cs"/>
-              </a:rPr>
-              <a:t>(*</a:t>
-            </a:r>
-            <a:r>
-              <a:rPr lang="en-US" sz="1200" b="0" i="1" kern="1200" dirty="0">
-                <a:solidFill>
-                  <a:schemeClr val="tx1"/>
-                </a:solidFill>
-                <a:effectLst/>
-                <a:latin typeface="+mn-lt"/>
-                <a:ea typeface="+mn-ea"/>
-                <a:cs typeface="+mn-cs"/>
-              </a:rPr>
-              <a:t> Error: </a:t>
-            </a:r>
-            <a:r>
-              <a:rPr lang="en-US" sz="1200" b="0" kern="1200" dirty="0">
-                <a:solidFill>
-                  <a:schemeClr val="tx1"/>
-                </a:solidFill>
-                <a:effectLst/>
-                <a:latin typeface="+mn-lt"/>
-                <a:ea typeface="+mn-ea"/>
-                <a:cs typeface="+mn-cs"/>
-              </a:rPr>
-              <a:t>*)</a:t>
-            </a:r>
-          </a:p>
-          <a:p>
-            <a:r>
-              <a:rPr lang="en-US" sz="1200" b="0" i="1" kern="1200" dirty="0" err="1">
-                <a:solidFill>
-                  <a:schemeClr val="tx1"/>
-                </a:solidFill>
-                <a:effectLst/>
-                <a:latin typeface="+mn-lt"/>
-                <a:ea typeface="+mn-ea"/>
-                <a:cs typeface="+mn-cs"/>
-              </a:rPr>
-              <a:t>p.x</a:t>
-            </a:r>
-            <a:r>
-              <a:rPr lang="en-US" sz="1200" b="0" i="1" kern="1200" dirty="0">
-                <a:solidFill>
-                  <a:schemeClr val="tx1"/>
-                </a:solidFill>
-                <a:effectLst/>
-                <a:latin typeface="+mn-lt"/>
-                <a:ea typeface="+mn-ea"/>
-                <a:cs typeface="+mn-cs"/>
-              </a:rPr>
-              <a:t> &lt;- 3;;</a:t>
-            </a:r>
-            <a:endParaRPr lang="en-US" sz="1200" b="0" kern="1200" dirty="0">
+              <a:rPr lang="en-US" b="1" dirty="0">
+                <a:solidFill>
+                  <a:srgbClr val="000000"/>
+                </a:solidFill>
+                <a:latin typeface="Courier New"/>
+                <a:ea typeface="Cronos Pro"/>
+                <a:cs typeface="Courier New"/>
+              </a:rPr>
+              <a:t>ignore : ‘a -&gt; unit</a:t>
+            </a:r>
+            <a:br>
+              <a:rPr lang="en-US" b="1" dirty="0">
+                <a:solidFill>
+                  <a:srgbClr val="000000"/>
+                </a:solidFill>
+                <a:latin typeface="Courier New"/>
+                <a:ea typeface="Cronos Pro"/>
+                <a:cs typeface="Courier New"/>
+              </a:rPr>
+            </a:br>
+            <a:r>
+              <a:rPr lang="en-US" dirty="0">
+                <a:solidFill>
+                  <a:srgbClr val="000000"/>
+                </a:solidFill>
+                <a:ea typeface="Cronos Pro"/>
+              </a:rPr>
+              <a:t>Evaluates its argument then returns </a:t>
+            </a:r>
+            <a:r>
+              <a:rPr lang="en-US" b="1" dirty="0">
+                <a:solidFill>
+                  <a:srgbClr val="000000"/>
+                </a:solidFill>
+                <a:latin typeface="Courier New"/>
+                <a:ea typeface="Cronos Pro"/>
+                <a:cs typeface="Courier New"/>
+              </a:rPr>
+              <a:t>()</a:t>
+            </a:r>
+            <a:endParaRPr lang="en-US" b="1" dirty="0">
               <a:solidFill>
-                <a:schemeClr val="tx1"/>
+                <a:srgbClr val="000000"/>
               </a:solidFill>
-              <a:effectLst/>
-              <a:latin typeface="+mn-lt"/>
-              <a:ea typeface="+mn-ea"/>
-              <a:cs typeface="+mn-cs"/>
+              <a:latin typeface="Courier New"/>
+              <a:cs typeface="Courier New"/>
             </a:endParaRPr>
           </a:p>
           <a:p>
@@ -1784,7 +2115,7 @@
             <a:spLocks noGrp="1"/>
           </p:cNvSpPr>
           <p:nvPr>
-            <p:ph type="sldNum" sz="quarter" idx="5"/>
+            <p:ph type="sldNum" sz="quarter" idx="10"/>
           </p:nvPr>
         </p:nvSpPr>
         <p:spPr/>
@@ -1803,7 +2134,7 @@
     </p:spTree>
     <p:extLst>
       <p:ext uri="{BB962C8B-B14F-4D97-AF65-F5344CB8AC3E}">
-        <p14:creationId xmlns:p14="http://schemas.microsoft.com/office/powerpoint/2010/main" val="2543470098"/>
+        <p14:creationId xmlns:p14="http://schemas.microsoft.com/office/powerpoint/2010/main" val="950149115"/>
       </p:ext>
     </p:extLst>
   </p:cSld>
@@ -1857,6 +2188,590 @@
           <a:bodyPr/>
           <a:lstStyle/>
           <a:p>
+            <a:r>
+              <a:rPr lang="en-US" sz="1200" b="0" u="sng" kern="1200" dirty="0">
+                <a:solidFill>
+                  <a:schemeClr val="tx1"/>
+                </a:solidFill>
+                <a:effectLst/>
+                <a:latin typeface="+mn-lt"/>
+                <a:ea typeface="+mn-ea"/>
+                <a:cs typeface="+mn-cs"/>
+              </a:rPr>
+              <a:t>type</a:t>
+            </a:r>
+            <a:r>
+              <a:rPr lang="en-US" sz="1200" b="0" kern="1200" dirty="0">
+                <a:solidFill>
+                  <a:schemeClr val="tx1"/>
+                </a:solidFill>
+                <a:effectLst/>
+                <a:latin typeface="+mn-lt"/>
+                <a:ea typeface="+mn-ea"/>
+                <a:cs typeface="+mn-cs"/>
+              </a:rPr>
+              <a:t> </a:t>
+            </a:r>
+            <a:r>
+              <a:rPr lang="en-US" sz="1200" b="1" kern="1200" dirty="0">
+                <a:solidFill>
+                  <a:schemeClr val="tx1"/>
+                </a:solidFill>
+                <a:effectLst/>
+                <a:latin typeface="+mn-lt"/>
+                <a:ea typeface="+mn-ea"/>
+                <a:cs typeface="+mn-cs"/>
+              </a:rPr>
+              <a:t>point</a:t>
+            </a:r>
+            <a:r>
+              <a:rPr lang="en-US" sz="1200" b="0" kern="1200" dirty="0">
+                <a:solidFill>
+                  <a:schemeClr val="tx1"/>
+                </a:solidFill>
+                <a:effectLst/>
+                <a:latin typeface="+mn-lt"/>
+                <a:ea typeface="+mn-ea"/>
+                <a:cs typeface="+mn-cs"/>
+              </a:rPr>
+              <a:t> </a:t>
+            </a:r>
+            <a:r>
+              <a:rPr lang="en-US" sz="1200" b="1" kern="1200" dirty="0">
+                <a:solidFill>
+                  <a:schemeClr val="tx1"/>
+                </a:solidFill>
+                <a:effectLst/>
+                <a:latin typeface="+mn-lt"/>
+                <a:ea typeface="+mn-ea"/>
+                <a:cs typeface="+mn-cs"/>
+              </a:rPr>
+              <a:t>=</a:t>
+            </a:r>
+            <a:r>
+              <a:rPr lang="en-US" sz="1200" b="0" kern="1200" dirty="0">
+                <a:solidFill>
+                  <a:schemeClr val="tx1"/>
+                </a:solidFill>
+                <a:effectLst/>
+                <a:latin typeface="+mn-lt"/>
+                <a:ea typeface="+mn-ea"/>
+                <a:cs typeface="+mn-cs"/>
+              </a:rPr>
+              <a:t> </a:t>
+            </a:r>
+            <a:r>
+              <a:rPr lang="en-US" sz="1200" b="1" kern="1200" dirty="0">
+                <a:solidFill>
+                  <a:schemeClr val="tx1"/>
+                </a:solidFill>
+                <a:effectLst/>
+                <a:latin typeface="+mn-lt"/>
+                <a:ea typeface="+mn-ea"/>
+                <a:cs typeface="+mn-cs"/>
+              </a:rPr>
+              <a:t>{</a:t>
+            </a:r>
+            <a:r>
+              <a:rPr lang="en-US" sz="1200" b="0" i="1" kern="1200" dirty="0" err="1">
+                <a:solidFill>
+                  <a:schemeClr val="tx1"/>
+                </a:solidFill>
+                <a:effectLst/>
+                <a:latin typeface="+mn-lt"/>
+                <a:ea typeface="+mn-ea"/>
+                <a:cs typeface="+mn-cs"/>
+              </a:rPr>
+              <a:t>x</a:t>
+            </a:r>
+            <a:r>
+              <a:rPr lang="en-US" sz="1200" b="1" kern="1200" dirty="0" err="1">
+                <a:solidFill>
+                  <a:schemeClr val="tx1"/>
+                </a:solidFill>
+                <a:effectLst/>
+                <a:latin typeface="+mn-lt"/>
+                <a:ea typeface="+mn-ea"/>
+                <a:cs typeface="+mn-cs"/>
+              </a:rPr>
+              <a:t>:</a:t>
+            </a:r>
+            <a:r>
+              <a:rPr lang="en-US" sz="1200" b="0" kern="1200" dirty="0" err="1">
+                <a:solidFill>
+                  <a:schemeClr val="tx1"/>
+                </a:solidFill>
+                <a:effectLst/>
+                <a:latin typeface="+mn-lt"/>
+                <a:ea typeface="+mn-ea"/>
+                <a:cs typeface="+mn-cs"/>
+              </a:rPr>
+              <a:t>int</a:t>
+            </a:r>
+            <a:r>
+              <a:rPr lang="en-US" sz="1200" b="0" kern="1200" dirty="0">
+                <a:solidFill>
+                  <a:schemeClr val="tx1"/>
+                </a:solidFill>
+                <a:effectLst/>
+                <a:latin typeface="+mn-lt"/>
+                <a:ea typeface="+mn-ea"/>
+                <a:cs typeface="+mn-cs"/>
+              </a:rPr>
+              <a:t>; </a:t>
+            </a:r>
+            <a:r>
+              <a:rPr lang="en-US" sz="1200" b="0" i="1" kern="1200" dirty="0" err="1">
+                <a:solidFill>
+                  <a:schemeClr val="tx1"/>
+                </a:solidFill>
+                <a:effectLst/>
+                <a:latin typeface="+mn-lt"/>
+                <a:ea typeface="+mn-ea"/>
+                <a:cs typeface="+mn-cs"/>
+              </a:rPr>
+              <a:t>y</a:t>
+            </a:r>
+            <a:r>
+              <a:rPr lang="en-US" sz="1200" b="1" kern="1200" dirty="0" err="1">
+                <a:solidFill>
+                  <a:schemeClr val="tx1"/>
+                </a:solidFill>
+                <a:effectLst/>
+                <a:latin typeface="+mn-lt"/>
+                <a:ea typeface="+mn-ea"/>
+                <a:cs typeface="+mn-cs"/>
+              </a:rPr>
+              <a:t>:</a:t>
+            </a:r>
+            <a:r>
+              <a:rPr lang="en-US" sz="1200" b="0" kern="1200" dirty="0" err="1">
+                <a:solidFill>
+                  <a:schemeClr val="tx1"/>
+                </a:solidFill>
+                <a:effectLst/>
+                <a:latin typeface="+mn-lt"/>
+                <a:ea typeface="+mn-ea"/>
+                <a:cs typeface="+mn-cs"/>
+              </a:rPr>
+              <a:t>int</a:t>
+            </a:r>
+            <a:r>
+              <a:rPr lang="en-US" sz="1200" b="0" kern="1200" dirty="0">
+                <a:solidFill>
+                  <a:schemeClr val="tx1"/>
+                </a:solidFill>
+                <a:effectLst/>
+                <a:latin typeface="+mn-lt"/>
+                <a:ea typeface="+mn-ea"/>
+                <a:cs typeface="+mn-cs"/>
+              </a:rPr>
+              <a:t>; mutable </a:t>
+            </a:r>
+            <a:r>
+              <a:rPr lang="en-US" sz="1200" b="0" i="1" kern="1200" dirty="0" err="1">
+                <a:solidFill>
+                  <a:schemeClr val="tx1"/>
+                </a:solidFill>
+                <a:effectLst/>
+                <a:latin typeface="+mn-lt"/>
+                <a:ea typeface="+mn-ea"/>
+                <a:cs typeface="+mn-cs"/>
+              </a:rPr>
+              <a:t>c</a:t>
+            </a:r>
+            <a:r>
+              <a:rPr lang="en-US" sz="1200" b="1" kern="1200" dirty="0" err="1">
+                <a:solidFill>
+                  <a:schemeClr val="tx1"/>
+                </a:solidFill>
+                <a:effectLst/>
+                <a:latin typeface="+mn-lt"/>
+                <a:ea typeface="+mn-ea"/>
+                <a:cs typeface="+mn-cs"/>
+              </a:rPr>
+              <a:t>:</a:t>
+            </a:r>
+            <a:r>
+              <a:rPr lang="en-US" sz="1200" b="0" kern="1200" dirty="0" err="1">
+                <a:solidFill>
+                  <a:schemeClr val="tx1"/>
+                </a:solidFill>
+                <a:effectLst/>
+                <a:latin typeface="+mn-lt"/>
+                <a:ea typeface="+mn-ea"/>
+                <a:cs typeface="+mn-cs"/>
+              </a:rPr>
+              <a:t>string</a:t>
+            </a:r>
+            <a:r>
+              <a:rPr lang="en-US" sz="1200" b="1" kern="1200" dirty="0">
+                <a:solidFill>
+                  <a:schemeClr val="tx1"/>
+                </a:solidFill>
+                <a:effectLst/>
+                <a:latin typeface="+mn-lt"/>
+                <a:ea typeface="+mn-ea"/>
+                <a:cs typeface="+mn-cs"/>
+              </a:rPr>
+              <a:t>}</a:t>
+            </a:r>
+            <a:r>
+              <a:rPr lang="en-US" sz="1200" b="0" kern="1200" dirty="0">
+                <a:solidFill>
+                  <a:schemeClr val="tx1"/>
+                </a:solidFill>
+                <a:effectLst/>
+                <a:latin typeface="+mn-lt"/>
+                <a:ea typeface="+mn-ea"/>
+                <a:cs typeface="+mn-cs"/>
+              </a:rPr>
+              <a:t>;;</a:t>
+            </a:r>
+          </a:p>
+          <a:p>
+            <a:r>
+              <a:rPr lang="en-US" sz="1200" b="0" u="sng" kern="1200" dirty="0">
+                <a:solidFill>
+                  <a:schemeClr val="tx1"/>
+                </a:solidFill>
+                <a:effectLst/>
+                <a:latin typeface="+mn-lt"/>
+                <a:ea typeface="+mn-ea"/>
+                <a:cs typeface="+mn-cs"/>
+              </a:rPr>
+              <a:t>let</a:t>
+            </a:r>
+            <a:r>
+              <a:rPr lang="en-US" sz="1200" b="0" kern="1200" dirty="0">
+                <a:solidFill>
+                  <a:schemeClr val="tx1"/>
+                </a:solidFill>
+                <a:effectLst/>
+                <a:latin typeface="+mn-lt"/>
+                <a:ea typeface="+mn-ea"/>
+                <a:cs typeface="+mn-cs"/>
+              </a:rPr>
+              <a:t> </a:t>
+            </a:r>
+            <a:r>
+              <a:rPr lang="en-US" sz="1200" b="0" i="1" kern="1200" dirty="0">
+                <a:solidFill>
+                  <a:schemeClr val="tx1"/>
+                </a:solidFill>
+                <a:effectLst/>
+                <a:latin typeface="+mn-lt"/>
+                <a:ea typeface="+mn-ea"/>
+                <a:cs typeface="+mn-cs"/>
+              </a:rPr>
+              <a:t>p</a:t>
+            </a:r>
+            <a:r>
+              <a:rPr lang="en-US" sz="1200" b="0" kern="1200" dirty="0">
+                <a:solidFill>
+                  <a:schemeClr val="tx1"/>
+                </a:solidFill>
+                <a:effectLst/>
+                <a:latin typeface="+mn-lt"/>
+                <a:ea typeface="+mn-ea"/>
+                <a:cs typeface="+mn-cs"/>
+              </a:rPr>
+              <a:t> </a:t>
+            </a:r>
+            <a:r>
+              <a:rPr lang="en-US" sz="1200" b="1" kern="1200" dirty="0">
+                <a:solidFill>
+                  <a:schemeClr val="tx1"/>
+                </a:solidFill>
+                <a:effectLst/>
+                <a:latin typeface="+mn-lt"/>
+                <a:ea typeface="+mn-ea"/>
+                <a:cs typeface="+mn-cs"/>
+              </a:rPr>
+              <a:t>=</a:t>
+            </a:r>
+            <a:r>
+              <a:rPr lang="en-US" sz="1200" b="0" kern="1200" dirty="0">
+                <a:solidFill>
+                  <a:schemeClr val="tx1"/>
+                </a:solidFill>
+                <a:effectLst/>
+                <a:latin typeface="+mn-lt"/>
+                <a:ea typeface="+mn-ea"/>
+                <a:cs typeface="+mn-cs"/>
+              </a:rPr>
+              <a:t> </a:t>
+            </a:r>
+            <a:r>
+              <a:rPr lang="en-US" sz="1200" b="1" kern="1200" dirty="0">
+                <a:solidFill>
+                  <a:schemeClr val="tx1"/>
+                </a:solidFill>
+                <a:effectLst/>
+                <a:latin typeface="+mn-lt"/>
+                <a:ea typeface="+mn-ea"/>
+                <a:cs typeface="+mn-cs"/>
+              </a:rPr>
+              <a:t>{</a:t>
+            </a:r>
+            <a:r>
+              <a:rPr lang="en-US" sz="1200" b="0" i="1" kern="1200" dirty="0">
+                <a:solidFill>
+                  <a:schemeClr val="tx1"/>
+                </a:solidFill>
+                <a:effectLst/>
+                <a:latin typeface="+mn-lt"/>
+                <a:ea typeface="+mn-ea"/>
+                <a:cs typeface="+mn-cs"/>
+              </a:rPr>
+              <a:t>x</a:t>
+            </a:r>
+            <a:r>
+              <a:rPr lang="en-US" sz="1200" b="1" kern="1200" dirty="0">
+                <a:solidFill>
+                  <a:schemeClr val="tx1"/>
+                </a:solidFill>
+                <a:effectLst/>
+                <a:latin typeface="+mn-lt"/>
+                <a:ea typeface="+mn-ea"/>
+                <a:cs typeface="+mn-cs"/>
+              </a:rPr>
+              <a:t>=</a:t>
+            </a:r>
+            <a:r>
+              <a:rPr lang="en-US" sz="1200" b="0" kern="1200" dirty="0">
+                <a:solidFill>
+                  <a:schemeClr val="tx1"/>
+                </a:solidFill>
+                <a:effectLst/>
+                <a:latin typeface="+mn-lt"/>
+                <a:ea typeface="+mn-ea"/>
+                <a:cs typeface="+mn-cs"/>
+              </a:rPr>
+              <a:t>0; </a:t>
+            </a:r>
+            <a:r>
+              <a:rPr lang="en-US" sz="1200" b="0" i="1" kern="1200" dirty="0">
+                <a:solidFill>
+                  <a:schemeClr val="tx1"/>
+                </a:solidFill>
+                <a:effectLst/>
+                <a:latin typeface="+mn-lt"/>
+                <a:ea typeface="+mn-ea"/>
+                <a:cs typeface="+mn-cs"/>
+              </a:rPr>
+              <a:t>y</a:t>
+            </a:r>
+            <a:r>
+              <a:rPr lang="en-US" sz="1200" b="1" kern="1200" dirty="0">
+                <a:solidFill>
+                  <a:schemeClr val="tx1"/>
+                </a:solidFill>
+                <a:effectLst/>
+                <a:latin typeface="+mn-lt"/>
+                <a:ea typeface="+mn-ea"/>
+                <a:cs typeface="+mn-cs"/>
+              </a:rPr>
+              <a:t>=</a:t>
+            </a:r>
+            <a:r>
+              <a:rPr lang="en-US" sz="1200" b="0" kern="1200" dirty="0">
+                <a:solidFill>
+                  <a:schemeClr val="tx1"/>
+                </a:solidFill>
+                <a:effectLst/>
+                <a:latin typeface="+mn-lt"/>
+                <a:ea typeface="+mn-ea"/>
+                <a:cs typeface="+mn-cs"/>
+              </a:rPr>
+              <a:t>0; </a:t>
+            </a:r>
+            <a:r>
+              <a:rPr lang="en-US" sz="1200" b="0" i="1" kern="1200" dirty="0">
+                <a:solidFill>
+                  <a:schemeClr val="tx1"/>
+                </a:solidFill>
+                <a:effectLst/>
+                <a:latin typeface="+mn-lt"/>
+                <a:ea typeface="+mn-ea"/>
+                <a:cs typeface="+mn-cs"/>
+              </a:rPr>
+              <a:t>c</a:t>
+            </a:r>
+            <a:r>
+              <a:rPr lang="en-US" sz="1200" b="1" kern="1200" dirty="0">
+                <a:solidFill>
+                  <a:schemeClr val="tx1"/>
+                </a:solidFill>
+                <a:effectLst/>
+                <a:latin typeface="+mn-lt"/>
+                <a:ea typeface="+mn-ea"/>
+                <a:cs typeface="+mn-cs"/>
+              </a:rPr>
+              <a:t>=</a:t>
+            </a:r>
+            <a:r>
+              <a:rPr lang="en-US" sz="1200" b="0" kern="1200" dirty="0">
+                <a:solidFill>
+                  <a:schemeClr val="tx1"/>
+                </a:solidFill>
+                <a:effectLst/>
+                <a:latin typeface="+mn-lt"/>
+                <a:ea typeface="+mn-ea"/>
+                <a:cs typeface="+mn-cs"/>
+              </a:rPr>
+              <a:t>"red"</a:t>
+            </a:r>
+            <a:r>
+              <a:rPr lang="en-US" sz="1200" b="1" kern="1200" dirty="0">
+                <a:solidFill>
+                  <a:schemeClr val="tx1"/>
+                </a:solidFill>
+                <a:effectLst/>
+                <a:latin typeface="+mn-lt"/>
+                <a:ea typeface="+mn-ea"/>
+                <a:cs typeface="+mn-cs"/>
+              </a:rPr>
+              <a:t>}</a:t>
+            </a:r>
+            <a:r>
+              <a:rPr lang="en-US" sz="1200" b="0" kern="1200" dirty="0">
+                <a:solidFill>
+                  <a:schemeClr val="tx1"/>
+                </a:solidFill>
+                <a:effectLst/>
+                <a:latin typeface="+mn-lt"/>
+                <a:ea typeface="+mn-ea"/>
+                <a:cs typeface="+mn-cs"/>
+              </a:rPr>
+              <a:t>;;</a:t>
+            </a:r>
+          </a:p>
+          <a:p>
+            <a:r>
+              <a:rPr lang="en-US" sz="1200" b="0" kern="1200" dirty="0" err="1">
+                <a:solidFill>
+                  <a:schemeClr val="tx1"/>
+                </a:solidFill>
+                <a:effectLst/>
+                <a:latin typeface="+mn-lt"/>
+                <a:ea typeface="+mn-ea"/>
+                <a:cs typeface="+mn-cs"/>
+              </a:rPr>
+              <a:t>p.c</a:t>
+            </a:r>
+            <a:r>
+              <a:rPr lang="en-US" sz="1200" b="0" kern="1200" dirty="0">
+                <a:solidFill>
+                  <a:schemeClr val="tx1"/>
+                </a:solidFill>
+                <a:effectLst/>
+                <a:latin typeface="+mn-lt"/>
+                <a:ea typeface="+mn-ea"/>
+                <a:cs typeface="+mn-cs"/>
+              </a:rPr>
+              <a:t> &lt;- "white";;</a:t>
+            </a:r>
+          </a:p>
+          <a:p>
+            <a:r>
+              <a:rPr lang="en-US" sz="1200" b="0" kern="1200" dirty="0">
+                <a:solidFill>
+                  <a:schemeClr val="tx1"/>
+                </a:solidFill>
+                <a:effectLst/>
+                <a:latin typeface="+mn-lt"/>
+                <a:ea typeface="+mn-ea"/>
+                <a:cs typeface="+mn-cs"/>
+              </a:rPr>
+              <a:t>p;;</a:t>
+            </a:r>
+          </a:p>
+          <a:p>
+            <a:br>
+              <a:rPr lang="en-US" sz="1200" b="0" kern="1200" dirty="0">
+                <a:solidFill>
+                  <a:schemeClr val="tx1"/>
+                </a:solidFill>
+                <a:effectLst/>
+                <a:latin typeface="+mn-lt"/>
+                <a:ea typeface="+mn-ea"/>
+                <a:cs typeface="+mn-cs"/>
+              </a:rPr>
+            </a:br>
+            <a:r>
+              <a:rPr lang="en-US" sz="1200" b="0" kern="1200" dirty="0">
+                <a:solidFill>
+                  <a:schemeClr val="tx1"/>
+                </a:solidFill>
+                <a:effectLst/>
+                <a:latin typeface="+mn-lt"/>
+                <a:ea typeface="+mn-ea"/>
+                <a:cs typeface="+mn-cs"/>
+              </a:rPr>
+              <a:t>(*</a:t>
+            </a:r>
+            <a:r>
+              <a:rPr lang="en-US" sz="1200" b="0" i="1" kern="1200" dirty="0">
+                <a:solidFill>
+                  <a:schemeClr val="tx1"/>
+                </a:solidFill>
+                <a:effectLst/>
+                <a:latin typeface="+mn-lt"/>
+                <a:ea typeface="+mn-ea"/>
+                <a:cs typeface="+mn-cs"/>
+              </a:rPr>
+              <a:t> Error: </a:t>
+            </a:r>
+            <a:r>
+              <a:rPr lang="en-US" sz="1200" b="0" kern="1200" dirty="0">
+                <a:solidFill>
+                  <a:schemeClr val="tx1"/>
+                </a:solidFill>
+                <a:effectLst/>
+                <a:latin typeface="+mn-lt"/>
+                <a:ea typeface="+mn-ea"/>
+                <a:cs typeface="+mn-cs"/>
+              </a:rPr>
+              <a:t>*)</a:t>
+            </a:r>
+          </a:p>
+          <a:p>
+            <a:r>
+              <a:rPr lang="en-US" sz="1200" b="0" i="1" kern="1200" dirty="0" err="1">
+                <a:solidFill>
+                  <a:schemeClr val="tx1"/>
+                </a:solidFill>
+                <a:effectLst/>
+                <a:latin typeface="+mn-lt"/>
+                <a:ea typeface="+mn-ea"/>
+                <a:cs typeface="+mn-cs"/>
+              </a:rPr>
+              <a:t>p.x</a:t>
+            </a:r>
+            <a:r>
+              <a:rPr lang="en-US" sz="1200" b="0" i="1" kern="1200" dirty="0">
+                <a:solidFill>
+                  <a:schemeClr val="tx1"/>
+                </a:solidFill>
+                <a:effectLst/>
+                <a:latin typeface="+mn-lt"/>
+                <a:ea typeface="+mn-ea"/>
+                <a:cs typeface="+mn-cs"/>
+              </a:rPr>
+              <a:t> &lt;- 3;;</a:t>
+            </a:r>
+            <a:endParaRPr lang="en-US" sz="1200" b="0" kern="1200" dirty="0">
+              <a:solidFill>
+                <a:schemeClr val="tx1"/>
+              </a:solidFill>
+              <a:effectLst/>
+              <a:latin typeface="+mn-lt"/>
+              <a:ea typeface="+mn-ea"/>
+              <a:cs typeface="+mn-cs"/>
+            </a:endParaRPr>
+          </a:p>
+          <a:p>
             <a:endParaRPr lang="en-US" dirty="0"/>
           </a:p>
         </p:txBody>
@@ -1868,7 +2783,7 @@
             <a:spLocks noGrp="1"/>
           </p:cNvSpPr>
           <p:nvPr>
-            <p:ph type="sldNum" sz="quarter" idx="10"/>
+            <p:ph type="sldNum" sz="quarter" idx="5"/>
           </p:nvPr>
         </p:nvSpPr>
         <p:spPr/>
@@ -1878,7 +2793,7 @@
           <a:p>
             <a:fld id="{B7975FD5-AB21-4C45-BFE8-1D3F02B463E2}" type="slidenum">
               <a:rPr lang="en-US" smtClean="0"/>
-              <a:t>15</a:t>
+              <a:t>13</a:t>
             </a:fld>
             <a:endParaRPr lang="en-US"/>
           </a:p>
@@ -1887,7 +2802,7 @@
     </p:spTree>
     <p:extLst>
       <p:ext uri="{BB962C8B-B14F-4D97-AF65-F5344CB8AC3E}">
-        <p14:creationId xmlns:p14="http://schemas.microsoft.com/office/powerpoint/2010/main" val="872562753"/>
+        <p14:creationId xmlns:p14="http://schemas.microsoft.com/office/powerpoint/2010/main" val="2543470098"/>
       </p:ext>
     </p:extLst>
   </p:cSld>
@@ -1941,74 +2856,6 @@
           <a:bodyPr/>
           <a:lstStyle/>
           <a:p>
-            <a:pPr lvl="0"/>
-            <a:r>
-              <a:rPr lang="en-US" i="0" dirty="0" err="1"/>
-              <a:t>OCaml</a:t>
-            </a:r>
-            <a:r>
-              <a:rPr lang="en-US" i="0" dirty="0"/>
-              <a:t>: </a:t>
-            </a:r>
-          </a:p>
-          <a:p>
-            <a:pPr lvl="1"/>
-            <a:r>
-              <a:rPr lang="en-US" i="1" dirty="0"/>
-              <a:t>Impossible</a:t>
-            </a:r>
-            <a:r>
-              <a:rPr lang="en-US" dirty="0"/>
-              <a:t> to tell where there is aliasing (except when using imperative features)</a:t>
-            </a:r>
-          </a:p>
-          <a:p>
-            <a:pPr lvl="1"/>
-            <a:r>
-              <a:rPr lang="en-US" dirty="0"/>
-              <a:t>Example: </a:t>
-            </a:r>
-            <a:r>
-              <a:rPr lang="en-US" b="1" dirty="0" err="1">
-                <a:latin typeface="Courier New" pitchFamily="49" charset="0"/>
-              </a:rPr>
-              <a:t>List.tl</a:t>
-            </a:r>
-            <a:r>
-              <a:rPr lang="en-US" dirty="0">
-                <a:latin typeface="Courier New" pitchFamily="49" charset="0"/>
-              </a:rPr>
-              <a:t> </a:t>
-            </a:r>
-            <a:r>
-              <a:rPr lang="en-US" dirty="0"/>
-              <a:t>is constant time; does not copy rest of the list</a:t>
-            </a:r>
-          </a:p>
-          <a:p>
-            <a:endParaRPr lang="en-US" dirty="0"/>
-          </a:p>
-          <a:p>
-            <a:r>
-              <a:rPr lang="en-US" dirty="0"/>
-              <a:t>Java:</a:t>
-            </a:r>
-          </a:p>
-          <a:p>
-            <a:pPr lvl="1"/>
-            <a:r>
-              <a:rPr lang="en-US" dirty="0"/>
-              <a:t>Must be, so that subsequent assignments affect the right parts of the program</a:t>
-            </a:r>
-          </a:p>
-          <a:p>
-            <a:pPr lvl="1"/>
-            <a:r>
-              <a:rPr lang="en-US" dirty="0"/>
-              <a:t>Often crucial to make copies in just the right places…</a:t>
-            </a:r>
-          </a:p>
-          <a:p>
             <a:endParaRPr lang="en-US" dirty="0"/>
           </a:p>
         </p:txBody>
@@ -2020,7 +2867,7 @@
             <a:spLocks noGrp="1"/>
           </p:cNvSpPr>
           <p:nvPr>
-            <p:ph type="sldNum" sz="quarter" idx="5"/>
+            <p:ph type="sldNum" sz="quarter" idx="10"/>
           </p:nvPr>
         </p:nvSpPr>
         <p:spPr/>
@@ -2039,7 +2886,7 @@
     </p:spTree>
     <p:extLst>
       <p:ext uri="{BB962C8B-B14F-4D97-AF65-F5344CB8AC3E}">
-        <p14:creationId xmlns:p14="http://schemas.microsoft.com/office/powerpoint/2010/main" val="4048005773"/>
+        <p14:creationId xmlns:p14="http://schemas.microsoft.com/office/powerpoint/2010/main" val="872562753"/>
       </p:ext>
     </p:extLst>
   </p:cSld>
@@ -2093,6 +2940,74 @@
           <a:bodyPr/>
           <a:lstStyle/>
           <a:p>
+            <a:pPr lvl="0"/>
+            <a:r>
+              <a:rPr lang="en-US" i="0" dirty="0" err="1"/>
+              <a:t>OCaml</a:t>
+            </a:r>
+            <a:r>
+              <a:rPr lang="en-US" i="0" dirty="0"/>
+              <a:t>: </a:t>
+            </a:r>
+          </a:p>
+          <a:p>
+            <a:pPr lvl="1"/>
+            <a:r>
+              <a:rPr lang="en-US" i="1" dirty="0"/>
+              <a:t>Impossible</a:t>
+            </a:r>
+            <a:r>
+              <a:rPr lang="en-US" dirty="0"/>
+              <a:t> to tell where there is aliasing (except when using imperative features)</a:t>
+            </a:r>
+          </a:p>
+          <a:p>
+            <a:pPr lvl="1"/>
+            <a:r>
+              <a:rPr lang="en-US" dirty="0"/>
+              <a:t>Example: </a:t>
+            </a:r>
+            <a:r>
+              <a:rPr lang="en-US" b="1" dirty="0" err="1">
+                <a:latin typeface="Courier New" pitchFamily="49" charset="0"/>
+              </a:rPr>
+              <a:t>List.tl</a:t>
+            </a:r>
+            <a:r>
+              <a:rPr lang="en-US" dirty="0">
+                <a:latin typeface="Courier New" pitchFamily="49" charset="0"/>
+              </a:rPr>
+              <a:t> </a:t>
+            </a:r>
+            <a:r>
+              <a:rPr lang="en-US" dirty="0"/>
+              <a:t>is constant time; does not copy rest of the list</a:t>
+            </a:r>
+          </a:p>
+          <a:p>
+            <a:endParaRPr lang="en-US" dirty="0"/>
+          </a:p>
+          <a:p>
+            <a:r>
+              <a:rPr lang="en-US" dirty="0"/>
+              <a:t>Java:</a:t>
+            </a:r>
+          </a:p>
+          <a:p>
+            <a:pPr lvl="1"/>
+            <a:r>
+              <a:rPr lang="en-US" dirty="0"/>
+              <a:t>Must be, so that subsequent assignments affect the right parts of the program</a:t>
+            </a:r>
+          </a:p>
+          <a:p>
+            <a:pPr lvl="1"/>
+            <a:r>
+              <a:rPr lang="en-US" dirty="0"/>
+              <a:t>Often crucial to make copies in just the right places…</a:t>
+            </a:r>
+          </a:p>
+          <a:p>
             <a:endParaRPr lang="en-US" dirty="0"/>
           </a:p>
         </p:txBody>
@@ -2123,7 +3038,7 @@
     </p:spTree>
     <p:extLst>
       <p:ext uri="{BB962C8B-B14F-4D97-AF65-F5344CB8AC3E}">
-        <p14:creationId xmlns:p14="http://schemas.microsoft.com/office/powerpoint/2010/main" val="888025086"/>
+        <p14:creationId xmlns:p14="http://schemas.microsoft.com/office/powerpoint/2010/main" val="4048005773"/>
       </p:ext>
     </p:extLst>
   </p:cSld>
@@ -2285,7 +3200,7 @@
           <a:p>
             <a:fld id="{96331252-4874-F047-84B8-3D3EF8743E79}" type="datetimeFigureOut">
               <a:rPr lang="en-US" smtClean="0"/>
-              <a:t>10/6/19</a:t>
+              <a:t>10/8/19</a:t>
             </a:fld>
             <a:endParaRPr lang="en-US"/>
           </a:p>
@@ -2552,7 +3467,7 @@
           <a:p>
             <a:fld id="{96331252-4874-F047-84B8-3D3EF8743E79}" type="datetimeFigureOut">
               <a:rPr lang="en-US" smtClean="0"/>
-              <a:t>10/6/19</a:t>
+              <a:t>10/8/19</a:t>
             </a:fld>
             <a:endParaRPr lang="en-US"/>
           </a:p>
@@ -2730,7 +3645,7 @@
           <a:p>
             <a:fld id="{96331252-4874-F047-84B8-3D3EF8743E79}" type="datetimeFigureOut">
               <a:rPr lang="en-US" smtClean="0"/>
-              <a:t>10/6/19</a:t>
+              <a:t>10/8/19</a:t>
             </a:fld>
             <a:endParaRPr lang="en-US"/>
           </a:p>
@@ -2898,7 +3813,7 @@
           <a:p>
             <a:fld id="{96331252-4874-F047-84B8-3D3EF8743E79}" type="datetimeFigureOut">
               <a:rPr lang="en-US" smtClean="0"/>
-              <a:t>10/6/19</a:t>
+              <a:t>10/8/19</a:t>
             </a:fld>
             <a:endParaRPr lang="en-US"/>
           </a:p>
@@ -3147,7 +4062,7 @@
           <a:p>
             <a:fld id="{96331252-4874-F047-84B8-3D3EF8743E79}" type="datetimeFigureOut">
               <a:rPr lang="en-US" smtClean="0"/>
-              <a:t>10/6/19</a:t>
+              <a:t>10/8/19</a:t>
             </a:fld>
             <a:endParaRPr lang="en-US"/>
           </a:p>
@@ -3432,7 +4347,7 @@
           <a:p>
             <a:fld id="{96331252-4874-F047-84B8-3D3EF8743E79}" type="datetimeFigureOut">
               <a:rPr lang="en-US" smtClean="0"/>
-              <a:t>10/6/19</a:t>
+              <a:t>10/8/19</a:t>
             </a:fld>
             <a:endParaRPr lang="en-US"/>
           </a:p>
@@ -3851,7 +4766,7 @@
           <a:p>
             <a:fld id="{96331252-4874-F047-84B8-3D3EF8743E79}" type="datetimeFigureOut">
               <a:rPr lang="en-US" smtClean="0"/>
-              <a:t>10/6/19</a:t>
+              <a:t>10/8/19</a:t>
             </a:fld>
             <a:endParaRPr lang="en-US"/>
           </a:p>
@@ -3968,7 +4883,7 @@
           <a:p>
             <a:fld id="{96331252-4874-F047-84B8-3D3EF8743E79}" type="datetimeFigureOut">
               <a:rPr lang="en-US" smtClean="0"/>
-              <a:t>10/6/19</a:t>
+              <a:t>10/8/19</a:t>
             </a:fld>
             <a:endParaRPr lang="en-US"/>
           </a:p>
@@ -4063,7 +4978,7 @@
           <a:p>
             <a:fld id="{96331252-4874-F047-84B8-3D3EF8743E79}" type="datetimeFigureOut">
               <a:rPr lang="en-US" smtClean="0"/>
-              <a:t>10/6/19</a:t>
+              <a:t>10/8/19</a:t>
             </a:fld>
             <a:endParaRPr lang="en-US"/>
           </a:p>
@@ -4338,7 +5253,7 @@
           <a:p>
             <a:fld id="{96331252-4874-F047-84B8-3D3EF8743E79}" type="datetimeFigureOut">
               <a:rPr lang="en-US" smtClean="0"/>
-              <a:t>10/6/19</a:t>
+              <a:t>10/8/19</a:t>
             </a:fld>
             <a:endParaRPr lang="en-US"/>
           </a:p>
@@ -4590,7 +5505,7 @@
           <a:p>
             <a:fld id="{96331252-4874-F047-84B8-3D3EF8743E79}" type="datetimeFigureOut">
               <a:rPr lang="en-US" smtClean="0"/>
-              <a:t>10/6/19</a:t>
+              <a:t>10/8/19</a:t>
             </a:fld>
             <a:endParaRPr lang="en-US"/>
           </a:p>
@@ -4804,7 +5719,7 @@
             <a:fld id="{96331252-4874-F047-84B8-3D3EF8743E79}" type="datetimeFigureOut">
               <a:rPr lang="en-US" smtClean="0"/>
               <a:pPr/>
-              <a:t>10/6/19</a:t>
+              <a:t>10/8/19</a:t>
             </a:fld>
             <a:endParaRPr lang="en-US"/>
           </a:p>
@@ -5330,6 +6245,94 @@
 </file>
 
 <file path=ppt/slides/slide10.xml><?xml version="1.0" encoding="utf-8"?>
+<p:sld xmlns:a="http://schemas.openxmlformats.org/drawingml/2006/main" xmlns:r="http://schemas.openxmlformats.org/officeDocument/2006/relationships" xmlns:p="http://schemas.openxmlformats.org/presentationml/2006/main">
+  <p:cSld>
+    <p:spTree>
+      <p:nvGrpSpPr>
+        <p:cNvPr id="1" name=""/>
+        <p:cNvGrpSpPr/>
+        <p:nvPr/>
+      </p:nvGrpSpPr>
+      <p:grpSpPr>
+        <a:xfrm>
+          <a:off x="0" y="0"/>
+          <a:ext cx="0" cy="0"/>
+          <a:chOff x="0" y="0"/>
+          <a:chExt cx="0" cy="0"/>
+        </a:xfrm>
+      </p:grpSpPr>
+      <p:sp>
+        <p:nvSpPr>
+          <p:cNvPr id="4" name="Title 3">
+            <a:extLst>
+              <a:ext uri="{FF2B5EF4-FFF2-40B4-BE49-F238E27FC236}">
+                <a16:creationId xmlns:a16="http://schemas.microsoft.com/office/drawing/2014/main" id="{3F167D9E-716B-1D4C-A34D-5C81FD2CFD5F}"/>
+              </a:ext>
+            </a:extLst>
+          </p:cNvPr>
+          <p:cNvSpPr>
+            <a:spLocks noGrp="1"/>
+          </p:cNvSpPr>
+          <p:nvPr>
+            <p:ph type="title"/>
+          </p:nvPr>
+        </p:nvSpPr>
+        <p:spPr/>
+        <p:txBody>
+          <a:bodyPr/>
+          <a:lstStyle/>
+          <a:p>
+            <a:r>
+              <a:rPr lang="en-US" dirty="0"/>
+              <a:t>Clicker </a:t>
+            </a:r>
+            <a:r>
+              <a:rPr lang="en-US"/>
+              <a:t>Question 3</a:t>
+            </a:r>
+            <a:endParaRPr lang="en-US" dirty="0"/>
+          </a:p>
+        </p:txBody>
+      </p:sp>
+      <p:sp>
+        <p:nvSpPr>
+          <p:cNvPr id="5" name="Text Placeholder 4">
+            <a:extLst>
+              <a:ext uri="{FF2B5EF4-FFF2-40B4-BE49-F238E27FC236}">
+                <a16:creationId xmlns:a16="http://schemas.microsoft.com/office/drawing/2014/main" id="{40A31EC9-17B8-9E49-A380-C117A15CA144}"/>
+              </a:ext>
+            </a:extLst>
+          </p:cNvPr>
+          <p:cNvSpPr>
+            <a:spLocks noGrp="1"/>
+          </p:cNvSpPr>
+          <p:nvPr>
+            <p:ph type="body" idx="1"/>
+          </p:nvPr>
+        </p:nvSpPr>
+        <p:spPr/>
+        <p:txBody>
+          <a:bodyPr/>
+          <a:lstStyle/>
+          <a:p>
+            <a:endParaRPr lang="en-US"/>
+          </a:p>
+        </p:txBody>
+      </p:sp>
+    </p:spTree>
+    <p:extLst>
+      <p:ext uri="{BB962C8B-B14F-4D97-AF65-F5344CB8AC3E}">
+        <p14:creationId xmlns:p14="http://schemas.microsoft.com/office/powerpoint/2010/main" val="1255933179"/>
+      </p:ext>
+    </p:extLst>
+  </p:cSld>
+  <p:clrMapOvr>
+    <a:masterClrMapping/>
+  </p:clrMapOvr>
+</p:sld>
+</file>
+
+<file path=ppt/slides/slide11.xml><?xml version="1.0" encoding="utf-8"?>
 <p:sld xmlns:a="http://schemas.openxmlformats.org/drawingml/2006/main" xmlns:r="http://schemas.openxmlformats.org/officeDocument/2006/relationships" xmlns:p="http://schemas.openxmlformats.org/presentationml/2006/main">
   <p:cSld>
     <p:spTree>
@@ -5849,7 +6852,7 @@
 </p:sld>
 </file>
 
-<file path=ppt/slides/slide11.xml><?xml version="1.0" encoding="utf-8"?>
+<file path=ppt/slides/slide12.xml><?xml version="1.0" encoding="utf-8"?>
 <p:sld xmlns:a="http://schemas.openxmlformats.org/drawingml/2006/main" xmlns:r="http://schemas.openxmlformats.org/officeDocument/2006/relationships" xmlns:p="http://schemas.openxmlformats.org/presentationml/2006/main">
   <p:cSld>
     <p:spTree>
@@ -6547,7 +7550,7 @@
 </p:sld>
 </file>
 
-<file path=ppt/slides/slide12.xml><?xml version="1.0" encoding="utf-8"?>
+<file path=ppt/slides/slide13.xml><?xml version="1.0" encoding="utf-8"?>
 <p:sld xmlns:a="http://schemas.openxmlformats.org/drawingml/2006/main" xmlns:r="http://schemas.openxmlformats.org/officeDocument/2006/relationships" xmlns:p="http://schemas.openxmlformats.org/presentationml/2006/main">
   <p:cSld>
     <p:spTree>
@@ -6660,7 +7663,7 @@
 </p:sld>
 </file>
 
-<file path=ppt/slides/slide13.xml><?xml version="1.0" encoding="utf-8"?>
+<file path=ppt/slides/slide14.xml><?xml version="1.0" encoding="utf-8"?>
 <p:sld xmlns:a="http://schemas.openxmlformats.org/drawingml/2006/main" xmlns:r="http://schemas.openxmlformats.org/officeDocument/2006/relationships" xmlns:p="http://schemas.openxmlformats.org/presentationml/2006/main">
   <p:cSld>
     <p:spTree>
@@ -6840,7 +7843,7 @@
                 </a:solidFill>
                 <a:latin typeface="Courier" pitchFamily="2" charset="0"/>
               </a:rPr>
-              <a:t> contents</a:t>
+              <a:t> contents </a:t>
             </a:r>
             <a:r>
               <a:rPr lang="en-US" sz="2000" dirty="0">
@@ -7396,7 +8399,7 @@
 </p:sld>
 </file>
 
-<file path=ppt/slides/slide14.xml><?xml version="1.0" encoding="utf-8"?>
+<file path=ppt/slides/slide15.xml><?xml version="1.0" encoding="utf-8"?>
 <p:sld xmlns:a="http://schemas.openxmlformats.org/drawingml/2006/main" xmlns:r="http://schemas.openxmlformats.org/officeDocument/2006/relationships" xmlns:p="http://schemas.openxmlformats.org/presentationml/2006/main">
   <p:cSld>
     <p:spTree>
@@ -7503,7 +8506,7 @@
 </p:sld>
 </file>
 
-<file path=ppt/slides/slide15.xml><?xml version="1.0" encoding="utf-8"?>
+<file path=ppt/slides/slide16.xml><?xml version="1.0" encoding="utf-8"?>
 <p:sld xmlns:a="http://schemas.openxmlformats.org/drawingml/2006/main" xmlns:r="http://schemas.openxmlformats.org/officeDocument/2006/relationships" xmlns:p="http://schemas.openxmlformats.org/presentationml/2006/main">
   <p:cSld>
     <p:spTree>
@@ -12968,7 +13971,7 @@
 </p:sld>
 </file>
 
-<file path=ppt/slides/slide16.xml><?xml version="1.0" encoding="utf-8"?>
+<file path=ppt/slides/slide17.xml><?xml version="1.0" encoding="utf-8"?>
 <p:sld xmlns:a="http://schemas.openxmlformats.org/drawingml/2006/main" xmlns:r="http://schemas.openxmlformats.org/officeDocument/2006/relationships" xmlns:p="http://schemas.openxmlformats.org/presentationml/2006/main">
   <p:cSld>
     <p:spTree>
@@ -13082,138 +14085,10 @@
   <p:clrMapOvr>
     <a:masterClrMapping/>
   </p:clrMapOvr>
-  <p:timing>
-    <p:tnLst>
-      <p:par>
-        <p:cTn id="1" dur="indefinite" restart="never" nodeType="tmRoot">
-          <p:childTnLst>
-            <p:seq concurrent="1" nextAc="seek">
-              <p:cTn id="2" dur="indefinite" nodeType="mainSeq">
-                <p:childTnLst>
-                  <p:par>
-                    <p:cTn id="3" fill="hold">
-                      <p:stCondLst>
-                        <p:cond delay="indefinite"/>
-                      </p:stCondLst>
-                      <p:childTnLst>
-                        <p:par>
-                          <p:cTn id="4" fill="hold">
-                            <p:stCondLst>
-                              <p:cond delay="0"/>
-                            </p:stCondLst>
-                            <p:childTnLst>
-                              <p:par>
-                                <p:cTn id="5" presetID="1" presetClass="entr" presetSubtype="0" fill="hold" nodeType="clickEffect">
-                                  <p:stCondLst>
-                                    <p:cond delay="0"/>
-                                  </p:stCondLst>
-                                  <p:childTnLst>
-                                    <p:set>
-                                      <p:cBhvr>
-                                        <p:cTn id="6" dur="1" fill="hold">
-                                          <p:stCondLst>
-                                            <p:cond delay="0"/>
-                                          </p:stCondLst>
-                                        </p:cTn>
-                                        <p:tgtEl>
-                                          <p:spTgt spid="3">
-                                            <p:txEl>
-                                              <p:pRg st="4" end="4"/>
-                                            </p:txEl>
-                                          </p:spTgt>
-                                        </p:tgtEl>
-                                        <p:attrNameLst>
-                                          <p:attrName>style.visibility</p:attrName>
-                                        </p:attrNameLst>
-                                      </p:cBhvr>
-                                      <p:to>
-                                        <p:strVal val="visible"/>
-                                      </p:to>
-                                    </p:set>
-                                  </p:childTnLst>
-                                </p:cTn>
-                              </p:par>
-                            </p:childTnLst>
-                          </p:cTn>
-                        </p:par>
-                      </p:childTnLst>
-                    </p:cTn>
-                  </p:par>
-                  <p:par>
-                    <p:cTn id="7" fill="hold">
-                      <p:stCondLst>
-                        <p:cond delay="indefinite"/>
-                      </p:stCondLst>
-                      <p:childTnLst>
-                        <p:par>
-                          <p:cTn id="8" fill="hold">
-                            <p:stCondLst>
-                              <p:cond delay="0"/>
-                            </p:stCondLst>
-                            <p:childTnLst>
-                              <p:par>
-                                <p:cTn id="9" presetID="1" presetClass="entr" presetSubtype="0" fill="hold" nodeType="clickEffect">
-                                  <p:stCondLst>
-                                    <p:cond delay="0"/>
-                                  </p:stCondLst>
-                                  <p:childTnLst>
-                                    <p:set>
-                                      <p:cBhvr>
-                                        <p:cTn id="10" dur="1" fill="hold">
-                                          <p:stCondLst>
-                                            <p:cond delay="0"/>
-                                          </p:stCondLst>
-                                        </p:cTn>
-                                        <p:tgtEl>
-                                          <p:spTgt spid="3">
-                                            <p:txEl>
-                                              <p:pRg st="5" end="5"/>
-                                            </p:txEl>
-                                          </p:spTgt>
-                                        </p:tgtEl>
-                                        <p:attrNameLst>
-                                          <p:attrName>style.visibility</p:attrName>
-                                        </p:attrNameLst>
-                                      </p:cBhvr>
-                                      <p:to>
-                                        <p:strVal val="visible"/>
-                                      </p:to>
-                                    </p:set>
-                                  </p:childTnLst>
-                                </p:cTn>
-                              </p:par>
-                            </p:childTnLst>
-                          </p:cTn>
-                        </p:par>
-                      </p:childTnLst>
-                    </p:cTn>
-                  </p:par>
-                </p:childTnLst>
-              </p:cTn>
-              <p:prevCondLst>
-                <p:cond evt="onPrev" delay="0">
-                  <p:tgtEl>
-                    <p:sldTgt/>
-                  </p:tgtEl>
-                </p:cond>
-              </p:prevCondLst>
-              <p:nextCondLst>
-                <p:cond evt="onNext" delay="0">
-                  <p:tgtEl>
-                    <p:sldTgt/>
-                  </p:tgtEl>
-                </p:cond>
-              </p:nextCondLst>
-            </p:seq>
-          </p:childTnLst>
-        </p:cTn>
-      </p:par>
-    </p:tnLst>
-  </p:timing>
 </p:sld>
 </file>
 
-<file path=ppt/slides/slide17.xml><?xml version="1.0" encoding="utf-8"?>
+<file path=ppt/slides/slide18.xml><?xml version="1.0" encoding="utf-8"?>
 <p:sld xmlns:a="http://schemas.openxmlformats.org/drawingml/2006/main" xmlns:r="http://schemas.openxmlformats.org/officeDocument/2006/relationships" xmlns:p="http://schemas.openxmlformats.org/presentationml/2006/main">
   <p:cSld>
     <p:spTree>
@@ -13921,7 +14796,7 @@
 </p:sld>
 </file>
 
-<file path=ppt/slides/slide18.xml><?xml version="1.0" encoding="utf-8"?>
+<file path=ppt/slides/slide19.xml><?xml version="1.0" encoding="utf-8"?>
 <p:sld xmlns:a="http://schemas.openxmlformats.org/drawingml/2006/main" xmlns:r="http://schemas.openxmlformats.org/officeDocument/2006/relationships" xmlns:p="http://schemas.openxmlformats.org/presentationml/2006/main">
   <p:cSld>
     <p:spTree>
@@ -14457,7 +15332,90 @@
 </p:sld>
 </file>
 
-<file path=ppt/slides/slide19.xml><?xml version="1.0" encoding="utf-8"?>
+<file path=ppt/slides/slide2.xml><?xml version="1.0" encoding="utf-8"?>
+<p:sld xmlns:a="http://schemas.openxmlformats.org/drawingml/2006/main" xmlns:r="http://schemas.openxmlformats.org/officeDocument/2006/relationships" xmlns:p="http://schemas.openxmlformats.org/presentationml/2006/main">
+  <p:cSld>
+    <p:spTree>
+      <p:nvGrpSpPr>
+        <p:cNvPr id="1" name=""/>
+        <p:cNvGrpSpPr/>
+        <p:nvPr/>
+      </p:nvGrpSpPr>
+      <p:grpSpPr>
+        <a:xfrm>
+          <a:off x="0" y="0"/>
+          <a:ext cx="0" cy="0"/>
+          <a:chOff x="0" y="0"/>
+          <a:chExt cx="0" cy="0"/>
+        </a:xfrm>
+      </p:grpSpPr>
+      <p:sp>
+        <p:nvSpPr>
+          <p:cNvPr id="4" name="Title 3">
+            <a:extLst>
+              <a:ext uri="{FF2B5EF4-FFF2-40B4-BE49-F238E27FC236}">
+                <a16:creationId xmlns:a16="http://schemas.microsoft.com/office/drawing/2014/main" id="{31B3067B-7F65-1D45-8C81-336A558DE8B9}"/>
+              </a:ext>
+            </a:extLst>
+          </p:cNvPr>
+          <p:cNvSpPr>
+            <a:spLocks noGrp="1"/>
+          </p:cNvSpPr>
+          <p:nvPr>
+            <p:ph type="title"/>
+          </p:nvPr>
+        </p:nvSpPr>
+        <p:spPr/>
+        <p:txBody>
+          <a:bodyPr/>
+          <a:lstStyle/>
+          <a:p>
+            <a:r>
+              <a:rPr lang="en-US" dirty="0"/>
+              <a:t>Clicker Questions 1 and 2</a:t>
+            </a:r>
+          </a:p>
+        </p:txBody>
+      </p:sp>
+      <p:sp>
+        <p:nvSpPr>
+          <p:cNvPr id="5" name="Text Placeholder 4">
+            <a:extLst>
+              <a:ext uri="{FF2B5EF4-FFF2-40B4-BE49-F238E27FC236}">
+                <a16:creationId xmlns:a16="http://schemas.microsoft.com/office/drawing/2014/main" id="{D0DE992A-527A-E341-8713-AAF1B88F0E0E}"/>
+              </a:ext>
+            </a:extLst>
+          </p:cNvPr>
+          <p:cNvSpPr>
+            <a:spLocks noGrp="1"/>
+          </p:cNvSpPr>
+          <p:nvPr>
+            <p:ph type="body" idx="1"/>
+          </p:nvPr>
+        </p:nvSpPr>
+        <p:spPr/>
+        <p:txBody>
+          <a:bodyPr/>
+          <a:lstStyle/>
+          <a:p>
+            <a:endParaRPr lang="en-US"/>
+          </a:p>
+        </p:txBody>
+      </p:sp>
+    </p:spTree>
+    <p:extLst>
+      <p:ext uri="{BB962C8B-B14F-4D97-AF65-F5344CB8AC3E}">
+        <p14:creationId xmlns:p14="http://schemas.microsoft.com/office/powerpoint/2010/main" val="344804032"/>
+      </p:ext>
+    </p:extLst>
+  </p:cSld>
+  <p:clrMapOvr>
+    <a:masterClrMapping/>
+  </p:clrMapOvr>
+</p:sld>
+</file>
+
+<file path=ppt/slides/slide20.xml><?xml version="1.0" encoding="utf-8"?>
 <p:sld xmlns:a="http://schemas.openxmlformats.org/drawingml/2006/main" xmlns:r="http://schemas.openxmlformats.org/officeDocument/2006/relationships" xmlns:p="http://schemas.openxmlformats.org/presentationml/2006/main">
   <p:cSld>
     <p:spTree>
@@ -14791,90 +15749,7 @@
 </p:sld>
 </file>
 
-<file path=ppt/slides/slide2.xml><?xml version="1.0" encoding="utf-8"?>
-<p:sld xmlns:a="http://schemas.openxmlformats.org/drawingml/2006/main" xmlns:r="http://schemas.openxmlformats.org/officeDocument/2006/relationships" xmlns:p="http://schemas.openxmlformats.org/presentationml/2006/main">
-  <p:cSld>
-    <p:spTree>
-      <p:nvGrpSpPr>
-        <p:cNvPr id="1" name=""/>
-        <p:cNvGrpSpPr/>
-        <p:nvPr/>
-      </p:nvGrpSpPr>
-      <p:grpSpPr>
-        <a:xfrm>
-          <a:off x="0" y="0"/>
-          <a:ext cx="0" cy="0"/>
-          <a:chOff x="0" y="0"/>
-          <a:chExt cx="0" cy="0"/>
-        </a:xfrm>
-      </p:grpSpPr>
-      <p:sp>
-        <p:nvSpPr>
-          <p:cNvPr id="4" name="Title 3">
-            <a:extLst>
-              <a:ext uri="{FF2B5EF4-FFF2-40B4-BE49-F238E27FC236}">
-                <a16:creationId xmlns:a16="http://schemas.microsoft.com/office/drawing/2014/main" id="{31B3067B-7F65-1D45-8C81-336A558DE8B9}"/>
-              </a:ext>
-            </a:extLst>
-          </p:cNvPr>
-          <p:cNvSpPr>
-            <a:spLocks noGrp="1"/>
-          </p:cNvSpPr>
-          <p:nvPr>
-            <p:ph type="title"/>
-          </p:nvPr>
-        </p:nvSpPr>
-        <p:spPr/>
-        <p:txBody>
-          <a:bodyPr/>
-          <a:lstStyle/>
-          <a:p>
-            <a:r>
-              <a:rPr lang="en-US" dirty="0"/>
-              <a:t>Clicker Questions 1 and 2</a:t>
-            </a:r>
-          </a:p>
-        </p:txBody>
-      </p:sp>
-      <p:sp>
-        <p:nvSpPr>
-          <p:cNvPr id="5" name="Text Placeholder 4">
-            <a:extLst>
-              <a:ext uri="{FF2B5EF4-FFF2-40B4-BE49-F238E27FC236}">
-                <a16:creationId xmlns:a16="http://schemas.microsoft.com/office/drawing/2014/main" id="{D0DE992A-527A-E341-8713-AAF1B88F0E0E}"/>
-              </a:ext>
-            </a:extLst>
-          </p:cNvPr>
-          <p:cNvSpPr>
-            <a:spLocks noGrp="1"/>
-          </p:cNvSpPr>
-          <p:nvPr>
-            <p:ph type="body" idx="1"/>
-          </p:nvPr>
-        </p:nvSpPr>
-        <p:spPr/>
-        <p:txBody>
-          <a:bodyPr/>
-          <a:lstStyle/>
-          <a:p>
-            <a:endParaRPr lang="en-US"/>
-          </a:p>
-        </p:txBody>
-      </p:sp>
-    </p:spTree>
-    <p:extLst>
-      <p:ext uri="{BB962C8B-B14F-4D97-AF65-F5344CB8AC3E}">
-        <p14:creationId xmlns:p14="http://schemas.microsoft.com/office/powerpoint/2010/main" val="344804032"/>
-      </p:ext>
-    </p:extLst>
-  </p:cSld>
-  <p:clrMapOvr>
-    <a:masterClrMapping/>
-  </p:clrMapOvr>
-</p:sld>
-</file>
-
-<file path=ppt/slides/slide20.xml><?xml version="1.0" encoding="utf-8"?>
+<file path=ppt/slides/slide21.xml><?xml version="1.0" encoding="utf-8"?>
 <p:sld xmlns:a="http://schemas.openxmlformats.org/drawingml/2006/main" xmlns:r="http://schemas.openxmlformats.org/officeDocument/2006/relationships" xmlns:p="http://schemas.openxmlformats.org/presentationml/2006/main">
   <p:cSld>
     <p:spTree>
@@ -15367,7 +16242,7 @@
           <a:p>
             <a:r>
               <a:rPr lang="en-US" dirty="0"/>
-              <a:t>Aka “refs” or “ref cell”</a:t>
+              <a:t>Aka “ref” or “ref cell”</a:t>
             </a:r>
           </a:p>
           <a:p>
@@ -15387,7 +16262,7 @@
           <a:p>
             <a:r>
               <a:rPr lang="en-US" dirty="0"/>
-              <a:t>The binding of a variable to a pointer is </a:t>
+              <a:t>Binding of variable to pointer:  </a:t>
             </a:r>
             <a:r>
               <a:rPr lang="en-US" dirty="0">
@@ -15397,54 +16272,30 @@
               </a:rPr>
               <a:t>immutable </a:t>
             </a:r>
+          </a:p>
+          <a:p>
+            <a:r>
+              <a:rPr lang="en-US" dirty="0"/>
+              <a:t>Contents of memory location:  </a:t>
+            </a:r>
             <a:r>
               <a:rPr lang="en-US" dirty="0">
                 <a:solidFill>
-                  <a:srgbClr val="000000"/>
-                </a:solidFill>
-              </a:rPr>
-              <a:t>but</a:t>
-            </a:r>
-            <a:r>
-              <a:rPr lang="en-US" dirty="0"/>
-              <a:t> the </a:t>
-            </a:r>
-            <a:r>
-              <a:rPr lang="en-US" dirty="0">
-                <a:solidFill>
-                  <a:srgbClr val="F79646"/>
-                </a:solidFill>
-              </a:rPr>
-              <a:t>contents</a:t>
-            </a:r>
-            <a:r>
-              <a:rPr lang="en-US" dirty="0"/>
-              <a:t> </a:t>
-            </a:r>
-            <a:r>
-              <a:rPr lang="en-US" dirty="0">
-                <a:solidFill>
-                  <a:srgbClr val="F79646"/>
-                </a:solidFill>
-              </a:rPr>
-              <a:t>of the memory </a:t>
-            </a:r>
-            <a:r>
-              <a:rPr lang="en-US" dirty="0"/>
-              <a:t>may change</a:t>
-            </a:r>
-            <a:endParaRPr lang="fr-FR" dirty="0">
-              <a:solidFill>
-                <a:srgbClr val="000000"/>
-              </a:solidFill>
-              <a:latin typeface="Courier"/>
-            </a:endParaRPr>
+                  <a:schemeClr val="accent6"/>
+                </a:solidFill>
+              </a:rPr>
+              <a:t>mutable</a:t>
+            </a:r>
           </a:p>
           <a:p>
             <a:pPr marL="0" indent="0">
               <a:buNone/>
             </a:pPr>
-            <a:endParaRPr lang="en-US" dirty="0"/>
+            <a:endParaRPr lang="en-US" dirty="0">
+              <a:solidFill>
+                <a:schemeClr val="accent6"/>
+              </a:solidFill>
+            </a:endParaRPr>
           </a:p>
         </p:txBody>
       </p:sp>
@@ -15513,7 +16364,7 @@
         <p:spPr/>
         <p:txBody>
           <a:bodyPr>
-            <a:normAutofit fontScale="85000" lnSpcReduction="20000"/>
+            <a:normAutofit fontScale="92500" lnSpcReduction="10000"/>
           </a:bodyPr>
           <a:lstStyle/>
           <a:p>
@@ -15704,17 +16555,6 @@
                 </a:solidFill>
               </a:rPr>
               <a:t> </a:t>
-            </a:r>
-          </a:p>
-          <a:p>
-            <a:pPr lvl="1"/>
-            <a:r>
-              <a:rPr lang="en-US" dirty="0">
-                <a:solidFill>
-                  <a:schemeClr val="accent4"/>
-                </a:solidFill>
-              </a:rPr>
-              <a:t>Note: locations are values; can pass and return from functions</a:t>
             </a:r>
           </a:p>
           <a:p>
@@ -16073,15 +16913,33 @@
                                   </p:childTnLst>
                                 </p:cTn>
                               </p:par>
+                            </p:childTnLst>
+                          </p:cTn>
+                        </p:par>
+                      </p:childTnLst>
+                    </p:cTn>
+                  </p:par>
+                  <p:par>
+                    <p:cTn id="15" fill="hold">
+                      <p:stCondLst>
+                        <p:cond delay="indefinite"/>
+                      </p:stCondLst>
+                      <p:childTnLst>
+                        <p:par>
+                          <p:cTn id="16" fill="hold">
+                            <p:stCondLst>
+                              <p:cond delay="0"/>
+                            </p:stCondLst>
+                            <p:childTnLst>
                               <p:par>
-                                <p:cTn id="15" presetID="1" presetClass="entr" presetSubtype="0" fill="hold" nodeType="withEffect">
+                                <p:cTn id="17" presetID="1" presetClass="entr" presetSubtype="0" fill="hold" nodeType="clickEffect">
                                   <p:stCondLst>
                                     <p:cond delay="0"/>
                                   </p:stCondLst>
                                   <p:childTnLst>
                                     <p:set>
                                       <p:cBhvr>
-                                        <p:cTn id="16" dur="1" fill="hold">
+                                        <p:cTn id="18" dur="1" fill="hold">
                                           <p:stCondLst>
                                             <p:cond delay="0"/>
                                           </p:stCondLst>
@@ -16104,26 +16962,8 @@
                                   </p:childTnLst>
                                 </p:cTn>
                               </p:par>
-                            </p:childTnLst>
-                          </p:cTn>
-                        </p:par>
-                      </p:childTnLst>
-                    </p:cTn>
-                  </p:par>
-                  <p:par>
-                    <p:cTn id="17" fill="hold">
-                      <p:stCondLst>
-                        <p:cond delay="indefinite"/>
-                      </p:stCondLst>
-                      <p:childTnLst>
-                        <p:par>
-                          <p:cTn id="18" fill="hold">
-                            <p:stCondLst>
-                              <p:cond delay="0"/>
-                            </p:stCondLst>
-                            <p:childTnLst>
                               <p:par>
-                                <p:cTn id="19" presetID="1" presetClass="entr" presetSubtype="0" fill="hold" nodeType="clickEffect">
+                                <p:cTn id="19" presetID="1" presetClass="entr" presetSubtype="0" fill="hold" nodeType="withEffect">
                                   <p:stCondLst>
                                     <p:cond delay="0"/>
                                   </p:stCondLst>
@@ -16215,37 +17055,6 @@
                                   </p:childTnLst>
                                 </p:cTn>
                               </p:par>
-                              <p:par>
-                                <p:cTn id="25" presetID="1" presetClass="entr" presetSubtype="0" fill="hold" nodeType="withEffect">
-                                  <p:stCondLst>
-                                    <p:cond delay="0"/>
-                                  </p:stCondLst>
-                                  <p:childTnLst>
-                                    <p:set>
-                                      <p:cBhvr>
-                                        <p:cTn id="26" dur="1" fill="hold">
-                                          <p:stCondLst>
-                                            <p:cond delay="0"/>
-                                          </p:stCondLst>
-                                        </p:cTn>
-                                        <p:tgtEl>
-                                          <p:spTgt spid="3">
-                                            <p:txEl>
-                                              <p:pRg st="10" end="10"/>
-                                            </p:txEl>
-                                          </p:spTgt>
-                                        </p:tgtEl>
-                                        <p:attrNameLst>
-                                          <p:attrName>style.visibility</p:attrName>
-                                        </p:attrNameLst>
-                                      </p:cBhvr>
-                                      <p:to>
-                                        <p:strVal val="visible"/>
-                                      </p:to>
-                                    </p:set>
-                                  </p:childTnLst>
-                                </p:cTn>
-                              </p:par>
                             </p:childTnLst>
                           </p:cTn>
                         </p:par>
@@ -16278,6 +17087,309 @@
 </file>
 
 <file path=ppt/slides/slide7.xml><?xml version="1.0" encoding="utf-8"?>
+<p:sld xmlns:a="http://schemas.openxmlformats.org/drawingml/2006/main" xmlns:r="http://schemas.openxmlformats.org/officeDocument/2006/relationships" xmlns:p="http://schemas.openxmlformats.org/presentationml/2006/main">
+  <p:cSld>
+    <p:spTree>
+      <p:nvGrpSpPr>
+        <p:cNvPr id="1" name=""/>
+        <p:cNvGrpSpPr/>
+        <p:nvPr/>
+      </p:nvGrpSpPr>
+      <p:grpSpPr>
+        <a:xfrm>
+          <a:off x="0" y="0"/>
+          <a:ext cx="0" cy="0"/>
+          <a:chOff x="0" y="0"/>
+          <a:chExt cx="0" cy="0"/>
+        </a:xfrm>
+      </p:grpSpPr>
+      <p:sp>
+        <p:nvSpPr>
+          <p:cNvPr id="2" name="Title 1">
+            <a:extLst>
+              <a:ext uri="{FF2B5EF4-FFF2-40B4-BE49-F238E27FC236}">
+                <a16:creationId xmlns:a16="http://schemas.microsoft.com/office/drawing/2014/main" id="{0F3564F2-F3D4-2B4E-A0B6-85A9F4AB3443}"/>
+              </a:ext>
+            </a:extLst>
+          </p:cNvPr>
+          <p:cNvSpPr>
+            <a:spLocks noGrp="1"/>
+          </p:cNvSpPr>
+          <p:nvPr>
+            <p:ph type="title"/>
+          </p:nvPr>
+        </p:nvSpPr>
+        <p:spPr/>
+        <p:txBody>
+          <a:bodyPr/>
+          <a:lstStyle/>
+          <a:p>
+            <a:r>
+              <a:rPr lang="en-US" dirty="0"/>
+              <a:t>Locations</a:t>
+            </a:r>
+          </a:p>
+        </p:txBody>
+      </p:sp>
+      <p:sp>
+        <p:nvSpPr>
+          <p:cNvPr id="3" name="Content Placeholder 2">
+            <a:extLst>
+              <a:ext uri="{FF2B5EF4-FFF2-40B4-BE49-F238E27FC236}">
+                <a16:creationId xmlns:a16="http://schemas.microsoft.com/office/drawing/2014/main" id="{159AA8EB-E4A1-2141-AD66-0C2E80D587F4}"/>
+              </a:ext>
+            </a:extLst>
+          </p:cNvPr>
+          <p:cNvSpPr>
+            <a:spLocks noGrp="1"/>
+          </p:cNvSpPr>
+          <p:nvPr>
+            <p:ph idx="1"/>
+          </p:nvPr>
+        </p:nvSpPr>
+        <p:spPr/>
+        <p:txBody>
+          <a:bodyPr/>
+          <a:lstStyle/>
+          <a:p>
+            <a:r>
+              <a:rPr lang="en-US" dirty="0"/>
+              <a:t>Locations are values</a:t>
+            </a:r>
+          </a:p>
+          <a:p>
+            <a:r>
+              <a:rPr lang="en-US" dirty="0"/>
+              <a:t>Locations are not expressions</a:t>
+            </a:r>
+          </a:p>
+          <a:p>
+            <a:r>
+              <a:rPr lang="en-US" dirty="0"/>
+              <a:t>So this picture [lec02] was a lie:</a:t>
+            </a:r>
+          </a:p>
+          <a:p>
+            <a:endParaRPr lang="en-US" dirty="0"/>
+          </a:p>
+          <a:p>
+            <a:pPr marL="0" indent="0">
+              <a:buNone/>
+            </a:pPr>
+            <a:endParaRPr lang="en-US" dirty="0"/>
+          </a:p>
+        </p:txBody>
+      </p:sp>
+      <p:sp>
+        <p:nvSpPr>
+          <p:cNvPr id="4" name="Oval 3">
+            <a:extLst>
+              <a:ext uri="{FF2B5EF4-FFF2-40B4-BE49-F238E27FC236}">
+                <a16:creationId xmlns:a16="http://schemas.microsoft.com/office/drawing/2014/main" id="{366098DD-A58E-4F44-AC51-869D4366AF67}"/>
+              </a:ext>
+            </a:extLst>
+          </p:cNvPr>
+          <p:cNvSpPr/>
+          <p:nvPr/>
+        </p:nvSpPr>
+        <p:spPr>
+          <a:xfrm>
+            <a:off x="1912824" y="3704021"/>
+            <a:ext cx="5043612" cy="2604704"/>
+          </a:xfrm>
+          <a:prstGeom prst="ellipse">
+            <a:avLst/>
+          </a:prstGeom>
+          <a:solidFill>
+            <a:schemeClr val="tx2">
+              <a:lumMod val="20000"/>
+              <a:lumOff val="80000"/>
+            </a:schemeClr>
+          </a:solidFill>
+          <a:ln w="38100"/>
+          <a:effectLst/>
+        </p:spPr>
+        <p:style>
+          <a:lnRef idx="1">
+            <a:schemeClr val="accent1"/>
+          </a:lnRef>
+          <a:fillRef idx="3">
+            <a:schemeClr val="accent1"/>
+          </a:fillRef>
+          <a:effectRef idx="2">
+            <a:schemeClr val="accent1"/>
+          </a:effectRef>
+          <a:fontRef idx="minor">
+            <a:schemeClr val="lt1"/>
+          </a:fontRef>
+        </p:style>
+        <p:txBody>
+          <a:bodyPr lIns="89896" tIns="44948" rIns="89896" bIns="44948" rtlCol="0" anchor="ctr"/>
+          <a:lstStyle/>
+          <a:p>
+            <a:pPr algn="r"/>
+            <a:r>
+              <a:rPr lang="en-US" sz="1588" dirty="0">
+                <a:solidFill>
+                  <a:schemeClr val="tx1"/>
+                </a:solidFill>
+                <a:latin typeface="CronosPro-Regular"/>
+                <a:cs typeface="CronosPro-Regular"/>
+              </a:rPr>
+              <a:t>Expressions</a:t>
+            </a:r>
+          </a:p>
+        </p:txBody>
+      </p:sp>
+      <p:sp>
+        <p:nvSpPr>
+          <p:cNvPr id="5" name="Oval 4">
+            <a:extLst>
+              <a:ext uri="{FF2B5EF4-FFF2-40B4-BE49-F238E27FC236}">
+                <a16:creationId xmlns:a16="http://schemas.microsoft.com/office/drawing/2014/main" id="{C936697F-7B63-0C45-85AC-20260020D89F}"/>
+              </a:ext>
+            </a:extLst>
+          </p:cNvPr>
+          <p:cNvSpPr/>
+          <p:nvPr/>
+        </p:nvSpPr>
+        <p:spPr>
+          <a:xfrm>
+            <a:off x="2576424" y="4040919"/>
+            <a:ext cx="1770479" cy="1824130"/>
+          </a:xfrm>
+          <a:prstGeom prst="ellipse">
+            <a:avLst/>
+          </a:prstGeom>
+          <a:solidFill>
+            <a:schemeClr val="accent1">
+              <a:lumMod val="20000"/>
+              <a:lumOff val="80000"/>
+              <a:alpha val="69000"/>
+            </a:schemeClr>
+          </a:solidFill>
+          <a:ln w="38100"/>
+          <a:effectLst/>
+        </p:spPr>
+        <p:style>
+          <a:lnRef idx="1">
+            <a:schemeClr val="accent1"/>
+          </a:lnRef>
+          <a:fillRef idx="3">
+            <a:schemeClr val="accent1"/>
+          </a:fillRef>
+          <a:effectRef idx="2">
+            <a:schemeClr val="accent1"/>
+          </a:effectRef>
+          <a:fontRef idx="minor">
+            <a:schemeClr val="lt1"/>
+          </a:fontRef>
+        </p:style>
+        <p:txBody>
+          <a:bodyPr lIns="89896" tIns="44948" rIns="89896" bIns="44948" rtlCol="0" anchor="ctr"/>
+          <a:lstStyle/>
+          <a:p>
+            <a:pPr algn="ctr"/>
+            <a:r>
+              <a:rPr lang="en-US" sz="1588" dirty="0">
+                <a:solidFill>
+                  <a:schemeClr val="tx1"/>
+                </a:solidFill>
+                <a:latin typeface="CronosPro-Regular"/>
+                <a:cs typeface="CronosPro-Regular"/>
+              </a:rPr>
+              <a:t>Values</a:t>
+            </a:r>
+          </a:p>
+        </p:txBody>
+      </p:sp>
+    </p:spTree>
+    <p:extLst>
+      <p:ext uri="{BB962C8B-B14F-4D97-AF65-F5344CB8AC3E}">
+        <p14:creationId xmlns:p14="http://schemas.microsoft.com/office/powerpoint/2010/main" val="1222475543"/>
+      </p:ext>
+    </p:extLst>
+  </p:cSld>
+  <p:clrMapOvr>
+    <a:masterClrMapping/>
+  </p:clrMapOvr>
+  <p:timing>
+    <p:tnLst>
+      <p:par>
+        <p:cTn id="1" dur="indefinite" restart="never" nodeType="tmRoot">
+          <p:childTnLst>
+            <p:seq concurrent="1" nextAc="seek">
+              <p:cTn id="2" dur="indefinite" nodeType="mainSeq">
+                <p:childTnLst>
+                  <p:par>
+                    <p:cTn id="3" fill="hold">
+                      <p:stCondLst>
+                        <p:cond delay="indefinite"/>
+                      </p:stCondLst>
+                      <p:childTnLst>
+                        <p:par>
+                          <p:cTn id="4" fill="hold">
+                            <p:stCondLst>
+                              <p:cond delay="0"/>
+                            </p:stCondLst>
+                            <p:childTnLst>
+                              <p:par>
+                                <p:cTn id="5" presetID="0" presetClass="path" presetSubtype="0" accel="50000" decel="50000" fill="hold" grpId="0" nodeType="clickEffect">
+                                  <p:stCondLst>
+                                    <p:cond delay="0"/>
+                                  </p:stCondLst>
+                                  <p:childTnLst>
+                                    <p:animMotion origin="layout" path="M -0.00451 -0.00023 L -0.20937 -0.00231 " pathEditMode="relative" rAng="0" ptsTypes="AA">
+                                      <p:cBhvr>
+                                        <p:cTn id="6" dur="2000" fill="hold"/>
+                                        <p:tgtEl>
+                                          <p:spTgt spid="5"/>
+                                        </p:tgtEl>
+                                        <p:attrNameLst>
+                                          <p:attrName>ppt_x</p:attrName>
+                                          <p:attrName>ppt_y</p:attrName>
+                                        </p:attrNameLst>
+                                      </p:cBhvr>
+                                      <p:rCtr x="-10243" y="-116"/>
+                                    </p:animMotion>
+                                  </p:childTnLst>
+                                </p:cTn>
+                              </p:par>
+                            </p:childTnLst>
+                          </p:cTn>
+                        </p:par>
+                      </p:childTnLst>
+                    </p:cTn>
+                  </p:par>
+                </p:childTnLst>
+              </p:cTn>
+              <p:prevCondLst>
+                <p:cond evt="onPrev" delay="0">
+                  <p:tgtEl>
+                    <p:sldTgt/>
+                  </p:tgtEl>
+                </p:cond>
+              </p:prevCondLst>
+              <p:nextCondLst>
+                <p:cond evt="onNext" delay="0">
+                  <p:tgtEl>
+                    <p:sldTgt/>
+                  </p:tgtEl>
+                </p:cond>
+              </p:nextCondLst>
+            </p:seq>
+          </p:childTnLst>
+        </p:cTn>
+      </p:par>
+    </p:tnLst>
+    <p:bldLst>
+      <p:bldP spid="5" grpId="0" animBg="1"/>
+    </p:bldLst>
+  </p:timing>
+</p:sld>
+</file>
+
+<file path=ppt/slides/slide8.xml><?xml version="1.0" encoding="utf-8"?>
 <p:sld xmlns:a="http://schemas.openxmlformats.org/drawingml/2006/main" xmlns:r="http://schemas.openxmlformats.org/officeDocument/2006/relationships" xmlns:p="http://schemas.openxmlformats.org/presentationml/2006/main">
   <p:cSld>
     <p:spTree>
@@ -16952,7 +18064,7 @@
 </p:sld>
 </file>
 
-<file path=ppt/slides/slide8.xml><?xml version="1.0" encoding="utf-8"?>
+<file path=ppt/slides/slide9.xml><?xml version="1.0" encoding="utf-8"?>
 <p:sld xmlns:a="http://schemas.openxmlformats.org/drawingml/2006/main" xmlns:r="http://schemas.openxmlformats.org/officeDocument/2006/relationships" xmlns:p="http://schemas.openxmlformats.org/presentationml/2006/main">
   <p:cSld>
     <p:spTree>
@@ -17435,94 +18547,6 @@
       </p:par>
     </p:tnLst>
   </p:timing>
-</p:sld>
-</file>
-
-<file path=ppt/slides/slide9.xml><?xml version="1.0" encoding="utf-8"?>
-<p:sld xmlns:a="http://schemas.openxmlformats.org/drawingml/2006/main" xmlns:r="http://schemas.openxmlformats.org/officeDocument/2006/relationships" xmlns:p="http://schemas.openxmlformats.org/presentationml/2006/main">
-  <p:cSld>
-    <p:spTree>
-      <p:nvGrpSpPr>
-        <p:cNvPr id="1" name=""/>
-        <p:cNvGrpSpPr/>
-        <p:nvPr/>
-      </p:nvGrpSpPr>
-      <p:grpSpPr>
-        <a:xfrm>
-          <a:off x="0" y="0"/>
-          <a:ext cx="0" cy="0"/>
-          <a:chOff x="0" y="0"/>
-          <a:chExt cx="0" cy="0"/>
-        </a:xfrm>
-      </p:grpSpPr>
-      <p:sp>
-        <p:nvSpPr>
-          <p:cNvPr id="4" name="Title 3">
-            <a:extLst>
-              <a:ext uri="{FF2B5EF4-FFF2-40B4-BE49-F238E27FC236}">
-                <a16:creationId xmlns:a16="http://schemas.microsoft.com/office/drawing/2014/main" id="{3F167D9E-716B-1D4C-A34D-5C81FD2CFD5F}"/>
-              </a:ext>
-            </a:extLst>
-          </p:cNvPr>
-          <p:cNvSpPr>
-            <a:spLocks noGrp="1"/>
-          </p:cNvSpPr>
-          <p:nvPr>
-            <p:ph type="title"/>
-          </p:nvPr>
-        </p:nvSpPr>
-        <p:spPr/>
-        <p:txBody>
-          <a:bodyPr/>
-          <a:lstStyle/>
-          <a:p>
-            <a:r>
-              <a:rPr lang="en-US" dirty="0"/>
-              <a:t>Clicker </a:t>
-            </a:r>
-            <a:r>
-              <a:rPr lang="en-US"/>
-              <a:t>Question 3</a:t>
-            </a:r>
-            <a:endParaRPr lang="en-US" dirty="0"/>
-          </a:p>
-        </p:txBody>
-      </p:sp>
-      <p:sp>
-        <p:nvSpPr>
-          <p:cNvPr id="5" name="Text Placeholder 4">
-            <a:extLst>
-              <a:ext uri="{FF2B5EF4-FFF2-40B4-BE49-F238E27FC236}">
-                <a16:creationId xmlns:a16="http://schemas.microsoft.com/office/drawing/2014/main" id="{40A31EC9-17B8-9E49-A380-C117A15CA144}"/>
-              </a:ext>
-            </a:extLst>
-          </p:cNvPr>
-          <p:cNvSpPr>
-            <a:spLocks noGrp="1"/>
-          </p:cNvSpPr>
-          <p:nvPr>
-            <p:ph type="body" idx="1"/>
-          </p:nvPr>
-        </p:nvSpPr>
-        <p:spPr/>
-        <p:txBody>
-          <a:bodyPr/>
-          <a:lstStyle/>
-          <a:p>
-            <a:endParaRPr lang="en-US"/>
-          </a:p>
-        </p:txBody>
-      </p:sp>
-    </p:spTree>
-    <p:extLst>
-      <p:ext uri="{BB962C8B-B14F-4D97-AF65-F5344CB8AC3E}">
-        <p14:creationId xmlns:p14="http://schemas.microsoft.com/office/powerpoint/2010/main" val="1255933179"/>
-      </p:ext>
-    </p:extLst>
-  </p:cSld>
-  <p:clrMapOvr>
-    <a:masterClrMapping/>
-  </p:clrMapOvr>
 </p:sld>
 </file>
 

--- a/12-mutable/lec.pptx
+++ b/12-mutable/lec.pptx
@@ -5,7 +5,7 @@
     <p:sldMasterId id="2147483648" r:id="rId1"/>
   </p:sldMasterIdLst>
   <p:notesMasterIdLst>
-    <p:notesMasterId r:id="rId23"/>
+    <p:notesMasterId r:id="rId24"/>
   </p:notesMasterIdLst>
   <p:sldIdLst>
     <p:sldId id="545" r:id="rId2"/>
@@ -16,19 +16,20 @@
     <p:sldId id="521" r:id="rId7"/>
     <p:sldId id="571" r:id="rId8"/>
     <p:sldId id="522" r:id="rId9"/>
-    <p:sldId id="523" r:id="rId10"/>
-    <p:sldId id="570" r:id="rId11"/>
-    <p:sldId id="529" r:id="rId12"/>
-    <p:sldId id="524" r:id="rId13"/>
-    <p:sldId id="556" r:id="rId14"/>
-    <p:sldId id="535" r:id="rId15"/>
-    <p:sldId id="565" r:id="rId16"/>
-    <p:sldId id="540" r:id="rId17"/>
-    <p:sldId id="541" r:id="rId18"/>
-    <p:sldId id="542" r:id="rId19"/>
-    <p:sldId id="543" r:id="rId20"/>
-    <p:sldId id="544" r:id="rId21"/>
-    <p:sldId id="546" r:id="rId22"/>
+    <p:sldId id="739" r:id="rId10"/>
+    <p:sldId id="523" r:id="rId11"/>
+    <p:sldId id="570" r:id="rId12"/>
+    <p:sldId id="529" r:id="rId13"/>
+    <p:sldId id="524" r:id="rId14"/>
+    <p:sldId id="556" r:id="rId15"/>
+    <p:sldId id="535" r:id="rId16"/>
+    <p:sldId id="565" r:id="rId17"/>
+    <p:sldId id="540" r:id="rId18"/>
+    <p:sldId id="541" r:id="rId19"/>
+    <p:sldId id="542" r:id="rId20"/>
+    <p:sldId id="543" r:id="rId21"/>
+    <p:sldId id="544" r:id="rId22"/>
+    <p:sldId id="546" r:id="rId23"/>
   </p:sldIdLst>
   <p:sldSz cx="9144000" cy="6858000" type="screen4x3"/>
   <p:notesSz cx="6858000" cy="9144000"/>
@@ -651,6 +652,74 @@
           <a:bodyPr/>
           <a:lstStyle/>
           <a:p>
+            <a:pPr lvl="0"/>
+            <a:r>
+              <a:rPr lang="en-US" i="0" dirty="0" err="1"/>
+              <a:t>OCaml</a:t>
+            </a:r>
+            <a:r>
+              <a:rPr lang="en-US" i="0" dirty="0"/>
+              <a:t>: </a:t>
+            </a:r>
+          </a:p>
+          <a:p>
+            <a:pPr lvl="1"/>
+            <a:r>
+              <a:rPr lang="en-US" i="1" dirty="0"/>
+              <a:t>Impossible</a:t>
+            </a:r>
+            <a:r>
+              <a:rPr lang="en-US" dirty="0"/>
+              <a:t> to tell where there is aliasing (except when using imperative features)</a:t>
+            </a:r>
+          </a:p>
+          <a:p>
+            <a:pPr lvl="1"/>
+            <a:r>
+              <a:rPr lang="en-US" dirty="0"/>
+              <a:t>Example: </a:t>
+            </a:r>
+            <a:r>
+              <a:rPr lang="en-US" b="1" dirty="0" err="1">
+                <a:latin typeface="Courier New" pitchFamily="49" charset="0"/>
+              </a:rPr>
+              <a:t>List.tl</a:t>
+            </a:r>
+            <a:r>
+              <a:rPr lang="en-US" dirty="0">
+                <a:latin typeface="Courier New" pitchFamily="49" charset="0"/>
+              </a:rPr>
+              <a:t> </a:t>
+            </a:r>
+            <a:r>
+              <a:rPr lang="en-US" dirty="0"/>
+              <a:t>is constant time; does not copy rest of the list</a:t>
+            </a:r>
+          </a:p>
+          <a:p>
+            <a:endParaRPr lang="en-US" dirty="0"/>
+          </a:p>
+          <a:p>
+            <a:r>
+              <a:rPr lang="en-US" dirty="0"/>
+              <a:t>Java:</a:t>
+            </a:r>
+          </a:p>
+          <a:p>
+            <a:pPr lvl="1"/>
+            <a:r>
+              <a:rPr lang="en-US" dirty="0"/>
+              <a:t>Must be, so that subsequent assignments affect the right parts of the program</a:t>
+            </a:r>
+          </a:p>
+          <a:p>
+            <a:pPr lvl="1"/>
+            <a:r>
+              <a:rPr lang="en-US" dirty="0"/>
+              <a:t>Often crucial to make copies in just the right places…</a:t>
+            </a:r>
+          </a:p>
+          <a:p>
             <a:endParaRPr lang="en-US" dirty="0"/>
           </a:p>
         </p:txBody>
@@ -681,7 +750,7 @@
     </p:spTree>
     <p:extLst>
       <p:ext uri="{BB962C8B-B14F-4D97-AF65-F5344CB8AC3E}">
-        <p14:creationId xmlns:p14="http://schemas.microsoft.com/office/powerpoint/2010/main" val="888025086"/>
+        <p14:creationId xmlns:p14="http://schemas.microsoft.com/office/powerpoint/2010/main" val="4048005773"/>
       </p:ext>
     </p:extLst>
   </p:cSld>
@@ -746,6 +815,90 @@
             <a:spLocks noGrp="1"/>
           </p:cNvSpPr>
           <p:nvPr>
+            <p:ph type="sldNum" sz="quarter" idx="5"/>
+          </p:nvPr>
+        </p:nvSpPr>
+        <p:spPr/>
+        <p:txBody>
+          <a:bodyPr/>
+          <a:lstStyle/>
+          <a:p>
+            <a:fld id="{B7975FD5-AB21-4C45-BFE8-1D3F02B463E2}" type="slidenum">
+              <a:rPr lang="en-US" smtClean="0"/>
+              <a:t>19</a:t>
+            </a:fld>
+            <a:endParaRPr lang="en-US"/>
+          </a:p>
+        </p:txBody>
+      </p:sp>
+    </p:spTree>
+    <p:extLst>
+      <p:ext uri="{BB962C8B-B14F-4D97-AF65-F5344CB8AC3E}">
+        <p14:creationId xmlns:p14="http://schemas.microsoft.com/office/powerpoint/2010/main" val="888025086"/>
+      </p:ext>
+    </p:extLst>
+  </p:cSld>
+  <p:clrMapOvr>
+    <a:masterClrMapping/>
+  </p:clrMapOvr>
+</p:notes>
+</file>
+
+<file path=ppt/notesSlides/notesSlide12.xml><?xml version="1.0" encoding="utf-8"?>
+<p:notes xmlns:a="http://schemas.openxmlformats.org/drawingml/2006/main" xmlns:r="http://schemas.openxmlformats.org/officeDocument/2006/relationships" xmlns:p="http://schemas.openxmlformats.org/presentationml/2006/main">
+  <p:cSld>
+    <p:spTree>
+      <p:nvGrpSpPr>
+        <p:cNvPr id="1" name=""/>
+        <p:cNvGrpSpPr/>
+        <p:nvPr/>
+      </p:nvGrpSpPr>
+      <p:grpSpPr>
+        <a:xfrm>
+          <a:off x="0" y="0"/>
+          <a:ext cx="0" cy="0"/>
+          <a:chOff x="0" y="0"/>
+          <a:chExt cx="0" cy="0"/>
+        </a:xfrm>
+      </p:grpSpPr>
+      <p:sp>
+        <p:nvSpPr>
+          <p:cNvPr id="2" name="Slide Image Placeholder 1"/>
+          <p:cNvSpPr>
+            <a:spLocks noGrp="1" noRot="1" noChangeAspect="1"/>
+          </p:cNvSpPr>
+          <p:nvPr>
+            <p:ph type="sldImg"/>
+          </p:nvPr>
+        </p:nvSpPr>
+        <p:spPr/>
+      </p:sp>
+      <p:sp>
+        <p:nvSpPr>
+          <p:cNvPr id="3" name="Notes Placeholder 2"/>
+          <p:cNvSpPr>
+            <a:spLocks noGrp="1"/>
+          </p:cNvSpPr>
+          <p:nvPr>
+            <p:ph type="body" idx="1"/>
+          </p:nvPr>
+        </p:nvSpPr>
+        <p:spPr/>
+        <p:txBody>
+          <a:bodyPr/>
+          <a:lstStyle/>
+          <a:p>
+            <a:endParaRPr lang="en-US" dirty="0"/>
+          </a:p>
+        </p:txBody>
+      </p:sp>
+      <p:sp>
+        <p:nvSpPr>
+          <p:cNvPr id="4" name="Slide Number Placeholder 3"/>
+          <p:cNvSpPr>
+            <a:spLocks noGrp="1"/>
+          </p:cNvSpPr>
+          <p:nvPr>
             <p:ph type="sldNum" sz="quarter" idx="10"/>
           </p:nvPr>
         </p:nvSpPr>
@@ -756,7 +909,7 @@
           <a:p>
             <a:fld id="{B7975FD5-AB21-4C45-BFE8-1D3F02B463E2}" type="slidenum">
               <a:rPr lang="en-US" smtClean="0"/>
-              <a:t>21</a:t>
+              <a:t>22</a:t>
             </a:fld>
             <a:endParaRPr lang="en-US"/>
           </a:p>
@@ -2000,110 +2153,6 @@
           <a:bodyPr/>
           <a:lstStyle/>
           <a:p>
-            <a:pPr marL="0" marR="0" indent="0" algn="l" defTabSz="457200" rtl="0" eaLnBrk="1" fontAlgn="auto" latinLnBrk="0" hangingPunct="1">
-              <a:lnSpc>
-                <a:spcPct val="100000"/>
-              </a:lnSpc>
-              <a:spcBef>
-                <a:spcPts val="0"/>
-              </a:spcBef>
-              <a:spcAft>
-                <a:spcPts val="0"/>
-              </a:spcAft>
-              <a:buClrTx/>
-              <a:buSzTx/>
-              <a:buFontTx/>
-              <a:buNone/>
-              <a:tabLst/>
-              <a:defRPr/>
-            </a:pPr>
-            <a:r>
-              <a:rPr lang="en-US" dirty="0">
-                <a:solidFill>
-                  <a:srgbClr val="000000"/>
-                </a:solidFill>
-                <a:ea typeface="Cronos Pro"/>
-              </a:rPr>
-              <a:t>Useful function from </a:t>
-            </a:r>
-            <a:r>
-              <a:rPr lang="en-US" b="1" dirty="0" err="1">
-                <a:solidFill>
-                  <a:srgbClr val="000000"/>
-                </a:solidFill>
-                <a:latin typeface="Courier New"/>
-                <a:ea typeface="Cronos Pro"/>
-                <a:cs typeface="Courier New"/>
-              </a:rPr>
-              <a:t>Pervasives</a:t>
-            </a:r>
-            <a:r>
-              <a:rPr lang="en-US" b="1" dirty="0">
-                <a:solidFill>
-                  <a:srgbClr val="000000"/>
-                </a:solidFill>
-                <a:ea typeface="Cronos Pro"/>
-              </a:rPr>
-              <a:t>:  </a:t>
-            </a:r>
-            <a:br>
-              <a:rPr lang="en-US" b="1" dirty="0">
-                <a:solidFill>
-                  <a:srgbClr val="000000"/>
-                </a:solidFill>
-                <a:ea typeface="Cronos Pro"/>
-              </a:rPr>
-            </a:br>
-            <a:r>
-              <a:rPr lang="en-US" b="1" dirty="0">
-                <a:solidFill>
-                  <a:srgbClr val="000000"/>
-                </a:solidFill>
-                <a:latin typeface="Courier New"/>
-                <a:ea typeface="Cronos Pro"/>
-                <a:cs typeface="Courier New"/>
-              </a:rPr>
-              <a:t>ignore : ‘a -&gt; unit</a:t>
-            </a:r>
-            <a:br>
-              <a:rPr lang="en-US" b="1" dirty="0">
-                <a:solidFill>
-                  <a:srgbClr val="000000"/>
-                </a:solidFill>
-                <a:latin typeface="Courier New"/>
-                <a:ea typeface="Cronos Pro"/>
-                <a:cs typeface="Courier New"/>
-              </a:rPr>
-            </a:br>
-            <a:r>
-              <a:rPr lang="en-US" dirty="0">
-                <a:solidFill>
-                  <a:srgbClr val="000000"/>
-                </a:solidFill>
-                <a:ea typeface="Cronos Pro"/>
-              </a:rPr>
-              <a:t>Evaluates its argument then returns </a:t>
-            </a:r>
-            <a:r>
-              <a:rPr lang="en-US" b="1" dirty="0">
-                <a:solidFill>
-                  <a:srgbClr val="000000"/>
-                </a:solidFill>
-                <a:latin typeface="Courier New"/>
-                <a:ea typeface="Cronos Pro"/>
-                <a:cs typeface="Courier New"/>
-              </a:rPr>
-              <a:t>()</a:t>
-            </a:r>
-            <a:endParaRPr lang="en-US" b="1" dirty="0">
-              <a:solidFill>
-                <a:srgbClr val="000000"/>
-              </a:solidFill>
-              <a:latin typeface="Courier New"/>
-              <a:cs typeface="Courier New"/>
-            </a:endParaRPr>
-          </a:p>
-          <a:p>
             <a:endParaRPr lang="en-US" dirty="0"/>
           </a:p>
         </p:txBody>
@@ -2115,7 +2164,7 @@
             <a:spLocks noGrp="1"/>
           </p:cNvSpPr>
           <p:nvPr>
-            <p:ph type="sldNum" sz="quarter" idx="10"/>
+            <p:ph type="sldNum" sz="quarter" idx="5"/>
           </p:nvPr>
         </p:nvSpPr>
         <p:spPr/>
@@ -2125,7 +2174,7 @@
           <a:p>
             <a:fld id="{B7975FD5-AB21-4C45-BFE8-1D3F02B463E2}" type="slidenum">
               <a:rPr lang="en-US" smtClean="0"/>
-              <a:t>12</a:t>
+              <a:t>9</a:t>
             </a:fld>
             <a:endParaRPr lang="en-US"/>
           </a:p>
@@ -2134,7 +2183,7 @@
     </p:spTree>
     <p:extLst>
       <p:ext uri="{BB962C8B-B14F-4D97-AF65-F5344CB8AC3E}">
-        <p14:creationId xmlns:p14="http://schemas.microsoft.com/office/powerpoint/2010/main" val="950149115"/>
+        <p14:creationId xmlns:p14="http://schemas.microsoft.com/office/powerpoint/2010/main" val="795553789"/>
       </p:ext>
     </p:extLst>
   </p:cSld>
@@ -2188,587 +2237,107 @@
           <a:bodyPr/>
           <a:lstStyle/>
           <a:p>
-            <a:r>
-              <a:rPr lang="en-US" sz="1200" b="0" u="sng" kern="1200" dirty="0">
-                <a:solidFill>
-                  <a:schemeClr val="tx1"/>
-                </a:solidFill>
-                <a:effectLst/>
-                <a:latin typeface="+mn-lt"/>
-                <a:ea typeface="+mn-ea"/>
-                <a:cs typeface="+mn-cs"/>
-              </a:rPr>
-              <a:t>type</a:t>
-            </a:r>
-            <a:r>
-              <a:rPr lang="en-US" sz="1200" b="0" kern="1200" dirty="0">
-                <a:solidFill>
-                  <a:schemeClr val="tx1"/>
-                </a:solidFill>
-                <a:effectLst/>
-                <a:latin typeface="+mn-lt"/>
-                <a:ea typeface="+mn-ea"/>
-                <a:cs typeface="+mn-cs"/>
-              </a:rPr>
-              <a:t> </a:t>
-            </a:r>
-            <a:r>
-              <a:rPr lang="en-US" sz="1200" b="1" kern="1200" dirty="0">
-                <a:solidFill>
-                  <a:schemeClr val="tx1"/>
-                </a:solidFill>
-                <a:effectLst/>
-                <a:latin typeface="+mn-lt"/>
-                <a:ea typeface="+mn-ea"/>
-                <a:cs typeface="+mn-cs"/>
-              </a:rPr>
-              <a:t>point</a:t>
-            </a:r>
-            <a:r>
-              <a:rPr lang="en-US" sz="1200" b="0" kern="1200" dirty="0">
-                <a:solidFill>
-                  <a:schemeClr val="tx1"/>
-                </a:solidFill>
-                <a:effectLst/>
-                <a:latin typeface="+mn-lt"/>
-                <a:ea typeface="+mn-ea"/>
-                <a:cs typeface="+mn-cs"/>
-              </a:rPr>
-              <a:t> </a:t>
-            </a:r>
-            <a:r>
-              <a:rPr lang="en-US" sz="1200" b="1" kern="1200" dirty="0">
-                <a:solidFill>
-                  <a:schemeClr val="tx1"/>
-                </a:solidFill>
-                <a:effectLst/>
-                <a:latin typeface="+mn-lt"/>
-                <a:ea typeface="+mn-ea"/>
-                <a:cs typeface="+mn-cs"/>
-              </a:rPr>
-              <a:t>=</a:t>
-            </a:r>
-            <a:r>
-              <a:rPr lang="en-US" sz="1200" b="0" kern="1200" dirty="0">
-                <a:solidFill>
-                  <a:schemeClr val="tx1"/>
-                </a:solidFill>
-                <a:effectLst/>
-                <a:latin typeface="+mn-lt"/>
-                <a:ea typeface="+mn-ea"/>
-                <a:cs typeface="+mn-cs"/>
-              </a:rPr>
-              <a:t> </a:t>
-            </a:r>
-            <a:r>
-              <a:rPr lang="en-US" sz="1200" b="1" kern="1200" dirty="0">
-                <a:solidFill>
-                  <a:schemeClr val="tx1"/>
-                </a:solidFill>
-                <a:effectLst/>
-                <a:latin typeface="+mn-lt"/>
-                <a:ea typeface="+mn-ea"/>
-                <a:cs typeface="+mn-cs"/>
-              </a:rPr>
-              <a:t>{</a:t>
-            </a:r>
-            <a:r>
-              <a:rPr lang="en-US" sz="1200" b="0" i="1" kern="1200" dirty="0" err="1">
-                <a:solidFill>
-                  <a:schemeClr val="tx1"/>
-                </a:solidFill>
-                <a:effectLst/>
-                <a:latin typeface="+mn-lt"/>
-                <a:ea typeface="+mn-ea"/>
-                <a:cs typeface="+mn-cs"/>
-              </a:rPr>
-              <a:t>x</a:t>
-            </a:r>
-            <a:r>
-              <a:rPr lang="en-US" sz="1200" b="1" kern="1200" dirty="0" err="1">
-                <a:solidFill>
-                  <a:schemeClr val="tx1"/>
-                </a:solidFill>
-                <a:effectLst/>
-                <a:latin typeface="+mn-lt"/>
-                <a:ea typeface="+mn-ea"/>
-                <a:cs typeface="+mn-cs"/>
-              </a:rPr>
-              <a:t>:</a:t>
-            </a:r>
-            <a:r>
-              <a:rPr lang="en-US" sz="1200" b="0" kern="1200" dirty="0" err="1">
-                <a:solidFill>
-                  <a:schemeClr val="tx1"/>
-                </a:solidFill>
-                <a:effectLst/>
-                <a:latin typeface="+mn-lt"/>
-                <a:ea typeface="+mn-ea"/>
-                <a:cs typeface="+mn-cs"/>
-              </a:rPr>
-              <a:t>int</a:t>
-            </a:r>
-            <a:r>
-              <a:rPr lang="en-US" sz="1200" b="0" kern="1200" dirty="0">
-                <a:solidFill>
-                  <a:schemeClr val="tx1"/>
-                </a:solidFill>
-                <a:effectLst/>
-                <a:latin typeface="+mn-lt"/>
-                <a:ea typeface="+mn-ea"/>
-                <a:cs typeface="+mn-cs"/>
-              </a:rPr>
-              <a:t>; </a:t>
-            </a:r>
-            <a:r>
-              <a:rPr lang="en-US" sz="1200" b="0" i="1" kern="1200" dirty="0" err="1">
-                <a:solidFill>
-                  <a:schemeClr val="tx1"/>
-                </a:solidFill>
-                <a:effectLst/>
-                <a:latin typeface="+mn-lt"/>
-                <a:ea typeface="+mn-ea"/>
-                <a:cs typeface="+mn-cs"/>
-              </a:rPr>
-              <a:t>y</a:t>
-            </a:r>
-            <a:r>
-              <a:rPr lang="en-US" sz="1200" b="1" kern="1200" dirty="0" err="1">
-                <a:solidFill>
-                  <a:schemeClr val="tx1"/>
-                </a:solidFill>
-                <a:effectLst/>
-                <a:latin typeface="+mn-lt"/>
-                <a:ea typeface="+mn-ea"/>
-                <a:cs typeface="+mn-cs"/>
-              </a:rPr>
-              <a:t>:</a:t>
-            </a:r>
-            <a:r>
-              <a:rPr lang="en-US" sz="1200" b="0" kern="1200" dirty="0" err="1">
-                <a:solidFill>
-                  <a:schemeClr val="tx1"/>
-                </a:solidFill>
-                <a:effectLst/>
-                <a:latin typeface="+mn-lt"/>
-                <a:ea typeface="+mn-ea"/>
-                <a:cs typeface="+mn-cs"/>
-              </a:rPr>
-              <a:t>int</a:t>
-            </a:r>
-            <a:r>
-              <a:rPr lang="en-US" sz="1200" b="0" kern="1200" dirty="0">
-                <a:solidFill>
-                  <a:schemeClr val="tx1"/>
-                </a:solidFill>
-                <a:effectLst/>
-                <a:latin typeface="+mn-lt"/>
-                <a:ea typeface="+mn-ea"/>
-                <a:cs typeface="+mn-cs"/>
-              </a:rPr>
-              <a:t>; mutable </a:t>
-            </a:r>
-            <a:r>
-              <a:rPr lang="en-US" sz="1200" b="0" i="1" kern="1200" dirty="0" err="1">
-                <a:solidFill>
-                  <a:schemeClr val="tx1"/>
-                </a:solidFill>
-                <a:effectLst/>
-                <a:latin typeface="+mn-lt"/>
-                <a:ea typeface="+mn-ea"/>
-                <a:cs typeface="+mn-cs"/>
-              </a:rPr>
-              <a:t>c</a:t>
-            </a:r>
-            <a:r>
-              <a:rPr lang="en-US" sz="1200" b="1" kern="1200" dirty="0" err="1">
-                <a:solidFill>
-                  <a:schemeClr val="tx1"/>
-                </a:solidFill>
-                <a:effectLst/>
-                <a:latin typeface="+mn-lt"/>
-                <a:ea typeface="+mn-ea"/>
-                <a:cs typeface="+mn-cs"/>
-              </a:rPr>
-              <a:t>:</a:t>
-            </a:r>
-            <a:r>
-              <a:rPr lang="en-US" sz="1200" b="0" kern="1200" dirty="0" err="1">
-                <a:solidFill>
-                  <a:schemeClr val="tx1"/>
-                </a:solidFill>
-                <a:effectLst/>
-                <a:latin typeface="+mn-lt"/>
-                <a:ea typeface="+mn-ea"/>
-                <a:cs typeface="+mn-cs"/>
-              </a:rPr>
-              <a:t>string</a:t>
-            </a:r>
-            <a:r>
-              <a:rPr lang="en-US" sz="1200" b="1" kern="1200" dirty="0">
-                <a:solidFill>
-                  <a:schemeClr val="tx1"/>
-                </a:solidFill>
-                <a:effectLst/>
-                <a:latin typeface="+mn-lt"/>
-                <a:ea typeface="+mn-ea"/>
-                <a:cs typeface="+mn-cs"/>
-              </a:rPr>
-              <a:t>}</a:t>
-            </a:r>
-            <a:r>
-              <a:rPr lang="en-US" sz="1200" b="0" kern="1200" dirty="0">
-                <a:solidFill>
-                  <a:schemeClr val="tx1"/>
-                </a:solidFill>
-                <a:effectLst/>
-                <a:latin typeface="+mn-lt"/>
-                <a:ea typeface="+mn-ea"/>
-                <a:cs typeface="+mn-cs"/>
-              </a:rPr>
-              <a:t>;;</a:t>
-            </a:r>
-          </a:p>
-          <a:p>
-            <a:r>
-              <a:rPr lang="en-US" sz="1200" b="0" u="sng" kern="1200" dirty="0">
-                <a:solidFill>
-                  <a:schemeClr val="tx1"/>
-                </a:solidFill>
-                <a:effectLst/>
-                <a:latin typeface="+mn-lt"/>
-                <a:ea typeface="+mn-ea"/>
-                <a:cs typeface="+mn-cs"/>
-              </a:rPr>
-              <a:t>let</a:t>
-            </a:r>
-            <a:r>
-              <a:rPr lang="en-US" sz="1200" b="0" kern="1200" dirty="0">
-                <a:solidFill>
-                  <a:schemeClr val="tx1"/>
-                </a:solidFill>
-                <a:effectLst/>
-                <a:latin typeface="+mn-lt"/>
-                <a:ea typeface="+mn-ea"/>
-                <a:cs typeface="+mn-cs"/>
-              </a:rPr>
-              <a:t> </a:t>
-            </a:r>
-            <a:r>
-              <a:rPr lang="en-US" sz="1200" b="0" i="1" kern="1200" dirty="0">
-                <a:solidFill>
-                  <a:schemeClr val="tx1"/>
-                </a:solidFill>
-                <a:effectLst/>
-                <a:latin typeface="+mn-lt"/>
-                <a:ea typeface="+mn-ea"/>
-                <a:cs typeface="+mn-cs"/>
-              </a:rPr>
-              <a:t>p</a:t>
-            </a:r>
-            <a:r>
-              <a:rPr lang="en-US" sz="1200" b="0" kern="1200" dirty="0">
-                <a:solidFill>
-                  <a:schemeClr val="tx1"/>
-                </a:solidFill>
-                <a:effectLst/>
-                <a:latin typeface="+mn-lt"/>
-                <a:ea typeface="+mn-ea"/>
-                <a:cs typeface="+mn-cs"/>
-              </a:rPr>
-              <a:t> </a:t>
-            </a:r>
-            <a:r>
-              <a:rPr lang="en-US" sz="1200" b="1" kern="1200" dirty="0">
-                <a:solidFill>
-                  <a:schemeClr val="tx1"/>
-                </a:solidFill>
-                <a:effectLst/>
-                <a:latin typeface="+mn-lt"/>
-                <a:ea typeface="+mn-ea"/>
-                <a:cs typeface="+mn-cs"/>
-              </a:rPr>
-              <a:t>=</a:t>
-            </a:r>
-            <a:r>
-              <a:rPr lang="en-US" sz="1200" b="0" kern="1200" dirty="0">
-                <a:solidFill>
-                  <a:schemeClr val="tx1"/>
-                </a:solidFill>
-                <a:effectLst/>
-                <a:latin typeface="+mn-lt"/>
-                <a:ea typeface="+mn-ea"/>
-                <a:cs typeface="+mn-cs"/>
-              </a:rPr>
-              <a:t> </a:t>
-            </a:r>
-            <a:r>
-              <a:rPr lang="en-US" sz="1200" b="1" kern="1200" dirty="0">
-                <a:solidFill>
-                  <a:schemeClr val="tx1"/>
-                </a:solidFill>
-                <a:effectLst/>
-                <a:latin typeface="+mn-lt"/>
-                <a:ea typeface="+mn-ea"/>
-                <a:cs typeface="+mn-cs"/>
-              </a:rPr>
-              <a:t>{</a:t>
-            </a:r>
-            <a:r>
-              <a:rPr lang="en-US" sz="1200" b="0" i="1" kern="1200" dirty="0">
-                <a:solidFill>
-                  <a:schemeClr val="tx1"/>
-                </a:solidFill>
-                <a:effectLst/>
-                <a:latin typeface="+mn-lt"/>
-                <a:ea typeface="+mn-ea"/>
-                <a:cs typeface="+mn-cs"/>
-              </a:rPr>
-              <a:t>x</a:t>
-            </a:r>
-            <a:r>
-              <a:rPr lang="en-US" sz="1200" b="1" kern="1200" dirty="0">
-                <a:solidFill>
-                  <a:schemeClr val="tx1"/>
-                </a:solidFill>
-                <a:effectLst/>
-                <a:latin typeface="+mn-lt"/>
-                <a:ea typeface="+mn-ea"/>
-                <a:cs typeface="+mn-cs"/>
-              </a:rPr>
-              <a:t>=</a:t>
-            </a:r>
-            <a:r>
-              <a:rPr lang="en-US" sz="1200" b="0" kern="1200" dirty="0">
-                <a:solidFill>
-                  <a:schemeClr val="tx1"/>
-                </a:solidFill>
-                <a:effectLst/>
-                <a:latin typeface="+mn-lt"/>
-                <a:ea typeface="+mn-ea"/>
-                <a:cs typeface="+mn-cs"/>
-              </a:rPr>
-              <a:t>0; </a:t>
-            </a:r>
-            <a:r>
-              <a:rPr lang="en-US" sz="1200" b="0" i="1" kern="1200" dirty="0">
-                <a:solidFill>
-                  <a:schemeClr val="tx1"/>
-                </a:solidFill>
-                <a:effectLst/>
-                <a:latin typeface="+mn-lt"/>
-                <a:ea typeface="+mn-ea"/>
-                <a:cs typeface="+mn-cs"/>
-              </a:rPr>
-              <a:t>y</a:t>
-            </a:r>
-            <a:r>
-              <a:rPr lang="en-US" sz="1200" b="1" kern="1200" dirty="0">
-                <a:solidFill>
-                  <a:schemeClr val="tx1"/>
-                </a:solidFill>
-                <a:effectLst/>
-                <a:latin typeface="+mn-lt"/>
-                <a:ea typeface="+mn-ea"/>
-                <a:cs typeface="+mn-cs"/>
-              </a:rPr>
-              <a:t>=</a:t>
-            </a:r>
-            <a:r>
-              <a:rPr lang="en-US" sz="1200" b="0" kern="1200" dirty="0">
-                <a:solidFill>
-                  <a:schemeClr val="tx1"/>
-                </a:solidFill>
-                <a:effectLst/>
-                <a:latin typeface="+mn-lt"/>
-                <a:ea typeface="+mn-ea"/>
-                <a:cs typeface="+mn-cs"/>
-              </a:rPr>
-              <a:t>0; </a:t>
-            </a:r>
-            <a:r>
-              <a:rPr lang="en-US" sz="1200" b="0" i="1" kern="1200" dirty="0">
-                <a:solidFill>
-                  <a:schemeClr val="tx1"/>
-                </a:solidFill>
-                <a:effectLst/>
-                <a:latin typeface="+mn-lt"/>
-                <a:ea typeface="+mn-ea"/>
-                <a:cs typeface="+mn-cs"/>
-              </a:rPr>
-              <a:t>c</a:t>
-            </a:r>
-            <a:r>
-              <a:rPr lang="en-US" sz="1200" b="1" kern="1200" dirty="0">
-                <a:solidFill>
-                  <a:schemeClr val="tx1"/>
-                </a:solidFill>
-                <a:effectLst/>
-                <a:latin typeface="+mn-lt"/>
-                <a:ea typeface="+mn-ea"/>
-                <a:cs typeface="+mn-cs"/>
-              </a:rPr>
-              <a:t>=</a:t>
-            </a:r>
-            <a:r>
-              <a:rPr lang="en-US" sz="1200" b="0" kern="1200" dirty="0">
-                <a:solidFill>
-                  <a:schemeClr val="tx1"/>
-                </a:solidFill>
-                <a:effectLst/>
-                <a:latin typeface="+mn-lt"/>
-                <a:ea typeface="+mn-ea"/>
-                <a:cs typeface="+mn-cs"/>
-              </a:rPr>
-              <a:t>"red"</a:t>
-            </a:r>
-            <a:r>
-              <a:rPr lang="en-US" sz="1200" b="1" kern="1200" dirty="0">
-                <a:solidFill>
-                  <a:schemeClr val="tx1"/>
-                </a:solidFill>
-                <a:effectLst/>
-                <a:latin typeface="+mn-lt"/>
-                <a:ea typeface="+mn-ea"/>
-                <a:cs typeface="+mn-cs"/>
-              </a:rPr>
-              <a:t>}</a:t>
-            </a:r>
-            <a:r>
-              <a:rPr lang="en-US" sz="1200" b="0" kern="1200" dirty="0">
-                <a:solidFill>
-                  <a:schemeClr val="tx1"/>
-                </a:solidFill>
-                <a:effectLst/>
-                <a:latin typeface="+mn-lt"/>
-                <a:ea typeface="+mn-ea"/>
-                <a:cs typeface="+mn-cs"/>
-              </a:rPr>
-              <a:t>;;</a:t>
-            </a:r>
-          </a:p>
-          <a:p>
-            <a:r>
-              <a:rPr lang="en-US" sz="1200" b="0" kern="1200" dirty="0" err="1">
-                <a:solidFill>
-                  <a:schemeClr val="tx1"/>
-                </a:solidFill>
-                <a:effectLst/>
-                <a:latin typeface="+mn-lt"/>
-                <a:ea typeface="+mn-ea"/>
-                <a:cs typeface="+mn-cs"/>
-              </a:rPr>
-              <a:t>p.c</a:t>
-            </a:r>
-            <a:r>
-              <a:rPr lang="en-US" sz="1200" b="0" kern="1200" dirty="0">
-                <a:solidFill>
-                  <a:schemeClr val="tx1"/>
-                </a:solidFill>
-                <a:effectLst/>
-                <a:latin typeface="+mn-lt"/>
-                <a:ea typeface="+mn-ea"/>
-                <a:cs typeface="+mn-cs"/>
-              </a:rPr>
-              <a:t> &lt;- "white";;</a:t>
-            </a:r>
-          </a:p>
-          <a:p>
-            <a:r>
-              <a:rPr lang="en-US" sz="1200" b="0" kern="1200" dirty="0">
-                <a:solidFill>
-                  <a:schemeClr val="tx1"/>
-                </a:solidFill>
-                <a:effectLst/>
-                <a:latin typeface="+mn-lt"/>
-                <a:ea typeface="+mn-ea"/>
-                <a:cs typeface="+mn-cs"/>
-              </a:rPr>
-              <a:t>p;;</a:t>
-            </a:r>
-          </a:p>
-          <a:p>
+            <a:pPr marL="0" marR="0" indent="0" algn="l" defTabSz="457200" rtl="0" eaLnBrk="1" fontAlgn="auto" latinLnBrk="0" hangingPunct="1">
+              <a:lnSpc>
+                <a:spcPct val="100000"/>
+              </a:lnSpc>
+              <a:spcBef>
+                <a:spcPts val="0"/>
+              </a:spcBef>
+              <a:spcAft>
+                <a:spcPts val="0"/>
+              </a:spcAft>
+              <a:buClrTx/>
+              <a:buSzTx/>
+              <a:buFontTx/>
+              <a:buNone/>
+              <a:tabLst/>
+              <a:defRPr/>
+            </a:pPr>
+            <a:r>
+              <a:rPr lang="en-US" dirty="0">
+                <a:solidFill>
+                  <a:srgbClr val="000000"/>
+                </a:solidFill>
+                <a:ea typeface="Cronos Pro"/>
+              </a:rPr>
+              <a:t>Useful function from </a:t>
+            </a:r>
+            <a:r>
+              <a:rPr lang="en-US" b="1" dirty="0" err="1">
+                <a:solidFill>
+                  <a:srgbClr val="000000"/>
+                </a:solidFill>
+                <a:latin typeface="Courier New"/>
+                <a:ea typeface="Cronos Pro"/>
+                <a:cs typeface="Courier New"/>
+              </a:rPr>
+              <a:t>Pervasives</a:t>
+            </a:r>
+            <a:r>
+              <a:rPr lang="en-US" b="1" dirty="0">
+                <a:solidFill>
+                  <a:srgbClr val="000000"/>
+                </a:solidFill>
+                <a:ea typeface="Cronos Pro"/>
+              </a:rPr>
+              <a:t>:  </a:t>
+            </a:r>
             <a:br>
-              <a:rPr lang="en-US" sz="1200" b="0" kern="1200" dirty="0">
-                <a:solidFill>
-                  <a:schemeClr val="tx1"/>
-                </a:solidFill>
-                <a:effectLst/>
-                <a:latin typeface="+mn-lt"/>
-                <a:ea typeface="+mn-ea"/>
-                <a:cs typeface="+mn-cs"/>
+              <a:rPr lang="en-US" b="1" dirty="0">
+                <a:solidFill>
+                  <a:srgbClr val="000000"/>
+                </a:solidFill>
+                <a:ea typeface="Cronos Pro"/>
               </a:rPr>
             </a:br>
             <a:r>
-              <a:rPr lang="en-US" sz="1200" b="0" kern="1200" dirty="0">
-                <a:solidFill>
-                  <a:schemeClr val="tx1"/>
-                </a:solidFill>
-                <a:effectLst/>
-                <a:latin typeface="+mn-lt"/>
-                <a:ea typeface="+mn-ea"/>
-                <a:cs typeface="+mn-cs"/>
-              </a:rPr>
-              <a:t>(*</a:t>
-            </a:r>
-            <a:r>
-              <a:rPr lang="en-US" sz="1200" b="0" i="1" kern="1200" dirty="0">
-                <a:solidFill>
-                  <a:schemeClr val="tx1"/>
-                </a:solidFill>
-                <a:effectLst/>
-                <a:latin typeface="+mn-lt"/>
-                <a:ea typeface="+mn-ea"/>
-                <a:cs typeface="+mn-cs"/>
-              </a:rPr>
-              <a:t> Error: </a:t>
-            </a:r>
-            <a:r>
-              <a:rPr lang="en-US" sz="1200" b="0" kern="1200" dirty="0">
-                <a:solidFill>
-                  <a:schemeClr val="tx1"/>
-                </a:solidFill>
-                <a:effectLst/>
-                <a:latin typeface="+mn-lt"/>
-                <a:ea typeface="+mn-ea"/>
-                <a:cs typeface="+mn-cs"/>
-              </a:rPr>
-              <a:t>*)</a:t>
-            </a:r>
-          </a:p>
-          <a:p>
-            <a:r>
-              <a:rPr lang="en-US" sz="1200" b="0" i="1" kern="1200" dirty="0" err="1">
-                <a:solidFill>
-                  <a:schemeClr val="tx1"/>
-                </a:solidFill>
-                <a:effectLst/>
-                <a:latin typeface="+mn-lt"/>
-                <a:ea typeface="+mn-ea"/>
-                <a:cs typeface="+mn-cs"/>
-              </a:rPr>
-              <a:t>p.x</a:t>
-            </a:r>
-            <a:r>
-              <a:rPr lang="en-US" sz="1200" b="0" i="1" kern="1200" dirty="0">
-                <a:solidFill>
-                  <a:schemeClr val="tx1"/>
-                </a:solidFill>
-                <a:effectLst/>
-                <a:latin typeface="+mn-lt"/>
-                <a:ea typeface="+mn-ea"/>
-                <a:cs typeface="+mn-cs"/>
-              </a:rPr>
-              <a:t> &lt;- 3;;</a:t>
-            </a:r>
-            <a:endParaRPr lang="en-US" sz="1200" b="0" kern="1200" dirty="0">
+              <a:rPr lang="en-US" b="1" dirty="0">
+                <a:solidFill>
+                  <a:srgbClr val="000000"/>
+                </a:solidFill>
+                <a:latin typeface="Courier New"/>
+                <a:ea typeface="Cronos Pro"/>
+                <a:cs typeface="Courier New"/>
+              </a:rPr>
+              <a:t>ignore : ‘a -&gt; unit</a:t>
+            </a:r>
+            <a:br>
+              <a:rPr lang="en-US" b="1" dirty="0">
+                <a:solidFill>
+                  <a:srgbClr val="000000"/>
+                </a:solidFill>
+                <a:latin typeface="Courier New"/>
+                <a:ea typeface="Cronos Pro"/>
+                <a:cs typeface="Courier New"/>
+              </a:rPr>
+            </a:br>
+            <a:r>
+              <a:rPr lang="en-US" dirty="0">
+                <a:solidFill>
+                  <a:srgbClr val="000000"/>
+                </a:solidFill>
+                <a:ea typeface="Cronos Pro"/>
+              </a:rPr>
+              <a:t>Evaluates its argument then returns </a:t>
+            </a:r>
+            <a:r>
+              <a:rPr lang="en-US" b="1" dirty="0">
+                <a:solidFill>
+                  <a:srgbClr val="000000"/>
+                </a:solidFill>
+                <a:latin typeface="Courier New"/>
+                <a:ea typeface="Cronos Pro"/>
+                <a:cs typeface="Courier New"/>
+              </a:rPr>
+              <a:t>()</a:t>
+            </a:r>
+            <a:endParaRPr lang="en-US" b="1" dirty="0">
               <a:solidFill>
-                <a:schemeClr val="tx1"/>
+                <a:srgbClr val="000000"/>
               </a:solidFill>
-              <a:effectLst/>
-              <a:latin typeface="+mn-lt"/>
-              <a:ea typeface="+mn-ea"/>
-              <a:cs typeface="+mn-cs"/>
+              <a:latin typeface="Courier New"/>
+              <a:cs typeface="Courier New"/>
             </a:endParaRPr>
           </a:p>
           <a:p>
@@ -2783,7 +2352,7 @@
             <a:spLocks noGrp="1"/>
           </p:cNvSpPr>
           <p:nvPr>
-            <p:ph type="sldNum" sz="quarter" idx="5"/>
+            <p:ph type="sldNum" sz="quarter" idx="10"/>
           </p:nvPr>
         </p:nvSpPr>
         <p:spPr/>
@@ -2802,7 +2371,7 @@
     </p:spTree>
     <p:extLst>
       <p:ext uri="{BB962C8B-B14F-4D97-AF65-F5344CB8AC3E}">
-        <p14:creationId xmlns:p14="http://schemas.microsoft.com/office/powerpoint/2010/main" val="2543470098"/>
+        <p14:creationId xmlns:p14="http://schemas.microsoft.com/office/powerpoint/2010/main" val="950149115"/>
       </p:ext>
     </p:extLst>
   </p:cSld>
@@ -2856,6 +2425,590 @@
           <a:bodyPr/>
           <a:lstStyle/>
           <a:p>
+            <a:r>
+              <a:rPr lang="en-US" sz="1200" b="0" u="sng" kern="1200" dirty="0">
+                <a:solidFill>
+                  <a:schemeClr val="tx1"/>
+                </a:solidFill>
+                <a:effectLst/>
+                <a:latin typeface="+mn-lt"/>
+                <a:ea typeface="+mn-ea"/>
+                <a:cs typeface="+mn-cs"/>
+              </a:rPr>
+              <a:t>type</a:t>
+            </a:r>
+            <a:r>
+              <a:rPr lang="en-US" sz="1200" b="0" kern="1200" dirty="0">
+                <a:solidFill>
+                  <a:schemeClr val="tx1"/>
+                </a:solidFill>
+                <a:effectLst/>
+                <a:latin typeface="+mn-lt"/>
+                <a:ea typeface="+mn-ea"/>
+                <a:cs typeface="+mn-cs"/>
+              </a:rPr>
+              <a:t> </a:t>
+            </a:r>
+            <a:r>
+              <a:rPr lang="en-US" sz="1200" b="1" kern="1200" dirty="0">
+                <a:solidFill>
+                  <a:schemeClr val="tx1"/>
+                </a:solidFill>
+                <a:effectLst/>
+                <a:latin typeface="+mn-lt"/>
+                <a:ea typeface="+mn-ea"/>
+                <a:cs typeface="+mn-cs"/>
+              </a:rPr>
+              <a:t>point</a:t>
+            </a:r>
+            <a:r>
+              <a:rPr lang="en-US" sz="1200" b="0" kern="1200" dirty="0">
+                <a:solidFill>
+                  <a:schemeClr val="tx1"/>
+                </a:solidFill>
+                <a:effectLst/>
+                <a:latin typeface="+mn-lt"/>
+                <a:ea typeface="+mn-ea"/>
+                <a:cs typeface="+mn-cs"/>
+              </a:rPr>
+              <a:t> </a:t>
+            </a:r>
+            <a:r>
+              <a:rPr lang="en-US" sz="1200" b="1" kern="1200" dirty="0">
+                <a:solidFill>
+                  <a:schemeClr val="tx1"/>
+                </a:solidFill>
+                <a:effectLst/>
+                <a:latin typeface="+mn-lt"/>
+                <a:ea typeface="+mn-ea"/>
+                <a:cs typeface="+mn-cs"/>
+              </a:rPr>
+              <a:t>=</a:t>
+            </a:r>
+            <a:r>
+              <a:rPr lang="en-US" sz="1200" b="0" kern="1200" dirty="0">
+                <a:solidFill>
+                  <a:schemeClr val="tx1"/>
+                </a:solidFill>
+                <a:effectLst/>
+                <a:latin typeface="+mn-lt"/>
+                <a:ea typeface="+mn-ea"/>
+                <a:cs typeface="+mn-cs"/>
+              </a:rPr>
+              <a:t> </a:t>
+            </a:r>
+            <a:r>
+              <a:rPr lang="en-US" sz="1200" b="1" kern="1200" dirty="0">
+                <a:solidFill>
+                  <a:schemeClr val="tx1"/>
+                </a:solidFill>
+                <a:effectLst/>
+                <a:latin typeface="+mn-lt"/>
+                <a:ea typeface="+mn-ea"/>
+                <a:cs typeface="+mn-cs"/>
+              </a:rPr>
+              <a:t>{</a:t>
+            </a:r>
+            <a:r>
+              <a:rPr lang="en-US" sz="1200" b="0" i="1" kern="1200" dirty="0" err="1">
+                <a:solidFill>
+                  <a:schemeClr val="tx1"/>
+                </a:solidFill>
+                <a:effectLst/>
+                <a:latin typeface="+mn-lt"/>
+                <a:ea typeface="+mn-ea"/>
+                <a:cs typeface="+mn-cs"/>
+              </a:rPr>
+              <a:t>x</a:t>
+            </a:r>
+            <a:r>
+              <a:rPr lang="en-US" sz="1200" b="1" kern="1200" dirty="0" err="1">
+                <a:solidFill>
+                  <a:schemeClr val="tx1"/>
+                </a:solidFill>
+                <a:effectLst/>
+                <a:latin typeface="+mn-lt"/>
+                <a:ea typeface="+mn-ea"/>
+                <a:cs typeface="+mn-cs"/>
+              </a:rPr>
+              <a:t>:</a:t>
+            </a:r>
+            <a:r>
+              <a:rPr lang="en-US" sz="1200" b="0" kern="1200" dirty="0" err="1">
+                <a:solidFill>
+                  <a:schemeClr val="tx1"/>
+                </a:solidFill>
+                <a:effectLst/>
+                <a:latin typeface="+mn-lt"/>
+                <a:ea typeface="+mn-ea"/>
+                <a:cs typeface="+mn-cs"/>
+              </a:rPr>
+              <a:t>int</a:t>
+            </a:r>
+            <a:r>
+              <a:rPr lang="en-US" sz="1200" b="0" kern="1200" dirty="0">
+                <a:solidFill>
+                  <a:schemeClr val="tx1"/>
+                </a:solidFill>
+                <a:effectLst/>
+                <a:latin typeface="+mn-lt"/>
+                <a:ea typeface="+mn-ea"/>
+                <a:cs typeface="+mn-cs"/>
+              </a:rPr>
+              <a:t>; </a:t>
+            </a:r>
+            <a:r>
+              <a:rPr lang="en-US" sz="1200" b="0" i="1" kern="1200" dirty="0" err="1">
+                <a:solidFill>
+                  <a:schemeClr val="tx1"/>
+                </a:solidFill>
+                <a:effectLst/>
+                <a:latin typeface="+mn-lt"/>
+                <a:ea typeface="+mn-ea"/>
+                <a:cs typeface="+mn-cs"/>
+              </a:rPr>
+              <a:t>y</a:t>
+            </a:r>
+            <a:r>
+              <a:rPr lang="en-US" sz="1200" b="1" kern="1200" dirty="0" err="1">
+                <a:solidFill>
+                  <a:schemeClr val="tx1"/>
+                </a:solidFill>
+                <a:effectLst/>
+                <a:latin typeface="+mn-lt"/>
+                <a:ea typeface="+mn-ea"/>
+                <a:cs typeface="+mn-cs"/>
+              </a:rPr>
+              <a:t>:</a:t>
+            </a:r>
+            <a:r>
+              <a:rPr lang="en-US" sz="1200" b="0" kern="1200" dirty="0" err="1">
+                <a:solidFill>
+                  <a:schemeClr val="tx1"/>
+                </a:solidFill>
+                <a:effectLst/>
+                <a:latin typeface="+mn-lt"/>
+                <a:ea typeface="+mn-ea"/>
+                <a:cs typeface="+mn-cs"/>
+              </a:rPr>
+              <a:t>int</a:t>
+            </a:r>
+            <a:r>
+              <a:rPr lang="en-US" sz="1200" b="0" kern="1200" dirty="0">
+                <a:solidFill>
+                  <a:schemeClr val="tx1"/>
+                </a:solidFill>
+                <a:effectLst/>
+                <a:latin typeface="+mn-lt"/>
+                <a:ea typeface="+mn-ea"/>
+                <a:cs typeface="+mn-cs"/>
+              </a:rPr>
+              <a:t>; mutable </a:t>
+            </a:r>
+            <a:r>
+              <a:rPr lang="en-US" sz="1200" b="0" i="1" kern="1200" dirty="0" err="1">
+                <a:solidFill>
+                  <a:schemeClr val="tx1"/>
+                </a:solidFill>
+                <a:effectLst/>
+                <a:latin typeface="+mn-lt"/>
+                <a:ea typeface="+mn-ea"/>
+                <a:cs typeface="+mn-cs"/>
+              </a:rPr>
+              <a:t>c</a:t>
+            </a:r>
+            <a:r>
+              <a:rPr lang="en-US" sz="1200" b="1" kern="1200" dirty="0" err="1">
+                <a:solidFill>
+                  <a:schemeClr val="tx1"/>
+                </a:solidFill>
+                <a:effectLst/>
+                <a:latin typeface="+mn-lt"/>
+                <a:ea typeface="+mn-ea"/>
+                <a:cs typeface="+mn-cs"/>
+              </a:rPr>
+              <a:t>:</a:t>
+            </a:r>
+            <a:r>
+              <a:rPr lang="en-US" sz="1200" b="0" kern="1200" dirty="0" err="1">
+                <a:solidFill>
+                  <a:schemeClr val="tx1"/>
+                </a:solidFill>
+                <a:effectLst/>
+                <a:latin typeface="+mn-lt"/>
+                <a:ea typeface="+mn-ea"/>
+                <a:cs typeface="+mn-cs"/>
+              </a:rPr>
+              <a:t>string</a:t>
+            </a:r>
+            <a:r>
+              <a:rPr lang="en-US" sz="1200" b="1" kern="1200" dirty="0">
+                <a:solidFill>
+                  <a:schemeClr val="tx1"/>
+                </a:solidFill>
+                <a:effectLst/>
+                <a:latin typeface="+mn-lt"/>
+                <a:ea typeface="+mn-ea"/>
+                <a:cs typeface="+mn-cs"/>
+              </a:rPr>
+              <a:t>}</a:t>
+            </a:r>
+            <a:r>
+              <a:rPr lang="en-US" sz="1200" b="0" kern="1200" dirty="0">
+                <a:solidFill>
+                  <a:schemeClr val="tx1"/>
+                </a:solidFill>
+                <a:effectLst/>
+                <a:latin typeface="+mn-lt"/>
+                <a:ea typeface="+mn-ea"/>
+                <a:cs typeface="+mn-cs"/>
+              </a:rPr>
+              <a:t>;;</a:t>
+            </a:r>
+          </a:p>
+          <a:p>
+            <a:r>
+              <a:rPr lang="en-US" sz="1200" b="0" u="sng" kern="1200" dirty="0">
+                <a:solidFill>
+                  <a:schemeClr val="tx1"/>
+                </a:solidFill>
+                <a:effectLst/>
+                <a:latin typeface="+mn-lt"/>
+                <a:ea typeface="+mn-ea"/>
+                <a:cs typeface="+mn-cs"/>
+              </a:rPr>
+              <a:t>let</a:t>
+            </a:r>
+            <a:r>
+              <a:rPr lang="en-US" sz="1200" b="0" kern="1200" dirty="0">
+                <a:solidFill>
+                  <a:schemeClr val="tx1"/>
+                </a:solidFill>
+                <a:effectLst/>
+                <a:latin typeface="+mn-lt"/>
+                <a:ea typeface="+mn-ea"/>
+                <a:cs typeface="+mn-cs"/>
+              </a:rPr>
+              <a:t> </a:t>
+            </a:r>
+            <a:r>
+              <a:rPr lang="en-US" sz="1200" b="0" i="1" kern="1200" dirty="0">
+                <a:solidFill>
+                  <a:schemeClr val="tx1"/>
+                </a:solidFill>
+                <a:effectLst/>
+                <a:latin typeface="+mn-lt"/>
+                <a:ea typeface="+mn-ea"/>
+                <a:cs typeface="+mn-cs"/>
+              </a:rPr>
+              <a:t>p</a:t>
+            </a:r>
+            <a:r>
+              <a:rPr lang="en-US" sz="1200" b="0" kern="1200" dirty="0">
+                <a:solidFill>
+                  <a:schemeClr val="tx1"/>
+                </a:solidFill>
+                <a:effectLst/>
+                <a:latin typeface="+mn-lt"/>
+                <a:ea typeface="+mn-ea"/>
+                <a:cs typeface="+mn-cs"/>
+              </a:rPr>
+              <a:t> </a:t>
+            </a:r>
+            <a:r>
+              <a:rPr lang="en-US" sz="1200" b="1" kern="1200" dirty="0">
+                <a:solidFill>
+                  <a:schemeClr val="tx1"/>
+                </a:solidFill>
+                <a:effectLst/>
+                <a:latin typeface="+mn-lt"/>
+                <a:ea typeface="+mn-ea"/>
+                <a:cs typeface="+mn-cs"/>
+              </a:rPr>
+              <a:t>=</a:t>
+            </a:r>
+            <a:r>
+              <a:rPr lang="en-US" sz="1200" b="0" kern="1200" dirty="0">
+                <a:solidFill>
+                  <a:schemeClr val="tx1"/>
+                </a:solidFill>
+                <a:effectLst/>
+                <a:latin typeface="+mn-lt"/>
+                <a:ea typeface="+mn-ea"/>
+                <a:cs typeface="+mn-cs"/>
+              </a:rPr>
+              <a:t> </a:t>
+            </a:r>
+            <a:r>
+              <a:rPr lang="en-US" sz="1200" b="1" kern="1200" dirty="0">
+                <a:solidFill>
+                  <a:schemeClr val="tx1"/>
+                </a:solidFill>
+                <a:effectLst/>
+                <a:latin typeface="+mn-lt"/>
+                <a:ea typeface="+mn-ea"/>
+                <a:cs typeface="+mn-cs"/>
+              </a:rPr>
+              <a:t>{</a:t>
+            </a:r>
+            <a:r>
+              <a:rPr lang="en-US" sz="1200" b="0" i="1" kern="1200" dirty="0">
+                <a:solidFill>
+                  <a:schemeClr val="tx1"/>
+                </a:solidFill>
+                <a:effectLst/>
+                <a:latin typeface="+mn-lt"/>
+                <a:ea typeface="+mn-ea"/>
+                <a:cs typeface="+mn-cs"/>
+              </a:rPr>
+              <a:t>x</a:t>
+            </a:r>
+            <a:r>
+              <a:rPr lang="en-US" sz="1200" b="1" kern="1200" dirty="0">
+                <a:solidFill>
+                  <a:schemeClr val="tx1"/>
+                </a:solidFill>
+                <a:effectLst/>
+                <a:latin typeface="+mn-lt"/>
+                <a:ea typeface="+mn-ea"/>
+                <a:cs typeface="+mn-cs"/>
+              </a:rPr>
+              <a:t>=</a:t>
+            </a:r>
+            <a:r>
+              <a:rPr lang="en-US" sz="1200" b="0" kern="1200" dirty="0">
+                <a:solidFill>
+                  <a:schemeClr val="tx1"/>
+                </a:solidFill>
+                <a:effectLst/>
+                <a:latin typeface="+mn-lt"/>
+                <a:ea typeface="+mn-ea"/>
+                <a:cs typeface="+mn-cs"/>
+              </a:rPr>
+              <a:t>0; </a:t>
+            </a:r>
+            <a:r>
+              <a:rPr lang="en-US" sz="1200" b="0" i="1" kern="1200" dirty="0">
+                <a:solidFill>
+                  <a:schemeClr val="tx1"/>
+                </a:solidFill>
+                <a:effectLst/>
+                <a:latin typeface="+mn-lt"/>
+                <a:ea typeface="+mn-ea"/>
+                <a:cs typeface="+mn-cs"/>
+              </a:rPr>
+              <a:t>y</a:t>
+            </a:r>
+            <a:r>
+              <a:rPr lang="en-US" sz="1200" b="1" kern="1200" dirty="0">
+                <a:solidFill>
+                  <a:schemeClr val="tx1"/>
+                </a:solidFill>
+                <a:effectLst/>
+                <a:latin typeface="+mn-lt"/>
+                <a:ea typeface="+mn-ea"/>
+                <a:cs typeface="+mn-cs"/>
+              </a:rPr>
+              <a:t>=</a:t>
+            </a:r>
+            <a:r>
+              <a:rPr lang="en-US" sz="1200" b="0" kern="1200" dirty="0">
+                <a:solidFill>
+                  <a:schemeClr val="tx1"/>
+                </a:solidFill>
+                <a:effectLst/>
+                <a:latin typeface="+mn-lt"/>
+                <a:ea typeface="+mn-ea"/>
+                <a:cs typeface="+mn-cs"/>
+              </a:rPr>
+              <a:t>0; </a:t>
+            </a:r>
+            <a:r>
+              <a:rPr lang="en-US" sz="1200" b="0" i="1" kern="1200" dirty="0">
+                <a:solidFill>
+                  <a:schemeClr val="tx1"/>
+                </a:solidFill>
+                <a:effectLst/>
+                <a:latin typeface="+mn-lt"/>
+                <a:ea typeface="+mn-ea"/>
+                <a:cs typeface="+mn-cs"/>
+              </a:rPr>
+              <a:t>c</a:t>
+            </a:r>
+            <a:r>
+              <a:rPr lang="en-US" sz="1200" b="1" kern="1200" dirty="0">
+                <a:solidFill>
+                  <a:schemeClr val="tx1"/>
+                </a:solidFill>
+                <a:effectLst/>
+                <a:latin typeface="+mn-lt"/>
+                <a:ea typeface="+mn-ea"/>
+                <a:cs typeface="+mn-cs"/>
+              </a:rPr>
+              <a:t>=</a:t>
+            </a:r>
+            <a:r>
+              <a:rPr lang="en-US" sz="1200" b="0" kern="1200" dirty="0">
+                <a:solidFill>
+                  <a:schemeClr val="tx1"/>
+                </a:solidFill>
+                <a:effectLst/>
+                <a:latin typeface="+mn-lt"/>
+                <a:ea typeface="+mn-ea"/>
+                <a:cs typeface="+mn-cs"/>
+              </a:rPr>
+              <a:t>"red"</a:t>
+            </a:r>
+            <a:r>
+              <a:rPr lang="en-US" sz="1200" b="1" kern="1200" dirty="0">
+                <a:solidFill>
+                  <a:schemeClr val="tx1"/>
+                </a:solidFill>
+                <a:effectLst/>
+                <a:latin typeface="+mn-lt"/>
+                <a:ea typeface="+mn-ea"/>
+                <a:cs typeface="+mn-cs"/>
+              </a:rPr>
+              <a:t>}</a:t>
+            </a:r>
+            <a:r>
+              <a:rPr lang="en-US" sz="1200" b="0" kern="1200" dirty="0">
+                <a:solidFill>
+                  <a:schemeClr val="tx1"/>
+                </a:solidFill>
+                <a:effectLst/>
+                <a:latin typeface="+mn-lt"/>
+                <a:ea typeface="+mn-ea"/>
+                <a:cs typeface="+mn-cs"/>
+              </a:rPr>
+              <a:t>;;</a:t>
+            </a:r>
+          </a:p>
+          <a:p>
+            <a:r>
+              <a:rPr lang="en-US" sz="1200" b="0" kern="1200" dirty="0" err="1">
+                <a:solidFill>
+                  <a:schemeClr val="tx1"/>
+                </a:solidFill>
+                <a:effectLst/>
+                <a:latin typeface="+mn-lt"/>
+                <a:ea typeface="+mn-ea"/>
+                <a:cs typeface="+mn-cs"/>
+              </a:rPr>
+              <a:t>p.c</a:t>
+            </a:r>
+            <a:r>
+              <a:rPr lang="en-US" sz="1200" b="0" kern="1200" dirty="0">
+                <a:solidFill>
+                  <a:schemeClr val="tx1"/>
+                </a:solidFill>
+                <a:effectLst/>
+                <a:latin typeface="+mn-lt"/>
+                <a:ea typeface="+mn-ea"/>
+                <a:cs typeface="+mn-cs"/>
+              </a:rPr>
+              <a:t> &lt;- "white";;</a:t>
+            </a:r>
+          </a:p>
+          <a:p>
+            <a:r>
+              <a:rPr lang="en-US" sz="1200" b="0" kern="1200" dirty="0">
+                <a:solidFill>
+                  <a:schemeClr val="tx1"/>
+                </a:solidFill>
+                <a:effectLst/>
+                <a:latin typeface="+mn-lt"/>
+                <a:ea typeface="+mn-ea"/>
+                <a:cs typeface="+mn-cs"/>
+              </a:rPr>
+              <a:t>p;;</a:t>
+            </a:r>
+          </a:p>
+          <a:p>
+            <a:br>
+              <a:rPr lang="en-US" sz="1200" b="0" kern="1200" dirty="0">
+                <a:solidFill>
+                  <a:schemeClr val="tx1"/>
+                </a:solidFill>
+                <a:effectLst/>
+                <a:latin typeface="+mn-lt"/>
+                <a:ea typeface="+mn-ea"/>
+                <a:cs typeface="+mn-cs"/>
+              </a:rPr>
+            </a:br>
+            <a:r>
+              <a:rPr lang="en-US" sz="1200" b="0" kern="1200" dirty="0">
+                <a:solidFill>
+                  <a:schemeClr val="tx1"/>
+                </a:solidFill>
+                <a:effectLst/>
+                <a:latin typeface="+mn-lt"/>
+                <a:ea typeface="+mn-ea"/>
+                <a:cs typeface="+mn-cs"/>
+              </a:rPr>
+              <a:t>(*</a:t>
+            </a:r>
+            <a:r>
+              <a:rPr lang="en-US" sz="1200" b="0" i="1" kern="1200" dirty="0">
+                <a:solidFill>
+                  <a:schemeClr val="tx1"/>
+                </a:solidFill>
+                <a:effectLst/>
+                <a:latin typeface="+mn-lt"/>
+                <a:ea typeface="+mn-ea"/>
+                <a:cs typeface="+mn-cs"/>
+              </a:rPr>
+              <a:t> Error: </a:t>
+            </a:r>
+            <a:r>
+              <a:rPr lang="en-US" sz="1200" b="0" kern="1200" dirty="0">
+                <a:solidFill>
+                  <a:schemeClr val="tx1"/>
+                </a:solidFill>
+                <a:effectLst/>
+                <a:latin typeface="+mn-lt"/>
+                <a:ea typeface="+mn-ea"/>
+                <a:cs typeface="+mn-cs"/>
+              </a:rPr>
+              <a:t>*)</a:t>
+            </a:r>
+          </a:p>
+          <a:p>
+            <a:r>
+              <a:rPr lang="en-US" sz="1200" b="0" i="1" kern="1200" dirty="0" err="1">
+                <a:solidFill>
+                  <a:schemeClr val="tx1"/>
+                </a:solidFill>
+                <a:effectLst/>
+                <a:latin typeface="+mn-lt"/>
+                <a:ea typeface="+mn-ea"/>
+                <a:cs typeface="+mn-cs"/>
+              </a:rPr>
+              <a:t>p.x</a:t>
+            </a:r>
+            <a:r>
+              <a:rPr lang="en-US" sz="1200" b="0" i="1" kern="1200" dirty="0">
+                <a:solidFill>
+                  <a:schemeClr val="tx1"/>
+                </a:solidFill>
+                <a:effectLst/>
+                <a:latin typeface="+mn-lt"/>
+                <a:ea typeface="+mn-ea"/>
+                <a:cs typeface="+mn-cs"/>
+              </a:rPr>
+              <a:t> &lt;- 3;;</a:t>
+            </a:r>
+            <a:endParaRPr lang="en-US" sz="1200" b="0" kern="1200" dirty="0">
+              <a:solidFill>
+                <a:schemeClr val="tx1"/>
+              </a:solidFill>
+              <a:effectLst/>
+              <a:latin typeface="+mn-lt"/>
+              <a:ea typeface="+mn-ea"/>
+              <a:cs typeface="+mn-cs"/>
+            </a:endParaRPr>
+          </a:p>
+          <a:p>
             <a:endParaRPr lang="en-US" dirty="0"/>
           </a:p>
         </p:txBody>
@@ -2867,7 +3020,7 @@
             <a:spLocks noGrp="1"/>
           </p:cNvSpPr>
           <p:nvPr>
-            <p:ph type="sldNum" sz="quarter" idx="10"/>
+            <p:ph type="sldNum" sz="quarter" idx="5"/>
           </p:nvPr>
         </p:nvSpPr>
         <p:spPr/>
@@ -2877,7 +3030,7 @@
           <a:p>
             <a:fld id="{B7975FD5-AB21-4C45-BFE8-1D3F02B463E2}" type="slidenum">
               <a:rPr lang="en-US" smtClean="0"/>
-              <a:t>16</a:t>
+              <a:t>14</a:t>
             </a:fld>
             <a:endParaRPr lang="en-US"/>
           </a:p>
@@ -2886,7 +3039,7 @@
     </p:spTree>
     <p:extLst>
       <p:ext uri="{BB962C8B-B14F-4D97-AF65-F5344CB8AC3E}">
-        <p14:creationId xmlns:p14="http://schemas.microsoft.com/office/powerpoint/2010/main" val="872562753"/>
+        <p14:creationId xmlns:p14="http://schemas.microsoft.com/office/powerpoint/2010/main" val="2543470098"/>
       </p:ext>
     </p:extLst>
   </p:cSld>
@@ -2940,74 +3093,6 @@
           <a:bodyPr/>
           <a:lstStyle/>
           <a:p>
-            <a:pPr lvl="0"/>
-            <a:r>
-              <a:rPr lang="en-US" i="0" dirty="0" err="1"/>
-              <a:t>OCaml</a:t>
-            </a:r>
-            <a:r>
-              <a:rPr lang="en-US" i="0" dirty="0"/>
-              <a:t>: </a:t>
-            </a:r>
-          </a:p>
-          <a:p>
-            <a:pPr lvl="1"/>
-            <a:r>
-              <a:rPr lang="en-US" i="1" dirty="0"/>
-              <a:t>Impossible</a:t>
-            </a:r>
-            <a:r>
-              <a:rPr lang="en-US" dirty="0"/>
-              <a:t> to tell where there is aliasing (except when using imperative features)</a:t>
-            </a:r>
-          </a:p>
-          <a:p>
-            <a:pPr lvl="1"/>
-            <a:r>
-              <a:rPr lang="en-US" dirty="0"/>
-              <a:t>Example: </a:t>
-            </a:r>
-            <a:r>
-              <a:rPr lang="en-US" b="1" dirty="0" err="1">
-                <a:latin typeface="Courier New" pitchFamily="49" charset="0"/>
-              </a:rPr>
-              <a:t>List.tl</a:t>
-            </a:r>
-            <a:r>
-              <a:rPr lang="en-US" dirty="0">
-                <a:latin typeface="Courier New" pitchFamily="49" charset="0"/>
-              </a:rPr>
-              <a:t> </a:t>
-            </a:r>
-            <a:r>
-              <a:rPr lang="en-US" dirty="0"/>
-              <a:t>is constant time; does not copy rest of the list</a:t>
-            </a:r>
-          </a:p>
-          <a:p>
-            <a:endParaRPr lang="en-US" dirty="0"/>
-          </a:p>
-          <a:p>
-            <a:r>
-              <a:rPr lang="en-US" dirty="0"/>
-              <a:t>Java:</a:t>
-            </a:r>
-          </a:p>
-          <a:p>
-            <a:pPr lvl="1"/>
-            <a:r>
-              <a:rPr lang="en-US" dirty="0"/>
-              <a:t>Must be, so that subsequent assignments affect the right parts of the program</a:t>
-            </a:r>
-          </a:p>
-          <a:p>
-            <a:pPr lvl="1"/>
-            <a:r>
-              <a:rPr lang="en-US" dirty="0"/>
-              <a:t>Often crucial to make copies in just the right places…</a:t>
-            </a:r>
-          </a:p>
-          <a:p>
             <a:endParaRPr lang="en-US" dirty="0"/>
           </a:p>
         </p:txBody>
@@ -3019,7 +3104,7 @@
             <a:spLocks noGrp="1"/>
           </p:cNvSpPr>
           <p:nvPr>
-            <p:ph type="sldNum" sz="quarter" idx="5"/>
+            <p:ph type="sldNum" sz="quarter" idx="10"/>
           </p:nvPr>
         </p:nvSpPr>
         <p:spPr/>
@@ -3038,7 +3123,7 @@
     </p:spTree>
     <p:extLst>
       <p:ext uri="{BB962C8B-B14F-4D97-AF65-F5344CB8AC3E}">
-        <p14:creationId xmlns:p14="http://schemas.microsoft.com/office/powerpoint/2010/main" val="4048005773"/>
+        <p14:creationId xmlns:p14="http://schemas.microsoft.com/office/powerpoint/2010/main" val="872562753"/>
       </p:ext>
     </p:extLst>
   </p:cSld>
@@ -6263,6 +6348,492 @@
       </p:grpSpPr>
       <p:sp>
         <p:nvSpPr>
+          <p:cNvPr id="2" name="Title 1"/>
+          <p:cNvSpPr>
+            <a:spLocks noGrp="1"/>
+          </p:cNvSpPr>
+          <p:nvPr>
+            <p:ph type="title"/>
+          </p:nvPr>
+        </p:nvSpPr>
+        <p:spPr/>
+        <p:txBody>
+          <a:bodyPr/>
+          <a:lstStyle/>
+          <a:p>
+            <a:r>
+              <a:rPr lang="en-US" dirty="0"/>
+              <a:t>References</a:t>
+            </a:r>
+          </a:p>
+        </p:txBody>
+      </p:sp>
+      <p:sp>
+        <p:nvSpPr>
+          <p:cNvPr id="3" name="Content Placeholder 2"/>
+          <p:cNvSpPr>
+            <a:spLocks noGrp="1"/>
+          </p:cNvSpPr>
+          <p:nvPr>
+            <p:ph idx="1"/>
+          </p:nvPr>
+        </p:nvSpPr>
+        <p:spPr/>
+        <p:txBody>
+          <a:bodyPr>
+            <a:normAutofit/>
+          </a:bodyPr>
+          <a:lstStyle/>
+          <a:p>
+            <a:r>
+              <a:rPr lang="en-US" b="1" dirty="0"/>
+              <a:t>Syntax: </a:t>
+            </a:r>
+            <a:r>
+              <a:rPr lang="en-US" b="1" dirty="0">
+                <a:latin typeface="Courier New"/>
+                <a:cs typeface="Courier New"/>
+              </a:rPr>
+              <a:t>!e</a:t>
+            </a:r>
+          </a:p>
+          <a:p>
+            <a:pPr lvl="1"/>
+            <a:r>
+              <a:rPr lang="en-US" dirty="0"/>
+              <a:t>note: not negation</a:t>
+            </a:r>
+          </a:p>
+          <a:p>
+            <a:r>
+              <a:rPr lang="en-US" b="1" dirty="0">
+                <a:solidFill>
+                  <a:schemeClr val="accent4"/>
+                </a:solidFill>
+              </a:rPr>
+              <a:t>Evaluation:</a:t>
+            </a:r>
+          </a:p>
+          <a:p>
+            <a:pPr lvl="1"/>
+            <a:r>
+              <a:rPr lang="en-US" dirty="0">
+                <a:solidFill>
+                  <a:schemeClr val="accent4"/>
+                </a:solidFill>
+              </a:rPr>
+              <a:t>Evaluate </a:t>
+            </a:r>
+            <a:r>
+              <a:rPr lang="en-US" b="1" dirty="0">
+                <a:solidFill>
+                  <a:schemeClr val="accent4"/>
+                </a:solidFill>
+                <a:latin typeface="Courier New"/>
+                <a:cs typeface="Courier New"/>
+              </a:rPr>
+              <a:t>e</a:t>
+            </a:r>
+            <a:r>
+              <a:rPr lang="en-US" dirty="0">
+                <a:solidFill>
+                  <a:schemeClr val="accent4"/>
+                </a:solidFill>
+              </a:rPr>
+              <a:t> to </a:t>
+            </a:r>
+            <a:r>
+              <a:rPr lang="en-US" b="1" dirty="0" err="1">
+                <a:solidFill>
+                  <a:schemeClr val="accent4"/>
+                </a:solidFill>
+                <a:latin typeface="Courier New"/>
+                <a:cs typeface="Courier New"/>
+              </a:rPr>
+              <a:t>loc</a:t>
+            </a:r>
+            <a:endParaRPr lang="en-US" b="1" dirty="0">
+              <a:solidFill>
+                <a:schemeClr val="accent4"/>
+              </a:solidFill>
+              <a:latin typeface="Courier New"/>
+              <a:cs typeface="Courier New"/>
+            </a:endParaRPr>
+          </a:p>
+          <a:p>
+            <a:pPr lvl="1"/>
+            <a:r>
+              <a:rPr lang="en-US" dirty="0">
+                <a:solidFill>
+                  <a:schemeClr val="accent4"/>
+                </a:solidFill>
+              </a:rPr>
+              <a:t>Return contents of </a:t>
+            </a:r>
+            <a:r>
+              <a:rPr lang="en-US" b="1" dirty="0" err="1">
+                <a:solidFill>
+                  <a:schemeClr val="accent4"/>
+                </a:solidFill>
+                <a:latin typeface="Courier New"/>
+                <a:cs typeface="Courier New"/>
+              </a:rPr>
+              <a:t>loc</a:t>
+            </a:r>
+            <a:endParaRPr lang="en-US" b="1" dirty="0">
+              <a:solidFill>
+                <a:schemeClr val="accent4"/>
+              </a:solidFill>
+              <a:latin typeface="Courier New"/>
+              <a:cs typeface="Courier New"/>
+            </a:endParaRPr>
+          </a:p>
+          <a:p>
+            <a:r>
+              <a:rPr lang="en-US" b="1" dirty="0">
+                <a:solidFill>
+                  <a:schemeClr val="accent2"/>
+                </a:solidFill>
+              </a:rPr>
+              <a:t>Type checking:</a:t>
+            </a:r>
+          </a:p>
+          <a:p>
+            <a:pPr lvl="1"/>
+            <a:r>
+              <a:rPr lang="en-US" dirty="0">
+                <a:solidFill>
+                  <a:schemeClr val="accent2"/>
+                </a:solidFill>
+                <a:latin typeface="Cronos Pro"/>
+                <a:ea typeface="Cronos Pro"/>
+                <a:cs typeface="Cronos Pro"/>
+              </a:rPr>
+              <a:t>If </a:t>
+            </a:r>
+            <a:r>
+              <a:rPr lang="en-US" b="1" dirty="0">
+                <a:solidFill>
+                  <a:schemeClr val="accent2"/>
+                </a:solidFill>
+                <a:latin typeface="Courier New"/>
+                <a:ea typeface="Cronos Pro"/>
+                <a:cs typeface="Courier New"/>
+              </a:rPr>
+              <a:t>e : t ref</a:t>
+            </a:r>
+          </a:p>
+          <a:p>
+            <a:pPr lvl="1"/>
+            <a:r>
+              <a:rPr lang="en-US" dirty="0">
+                <a:solidFill>
+                  <a:schemeClr val="accent2"/>
+                </a:solidFill>
+                <a:latin typeface="Cronos Pro"/>
+                <a:ea typeface="Cronos Pro"/>
+                <a:cs typeface="Cronos Pro"/>
+              </a:rPr>
+              <a:t>then </a:t>
+            </a:r>
+            <a:r>
+              <a:rPr lang="en-US" b="1" dirty="0">
+                <a:solidFill>
+                  <a:schemeClr val="accent2"/>
+                </a:solidFill>
+                <a:latin typeface="Courier New"/>
+                <a:ea typeface="Cronos Pro"/>
+                <a:cs typeface="Courier New"/>
+              </a:rPr>
+              <a:t>!e : t</a:t>
+            </a:r>
+          </a:p>
+        </p:txBody>
+      </p:sp>
+    </p:spTree>
+    <p:extLst>
+      <p:ext uri="{BB962C8B-B14F-4D97-AF65-F5344CB8AC3E}">
+        <p14:creationId xmlns:p14="http://schemas.microsoft.com/office/powerpoint/2010/main" val="1866545195"/>
+      </p:ext>
+    </p:extLst>
+  </p:cSld>
+  <p:clrMapOvr>
+    <a:masterClrMapping/>
+  </p:clrMapOvr>
+  <p:timing>
+    <p:tnLst>
+      <p:par>
+        <p:cTn id="1" dur="indefinite" restart="never" nodeType="tmRoot">
+          <p:childTnLst>
+            <p:seq concurrent="1" nextAc="seek">
+              <p:cTn id="2" dur="indefinite" nodeType="mainSeq">
+                <p:childTnLst>
+                  <p:par>
+                    <p:cTn id="3" fill="hold">
+                      <p:stCondLst>
+                        <p:cond delay="indefinite"/>
+                      </p:stCondLst>
+                      <p:childTnLst>
+                        <p:par>
+                          <p:cTn id="4" fill="hold">
+                            <p:stCondLst>
+                              <p:cond delay="0"/>
+                            </p:stCondLst>
+                            <p:childTnLst>
+                              <p:par>
+                                <p:cTn id="5" presetID="1" presetClass="entr" presetSubtype="0" fill="hold" nodeType="clickEffect">
+                                  <p:stCondLst>
+                                    <p:cond delay="0"/>
+                                  </p:stCondLst>
+                                  <p:childTnLst>
+                                    <p:set>
+                                      <p:cBhvr>
+                                        <p:cTn id="6" dur="1" fill="hold">
+                                          <p:stCondLst>
+                                            <p:cond delay="0"/>
+                                          </p:stCondLst>
+                                        </p:cTn>
+                                        <p:tgtEl>
+                                          <p:spTgt spid="3">
+                                            <p:txEl>
+                                              <p:pRg st="2" end="2"/>
+                                            </p:txEl>
+                                          </p:spTgt>
+                                        </p:tgtEl>
+                                        <p:attrNameLst>
+                                          <p:attrName>style.visibility</p:attrName>
+                                        </p:attrNameLst>
+                                      </p:cBhvr>
+                                      <p:to>
+                                        <p:strVal val="visible"/>
+                                      </p:to>
+                                    </p:set>
+                                  </p:childTnLst>
+                                </p:cTn>
+                              </p:par>
+                              <p:par>
+                                <p:cTn id="7" presetID="1" presetClass="entr" presetSubtype="0" fill="hold" nodeType="withEffect">
+                                  <p:stCondLst>
+                                    <p:cond delay="0"/>
+                                  </p:stCondLst>
+                                  <p:childTnLst>
+                                    <p:set>
+                                      <p:cBhvr>
+                                        <p:cTn id="8" dur="1" fill="hold">
+                                          <p:stCondLst>
+                                            <p:cond delay="0"/>
+                                          </p:stCondLst>
+                                        </p:cTn>
+                                        <p:tgtEl>
+                                          <p:spTgt spid="3">
+                                            <p:txEl>
+                                              <p:pRg st="3" end="3"/>
+                                            </p:txEl>
+                                          </p:spTgt>
+                                        </p:tgtEl>
+                                        <p:attrNameLst>
+                                          <p:attrName>style.visibility</p:attrName>
+                                        </p:attrNameLst>
+                                      </p:cBhvr>
+                                      <p:to>
+                                        <p:strVal val="visible"/>
+                                      </p:to>
+                                    </p:set>
+                                  </p:childTnLst>
+                                </p:cTn>
+                              </p:par>
+                              <p:par>
+                                <p:cTn id="9" presetID="1" presetClass="entr" presetSubtype="0" fill="hold" nodeType="withEffect">
+                                  <p:stCondLst>
+                                    <p:cond delay="0"/>
+                                  </p:stCondLst>
+                                  <p:childTnLst>
+                                    <p:set>
+                                      <p:cBhvr>
+                                        <p:cTn id="10" dur="1" fill="hold">
+                                          <p:stCondLst>
+                                            <p:cond delay="0"/>
+                                          </p:stCondLst>
+                                        </p:cTn>
+                                        <p:tgtEl>
+                                          <p:spTgt spid="3">
+                                            <p:txEl>
+                                              <p:pRg st="4" end="4"/>
+                                            </p:txEl>
+                                          </p:spTgt>
+                                        </p:tgtEl>
+                                        <p:attrNameLst>
+                                          <p:attrName>style.visibility</p:attrName>
+                                        </p:attrNameLst>
+                                      </p:cBhvr>
+                                      <p:to>
+                                        <p:strVal val="visible"/>
+                                      </p:to>
+                                    </p:set>
+                                  </p:childTnLst>
+                                </p:cTn>
+                              </p:par>
+                            </p:childTnLst>
+                          </p:cTn>
+                        </p:par>
+                      </p:childTnLst>
+                    </p:cTn>
+                  </p:par>
+                  <p:par>
+                    <p:cTn id="11" fill="hold">
+                      <p:stCondLst>
+                        <p:cond delay="indefinite"/>
+                      </p:stCondLst>
+                      <p:childTnLst>
+                        <p:par>
+                          <p:cTn id="12" fill="hold">
+                            <p:stCondLst>
+                              <p:cond delay="0"/>
+                            </p:stCondLst>
+                            <p:childTnLst>
+                              <p:par>
+                                <p:cTn id="13" presetID="1" presetClass="entr" presetSubtype="0" fill="hold" nodeType="clickEffect">
+                                  <p:stCondLst>
+                                    <p:cond delay="0"/>
+                                  </p:stCondLst>
+                                  <p:childTnLst>
+                                    <p:set>
+                                      <p:cBhvr>
+                                        <p:cTn id="14" dur="1" fill="hold">
+                                          <p:stCondLst>
+                                            <p:cond delay="0"/>
+                                          </p:stCondLst>
+                                        </p:cTn>
+                                        <p:tgtEl>
+                                          <p:spTgt spid="3">
+                                            <p:txEl>
+                                              <p:pRg st="5" end="5"/>
+                                            </p:txEl>
+                                          </p:spTgt>
+                                        </p:tgtEl>
+                                        <p:attrNameLst>
+                                          <p:attrName>style.visibility</p:attrName>
+                                        </p:attrNameLst>
+                                      </p:cBhvr>
+                                      <p:to>
+                                        <p:strVal val="visible"/>
+                                      </p:to>
+                                    </p:set>
+                                  </p:childTnLst>
+                                </p:cTn>
+                              </p:par>
+                              <p:par>
+                                <p:cTn id="15" presetID="1" presetClass="entr" presetSubtype="0" fill="hold" nodeType="withEffect">
+                                  <p:stCondLst>
+                                    <p:cond delay="0"/>
+                                  </p:stCondLst>
+                                  <p:childTnLst>
+                                    <p:set>
+                                      <p:cBhvr>
+                                        <p:cTn id="16" dur="1" fill="hold">
+                                          <p:stCondLst>
+                                            <p:cond delay="0"/>
+                                          </p:stCondLst>
+                                        </p:cTn>
+                                        <p:tgtEl>
+                                          <p:spTgt spid="3">
+                                            <p:txEl>
+                                              <p:pRg st="6" end="6"/>
+                                            </p:txEl>
+                                          </p:spTgt>
+                                        </p:tgtEl>
+                                        <p:attrNameLst>
+                                          <p:attrName>style.visibility</p:attrName>
+                                        </p:attrNameLst>
+                                      </p:cBhvr>
+                                      <p:to>
+                                        <p:strVal val="visible"/>
+                                      </p:to>
+                                    </p:set>
+                                  </p:childTnLst>
+                                </p:cTn>
+                              </p:par>
+                              <p:par>
+                                <p:cTn id="17" presetID="1" presetClass="entr" presetSubtype="0" fill="hold" nodeType="withEffect">
+                                  <p:stCondLst>
+                                    <p:cond delay="0"/>
+                                  </p:stCondLst>
+                                  <p:childTnLst>
+                                    <p:set>
+                                      <p:cBhvr>
+                                        <p:cTn id="18" dur="1" fill="hold">
+                                          <p:stCondLst>
+                                            <p:cond delay="0"/>
+                                          </p:stCondLst>
+                                        </p:cTn>
+                                        <p:tgtEl>
+                                          <p:spTgt spid="3">
+                                            <p:txEl>
+                                              <p:pRg st="7" end="7"/>
+                                            </p:txEl>
+                                          </p:spTgt>
+                                        </p:tgtEl>
+                                        <p:attrNameLst>
+                                          <p:attrName>style.visibility</p:attrName>
+                                        </p:attrNameLst>
+                                      </p:cBhvr>
+                                      <p:to>
+                                        <p:strVal val="visible"/>
+                                      </p:to>
+                                    </p:set>
+                                  </p:childTnLst>
+                                </p:cTn>
+                              </p:par>
+                            </p:childTnLst>
+                          </p:cTn>
+                        </p:par>
+                      </p:childTnLst>
+                    </p:cTn>
+                  </p:par>
+                </p:childTnLst>
+              </p:cTn>
+              <p:prevCondLst>
+                <p:cond evt="onPrev" delay="0">
+                  <p:tgtEl>
+                    <p:sldTgt/>
+                  </p:tgtEl>
+                </p:cond>
+              </p:prevCondLst>
+              <p:nextCondLst>
+                <p:cond evt="onNext" delay="0">
+                  <p:tgtEl>
+                    <p:sldTgt/>
+                  </p:tgtEl>
+                </p:cond>
+              </p:nextCondLst>
+            </p:seq>
+          </p:childTnLst>
+        </p:cTn>
+      </p:par>
+    </p:tnLst>
+  </p:timing>
+</p:sld>
+</file>
+
+<file path=ppt/slides/slide11.xml><?xml version="1.0" encoding="utf-8"?>
+<p:sld xmlns:a="http://schemas.openxmlformats.org/drawingml/2006/main" xmlns:r="http://schemas.openxmlformats.org/officeDocument/2006/relationships" xmlns:p="http://schemas.openxmlformats.org/presentationml/2006/main">
+  <p:cSld>
+    <p:spTree>
+      <p:nvGrpSpPr>
+        <p:cNvPr id="1" name=""/>
+        <p:cNvGrpSpPr/>
+        <p:nvPr/>
+      </p:nvGrpSpPr>
+      <p:grpSpPr>
+        <a:xfrm>
+          <a:off x="0" y="0"/>
+          <a:ext cx="0" cy="0"/>
+          <a:chOff x="0" y="0"/>
+          <a:chExt cx="0" cy="0"/>
+        </a:xfrm>
+      </p:grpSpPr>
+      <p:sp>
+        <p:nvSpPr>
           <p:cNvPr id="4" name="Title 3">
             <a:extLst>
               <a:ext uri="{FF2B5EF4-FFF2-40B4-BE49-F238E27FC236}">
@@ -6332,7 +6903,7 @@
 </p:sld>
 </file>
 
-<file path=ppt/slides/slide11.xml><?xml version="1.0" encoding="utf-8"?>
+<file path=ppt/slides/slide12.xml><?xml version="1.0" encoding="utf-8"?>
 <p:sld xmlns:a="http://schemas.openxmlformats.org/drawingml/2006/main" xmlns:r="http://schemas.openxmlformats.org/officeDocument/2006/relationships" xmlns:p="http://schemas.openxmlformats.org/presentationml/2006/main">
   <p:cSld>
     <p:spTree>
@@ -6852,7 +7423,7 @@
 </p:sld>
 </file>
 
-<file path=ppt/slides/slide12.xml><?xml version="1.0" encoding="utf-8"?>
+<file path=ppt/slides/slide13.xml><?xml version="1.0" encoding="utf-8"?>
 <p:sld xmlns:a="http://schemas.openxmlformats.org/drawingml/2006/main" xmlns:r="http://schemas.openxmlformats.org/officeDocument/2006/relationships" xmlns:p="http://schemas.openxmlformats.org/presentationml/2006/main">
   <p:cSld>
     <p:spTree>
@@ -7550,7 +8121,7 @@
 </p:sld>
 </file>
 
-<file path=ppt/slides/slide13.xml><?xml version="1.0" encoding="utf-8"?>
+<file path=ppt/slides/slide14.xml><?xml version="1.0" encoding="utf-8"?>
 <p:sld xmlns:a="http://schemas.openxmlformats.org/drawingml/2006/main" xmlns:r="http://schemas.openxmlformats.org/officeDocument/2006/relationships" xmlns:p="http://schemas.openxmlformats.org/presentationml/2006/main">
   <p:cSld>
     <p:spTree>
@@ -7663,7 +8234,7 @@
 </p:sld>
 </file>
 
-<file path=ppt/slides/slide14.xml><?xml version="1.0" encoding="utf-8"?>
+<file path=ppt/slides/slide15.xml><?xml version="1.0" encoding="utf-8"?>
 <p:sld xmlns:a="http://schemas.openxmlformats.org/drawingml/2006/main" xmlns:r="http://schemas.openxmlformats.org/officeDocument/2006/relationships" xmlns:p="http://schemas.openxmlformats.org/presentationml/2006/main">
   <p:cSld>
     <p:spTree>
@@ -8399,7 +8970,7 @@
 </p:sld>
 </file>
 
-<file path=ppt/slides/slide15.xml><?xml version="1.0" encoding="utf-8"?>
+<file path=ppt/slides/slide16.xml><?xml version="1.0" encoding="utf-8"?>
 <p:sld xmlns:a="http://schemas.openxmlformats.org/drawingml/2006/main" xmlns:r="http://schemas.openxmlformats.org/officeDocument/2006/relationships" xmlns:p="http://schemas.openxmlformats.org/presentationml/2006/main">
   <p:cSld>
     <p:spTree>
@@ -8506,7 +9077,7 @@
 </p:sld>
 </file>
 
-<file path=ppt/slides/slide16.xml><?xml version="1.0" encoding="utf-8"?>
+<file path=ppt/slides/slide17.xml><?xml version="1.0" encoding="utf-8"?>
 <p:sld xmlns:a="http://schemas.openxmlformats.org/drawingml/2006/main" xmlns:r="http://schemas.openxmlformats.org/officeDocument/2006/relationships" xmlns:p="http://schemas.openxmlformats.org/presentationml/2006/main">
   <p:cSld>
     <p:spTree>
@@ -13971,7 +14542,7 @@
 </p:sld>
 </file>
 
-<file path=ppt/slides/slide17.xml><?xml version="1.0" encoding="utf-8"?>
+<file path=ppt/slides/slide18.xml><?xml version="1.0" encoding="utf-8"?>
 <p:sld xmlns:a="http://schemas.openxmlformats.org/drawingml/2006/main" xmlns:r="http://schemas.openxmlformats.org/officeDocument/2006/relationships" xmlns:p="http://schemas.openxmlformats.org/presentationml/2006/main">
   <p:cSld>
     <p:spTree>
@@ -14088,7 +14659,7 @@
 </p:sld>
 </file>
 
-<file path=ppt/slides/slide18.xml><?xml version="1.0" encoding="utf-8"?>
+<file path=ppt/slides/slide19.xml><?xml version="1.0" encoding="utf-8"?>
 <p:sld xmlns:a="http://schemas.openxmlformats.org/drawingml/2006/main" xmlns:r="http://schemas.openxmlformats.org/officeDocument/2006/relationships" xmlns:p="http://schemas.openxmlformats.org/presentationml/2006/main">
   <p:cSld>
     <p:spTree>
@@ -14700,7 +15271,7 @@
               <a:rPr lang="en-US" sz="2000" b="1" kern="0" dirty="0" err="1">
                 <a:latin typeface="Courier New" pitchFamily="49" charset="0"/>
               </a:rPr>
-              <a:t>IllegalAccessExcpetion</a:t>
+              <a:t>IllegalAccessException</a:t>
             </a:r>
             <a:r>
               <a:rPr lang="en-US" sz="2000" b="1" kern="0" dirty="0">
@@ -14787,542 +15358,6 @@
     <p:extLst>
       <p:ext uri="{BB962C8B-B14F-4D97-AF65-F5344CB8AC3E}">
         <p14:creationId xmlns:p14="http://schemas.microsoft.com/office/powerpoint/2010/main" val="1412534763"/>
-      </p:ext>
-    </p:extLst>
-  </p:cSld>
-  <p:clrMapOvr>
-    <a:masterClrMapping/>
-  </p:clrMapOvr>
-</p:sld>
-</file>
-
-<file path=ppt/slides/slide19.xml><?xml version="1.0" encoding="utf-8"?>
-<p:sld xmlns:a="http://schemas.openxmlformats.org/drawingml/2006/main" xmlns:r="http://schemas.openxmlformats.org/officeDocument/2006/relationships" xmlns:p="http://schemas.openxmlformats.org/presentationml/2006/main">
-  <p:cSld>
-    <p:spTree>
-      <p:nvGrpSpPr>
-        <p:cNvPr id="1" name=""/>
-        <p:cNvGrpSpPr/>
-        <p:nvPr/>
-      </p:nvGrpSpPr>
-      <p:grpSpPr>
-        <a:xfrm>
-          <a:off x="0" y="0"/>
-          <a:ext cx="0" cy="0"/>
-          <a:chOff x="0" y="0"/>
-          <a:chExt cx="0" cy="0"/>
-        </a:xfrm>
-      </p:grpSpPr>
-      <p:sp>
-        <p:nvSpPr>
-          <p:cNvPr id="2" name="Title 1"/>
-          <p:cNvSpPr>
-            <a:spLocks noGrp="1"/>
-          </p:cNvSpPr>
-          <p:nvPr>
-            <p:ph type="title"/>
-          </p:nvPr>
-        </p:nvSpPr>
-        <p:spPr/>
-        <p:txBody>
-          <a:bodyPr/>
-          <a:lstStyle/>
-          <a:p>
-            <a:r>
-              <a:rPr lang="en-US" dirty="0"/>
-              <a:t>Have to make copies</a:t>
-            </a:r>
-          </a:p>
-        </p:txBody>
-      </p:sp>
-      <p:sp>
-        <p:nvSpPr>
-          <p:cNvPr id="7" name="Rectangle 3"/>
-          <p:cNvSpPr txBox="1">
-            <a:spLocks noChangeArrowheads="1"/>
-          </p:cNvSpPr>
-          <p:nvPr>
-            <p:custDataLst>
-              <p:tags r:id="rId1"/>
-            </p:custDataLst>
-          </p:nvPr>
-        </p:nvSpPr>
-        <p:spPr bwMode="auto">
-          <a:xfrm>
-            <a:off x="1447800" y="3657600"/>
-            <a:ext cx="6324600" cy="1143000"/>
-          </a:xfrm>
-          <a:prstGeom prst="rect">
-            <a:avLst/>
-          </a:prstGeom>
-          <a:solidFill>
-            <a:srgbClr val="FFFF99"/>
-          </a:solidFill>
-          <a:ln w="9525">
-            <a:noFill/>
-            <a:miter lim="800000"/>
-            <a:headEnd/>
-            <a:tailEnd/>
-          </a:ln>
-          <a:effectLst/>
-        </p:spPr>
-        <p:txBody>
-          <a:bodyPr vert="horz" wrap="square" lIns="91440" tIns="45720" rIns="91440" bIns="45720" numCol="1" anchor="t" anchorCtr="0" compatLnSpc="1">
-            <a:prstTxWarp prst="textNoShape">
-              <a:avLst/>
-            </a:prstTxWarp>
-          </a:bodyPr>
-          <a:lstStyle/>
-          <a:p>
-            <a:pPr marL="342900" lvl="0" indent="-342900">
-              <a:lnSpc>
-                <a:spcPct val="90000"/>
-              </a:lnSpc>
-              <a:spcBef>
-                <a:spcPts val="200"/>
-              </a:spcBef>
-              <a:defRPr/>
-            </a:pPr>
-            <a:r>
-              <a:rPr lang="en-US" sz="2000" b="1" kern="0" dirty="0">
-                <a:solidFill>
-                  <a:schemeClr val="accent1">
-                    <a:lumMod val="50000"/>
-                  </a:schemeClr>
-                </a:solidFill>
-                <a:latin typeface="Courier New" pitchFamily="49" charset="0"/>
-              </a:rPr>
-              <a:t>   public </a:t>
-            </a:r>
-            <a:r>
-              <a:rPr lang="en-US" sz="2000" b="1" kern="0" dirty="0">
-                <a:latin typeface="Courier New" pitchFamily="49" charset="0"/>
-              </a:rPr>
-              <a:t>String[] </a:t>
-            </a:r>
-            <a:r>
-              <a:rPr lang="en-US" sz="2000" b="1" kern="0" dirty="0" err="1">
-                <a:solidFill>
-                  <a:schemeClr val="accent2"/>
-                </a:solidFill>
-                <a:latin typeface="Courier New" pitchFamily="49" charset="0"/>
-              </a:rPr>
-              <a:t>getAllowedUsers</a:t>
-            </a:r>
-            <a:r>
-              <a:rPr lang="en-US" sz="2000" b="1" kern="0" dirty="0">
-                <a:latin typeface="Courier New" pitchFamily="49" charset="0"/>
-              </a:rPr>
-              <a:t>() {</a:t>
-            </a:r>
-          </a:p>
-          <a:p>
-            <a:pPr marL="342900" lvl="0" indent="-342900">
-              <a:lnSpc>
-                <a:spcPct val="90000"/>
-              </a:lnSpc>
-              <a:spcBef>
-                <a:spcPts val="200"/>
-              </a:spcBef>
-              <a:defRPr/>
-            </a:pPr>
-            <a:r>
-              <a:rPr lang="en-US" sz="2000" b="1" i="1" kern="0" dirty="0">
-                <a:solidFill>
-                  <a:srgbClr val="7030A0"/>
-                </a:solidFill>
-                <a:latin typeface="Courier New" pitchFamily="49" charset="0"/>
-              </a:rPr>
-              <a:t>      … return a copy of </a:t>
-            </a:r>
-            <a:r>
-              <a:rPr lang="en-US" sz="2000" b="1" i="1" kern="0" dirty="0" err="1">
-                <a:solidFill>
-                  <a:srgbClr val="7030A0"/>
-                </a:solidFill>
-                <a:latin typeface="Courier New" pitchFamily="49" charset="0"/>
-              </a:rPr>
-              <a:t>allowedUsers</a:t>
-            </a:r>
-            <a:r>
-              <a:rPr lang="en-US" sz="2000" b="1" i="1" kern="0" dirty="0">
-                <a:solidFill>
-                  <a:srgbClr val="7030A0"/>
-                </a:solidFill>
-                <a:latin typeface="Courier New" pitchFamily="49" charset="0"/>
-              </a:rPr>
-              <a:t> …</a:t>
-            </a:r>
-          </a:p>
-          <a:p>
-            <a:pPr marL="342900" lvl="0" indent="-342900">
-              <a:lnSpc>
-                <a:spcPct val="90000"/>
-              </a:lnSpc>
-              <a:spcBef>
-                <a:spcPts val="200"/>
-              </a:spcBef>
-              <a:defRPr/>
-            </a:pPr>
-            <a:r>
-              <a:rPr lang="en-US" sz="2000" b="1" kern="0" dirty="0">
-                <a:latin typeface="Courier New" pitchFamily="49" charset="0"/>
-              </a:rPr>
-              <a:t>   }</a:t>
-            </a:r>
-          </a:p>
-        </p:txBody>
-      </p:sp>
-      <p:sp>
-        <p:nvSpPr>
-          <p:cNvPr id="8" name="Content Placeholder 2"/>
-          <p:cNvSpPr>
-            <a:spLocks noGrp="1"/>
-          </p:cNvSpPr>
-          <p:nvPr>
-            <p:ph idx="1"/>
-          </p:nvPr>
-        </p:nvSpPr>
-        <p:spPr>
-          <a:xfrm>
-            <a:off x="685800" y="3048000"/>
-            <a:ext cx="7772400" cy="533400"/>
-          </a:xfrm>
-        </p:spPr>
-        <p:txBody>
-          <a:bodyPr>
-            <a:normAutofit fontScale="92500" lnSpcReduction="10000"/>
-          </a:bodyPr>
-          <a:lstStyle/>
-          <a:p>
-            <a:pPr marL="0" indent="0">
-              <a:buNone/>
-            </a:pPr>
-            <a:r>
-              <a:rPr lang="en-US" dirty="0"/>
-              <a:t>The fix:</a:t>
-            </a:r>
-          </a:p>
-        </p:txBody>
-      </p:sp>
-      <p:sp>
-        <p:nvSpPr>
-          <p:cNvPr id="10" name="Content Placeholder 2"/>
-          <p:cNvSpPr txBox="1">
-            <a:spLocks/>
-          </p:cNvSpPr>
-          <p:nvPr/>
-        </p:nvSpPr>
-        <p:spPr bwMode="auto">
-          <a:xfrm>
-            <a:off x="762000" y="1295400"/>
-            <a:ext cx="7772400" cy="533400"/>
-          </a:xfrm>
-          <a:prstGeom prst="rect">
-            <a:avLst/>
-          </a:prstGeom>
-          <a:noFill/>
-          <a:ln w="9525">
-            <a:noFill/>
-            <a:miter lim="800000"/>
-            <a:headEnd/>
-            <a:tailEnd/>
-          </a:ln>
-          <a:effectLst/>
-        </p:spPr>
-        <p:txBody>
-          <a:bodyPr vert="horz" wrap="square" lIns="91440" tIns="45720" rIns="91440" bIns="45720" numCol="1" anchor="t" anchorCtr="0" compatLnSpc="1">
-            <a:prstTxWarp prst="textNoShape">
-              <a:avLst/>
-            </a:prstTxWarp>
-          </a:bodyPr>
-          <a:lstStyle>
-            <a:lvl1pPr marL="342900" indent="-342900" algn="l" rtl="0" fontAlgn="base">
-              <a:spcBef>
-                <a:spcPct val="20000"/>
-              </a:spcBef>
-              <a:spcAft>
-                <a:spcPct val="0"/>
-              </a:spcAft>
-              <a:buChar char="•"/>
-              <a:defRPr sz="2000">
-                <a:solidFill>
-                  <a:schemeClr val="tx1"/>
-                </a:solidFill>
-                <a:latin typeface="+mn-lt"/>
-                <a:ea typeface="+mn-ea"/>
-                <a:cs typeface="+mn-cs"/>
-              </a:defRPr>
-            </a:lvl1pPr>
-            <a:lvl2pPr marL="742950" indent="-285750" algn="l" rtl="0" fontAlgn="base">
-              <a:spcBef>
-                <a:spcPct val="20000"/>
-              </a:spcBef>
-              <a:spcAft>
-                <a:spcPct val="0"/>
-              </a:spcAft>
-              <a:buChar char="–"/>
-              <a:defRPr sz="2000">
-                <a:solidFill>
-                  <a:schemeClr val="tx1"/>
-                </a:solidFill>
-                <a:latin typeface="+mn-lt"/>
-              </a:defRPr>
-            </a:lvl2pPr>
-            <a:lvl3pPr marL="1143000" indent="-228600" algn="l" rtl="0" fontAlgn="base">
-              <a:spcBef>
-                <a:spcPct val="20000"/>
-              </a:spcBef>
-              <a:spcAft>
-                <a:spcPct val="0"/>
-              </a:spcAft>
-              <a:buChar char="•"/>
-              <a:defRPr sz="2000">
-                <a:solidFill>
-                  <a:schemeClr val="tx1"/>
-                </a:solidFill>
-                <a:latin typeface="+mn-lt"/>
-              </a:defRPr>
-            </a:lvl3pPr>
-            <a:lvl4pPr marL="1600200" indent="-228600" algn="l" rtl="0" fontAlgn="base">
-              <a:spcBef>
-                <a:spcPct val="20000"/>
-              </a:spcBef>
-              <a:spcAft>
-                <a:spcPct val="0"/>
-              </a:spcAft>
-              <a:buChar char="–"/>
-              <a:defRPr sz="2000">
-                <a:solidFill>
-                  <a:schemeClr val="tx1"/>
-                </a:solidFill>
-                <a:latin typeface="+mn-lt"/>
-              </a:defRPr>
-            </a:lvl4pPr>
-            <a:lvl5pPr marL="2057400" indent="-228600" algn="l" rtl="0" fontAlgn="base">
-              <a:spcBef>
-                <a:spcPct val="20000"/>
-              </a:spcBef>
-              <a:spcAft>
-                <a:spcPct val="0"/>
-              </a:spcAft>
-              <a:buChar char="»"/>
-              <a:defRPr sz="2000">
-                <a:solidFill>
-                  <a:schemeClr val="tx1"/>
-                </a:solidFill>
-                <a:latin typeface="+mn-lt"/>
-              </a:defRPr>
-            </a:lvl5pPr>
-            <a:lvl6pPr marL="2514600" indent="-228600" algn="l" rtl="0" fontAlgn="base">
-              <a:spcBef>
-                <a:spcPct val="20000"/>
-              </a:spcBef>
-              <a:spcAft>
-                <a:spcPct val="0"/>
-              </a:spcAft>
-              <a:buChar char="»"/>
-              <a:defRPr sz="2000">
-                <a:solidFill>
-                  <a:schemeClr val="tx1"/>
-                </a:solidFill>
-                <a:latin typeface="+mn-lt"/>
-              </a:defRPr>
-            </a:lvl6pPr>
-            <a:lvl7pPr marL="2971800" indent="-228600" algn="l" rtl="0" fontAlgn="base">
-              <a:spcBef>
-                <a:spcPct val="20000"/>
-              </a:spcBef>
-              <a:spcAft>
-                <a:spcPct val="0"/>
-              </a:spcAft>
-              <a:buChar char="»"/>
-              <a:defRPr sz="2000">
-                <a:solidFill>
-                  <a:schemeClr val="tx1"/>
-                </a:solidFill>
-                <a:latin typeface="+mn-lt"/>
-              </a:defRPr>
-            </a:lvl7pPr>
-            <a:lvl8pPr marL="3429000" indent="-228600" algn="l" rtl="0" fontAlgn="base">
-              <a:spcBef>
-                <a:spcPct val="20000"/>
-              </a:spcBef>
-              <a:spcAft>
-                <a:spcPct val="0"/>
-              </a:spcAft>
-              <a:buChar char="»"/>
-              <a:defRPr sz="2000">
-                <a:solidFill>
-                  <a:schemeClr val="tx1"/>
-                </a:solidFill>
-                <a:latin typeface="+mn-lt"/>
-              </a:defRPr>
-            </a:lvl8pPr>
-            <a:lvl9pPr marL="3886200" indent="-228600" algn="l" rtl="0" fontAlgn="base">
-              <a:spcBef>
-                <a:spcPct val="20000"/>
-              </a:spcBef>
-              <a:spcAft>
-                <a:spcPct val="0"/>
-              </a:spcAft>
-              <a:buChar char="»"/>
-              <a:defRPr sz="2000">
-                <a:solidFill>
-                  <a:schemeClr val="tx1"/>
-                </a:solidFill>
-                <a:latin typeface="+mn-lt"/>
-              </a:defRPr>
-            </a:lvl9pPr>
-          </a:lstStyle>
-          <a:p>
-            <a:pPr marL="0" indent="0">
-              <a:buFontTx/>
-              <a:buNone/>
-            </a:pPr>
-            <a:r>
-              <a:rPr lang="en-US" sz="3000" b="0" dirty="0">
-                <a:latin typeface="CronosPro-Regular"/>
-              </a:rPr>
-              <a:t>The exploit:</a:t>
-            </a:r>
-          </a:p>
-        </p:txBody>
-      </p:sp>
-      <p:sp>
-        <p:nvSpPr>
-          <p:cNvPr id="11" name="Rectangle 3"/>
-          <p:cNvSpPr txBox="1">
-            <a:spLocks noChangeArrowheads="1"/>
-          </p:cNvSpPr>
-          <p:nvPr>
-            <p:custDataLst>
-              <p:tags r:id="rId2"/>
-            </p:custDataLst>
-          </p:nvPr>
-        </p:nvSpPr>
-        <p:spPr bwMode="auto">
-          <a:xfrm>
-            <a:off x="1447800" y="1981200"/>
-            <a:ext cx="6781800" cy="762000"/>
-          </a:xfrm>
-          <a:prstGeom prst="rect">
-            <a:avLst/>
-          </a:prstGeom>
-          <a:solidFill>
-            <a:srgbClr val="FFFF99"/>
-          </a:solidFill>
-          <a:ln w="9525">
-            <a:noFill/>
-            <a:miter lim="800000"/>
-            <a:headEnd/>
-            <a:tailEnd/>
-          </a:ln>
-          <a:effectLst/>
-        </p:spPr>
-        <p:txBody>
-          <a:bodyPr vert="horz" wrap="square" lIns="91440" tIns="45720" rIns="91440" bIns="45720" numCol="1" anchor="t" anchorCtr="0" compatLnSpc="1">
-            <a:prstTxWarp prst="textNoShape">
-              <a:avLst/>
-            </a:prstTxWarp>
-          </a:bodyPr>
-          <a:lstStyle/>
-          <a:p>
-            <a:pPr marL="342900" lvl="0" indent="-342900">
-              <a:lnSpc>
-                <a:spcPct val="90000"/>
-              </a:lnSpc>
-              <a:spcBef>
-                <a:spcPts val="200"/>
-              </a:spcBef>
-              <a:defRPr/>
-            </a:pPr>
-            <a:r>
-              <a:rPr lang="en-US" sz="2000" b="1" kern="0" dirty="0" err="1">
-                <a:latin typeface="Courier New" pitchFamily="49" charset="0"/>
-              </a:rPr>
-              <a:t>p.getAllowedUsers</a:t>
-            </a:r>
-            <a:r>
-              <a:rPr lang="en-US" sz="2000" b="1" kern="0" dirty="0">
-                <a:latin typeface="Courier New" pitchFamily="49" charset="0"/>
-              </a:rPr>
-              <a:t>()[0] = </a:t>
-            </a:r>
-            <a:r>
-              <a:rPr lang="en-US" sz="2000" b="1" kern="0" dirty="0" err="1">
-                <a:latin typeface="Courier New" pitchFamily="49" charset="0"/>
-              </a:rPr>
-              <a:t>p.currentUser</a:t>
-            </a:r>
-            <a:r>
-              <a:rPr lang="en-US" sz="2000" b="1" kern="0" dirty="0">
-                <a:latin typeface="Courier New" pitchFamily="49" charset="0"/>
-              </a:rPr>
-              <a:t>();</a:t>
-            </a:r>
-          </a:p>
-          <a:p>
-            <a:pPr marL="342900" lvl="0" indent="-342900">
-              <a:lnSpc>
-                <a:spcPct val="90000"/>
-              </a:lnSpc>
-              <a:spcBef>
-                <a:spcPts val="200"/>
-              </a:spcBef>
-              <a:defRPr/>
-            </a:pPr>
-            <a:r>
-              <a:rPr lang="en-US" sz="2000" b="1" kern="0" dirty="0" err="1">
-                <a:latin typeface="Courier New" pitchFamily="49" charset="0"/>
-              </a:rPr>
-              <a:t>p.useTheResource</a:t>
-            </a:r>
-            <a:r>
-              <a:rPr lang="en-US" sz="2000" b="1" kern="0" dirty="0">
-                <a:latin typeface="Courier New" pitchFamily="49" charset="0"/>
-              </a:rPr>
-              <a:t>();</a:t>
-            </a:r>
-          </a:p>
-        </p:txBody>
-      </p:sp>
-      <p:sp>
-        <p:nvSpPr>
-          <p:cNvPr id="9" name="TextBox 8"/>
-          <p:cNvSpPr txBox="1"/>
-          <p:nvPr/>
-        </p:nvSpPr>
-        <p:spPr>
-          <a:xfrm>
-            <a:off x="2133600" y="5486400"/>
-            <a:ext cx="4640254" cy="461665"/>
-          </a:xfrm>
-          <a:prstGeom prst="rect">
-            <a:avLst/>
-          </a:prstGeom>
-          <a:noFill/>
-        </p:spPr>
-        <p:txBody>
-          <a:bodyPr wrap="none" rtlCol="0">
-            <a:spAutoFit/>
-          </a:bodyPr>
-          <a:lstStyle/>
-          <a:p>
-            <a:r>
-              <a:rPr lang="en-US" b="0" dirty="0">
-                <a:latin typeface="CronosPro-Regular"/>
-                <a:cs typeface="CronosPro-Regular"/>
-              </a:rPr>
-              <a:t>Similar errors as recent as Java 1.7beta</a:t>
-            </a:r>
-          </a:p>
-        </p:txBody>
-      </p:sp>
-    </p:spTree>
-    <p:extLst>
-      <p:ext uri="{BB962C8B-B14F-4D97-AF65-F5344CB8AC3E}">
-        <p14:creationId xmlns:p14="http://schemas.microsoft.com/office/powerpoint/2010/main" val="369318285"/>
       </p:ext>
     </p:extLst>
   </p:cSld>
@@ -15416,6 +15451,542 @@
 </file>
 
 <file path=ppt/slides/slide20.xml><?xml version="1.0" encoding="utf-8"?>
+<p:sld xmlns:a="http://schemas.openxmlformats.org/drawingml/2006/main" xmlns:r="http://schemas.openxmlformats.org/officeDocument/2006/relationships" xmlns:p="http://schemas.openxmlformats.org/presentationml/2006/main">
+  <p:cSld>
+    <p:spTree>
+      <p:nvGrpSpPr>
+        <p:cNvPr id="1" name=""/>
+        <p:cNvGrpSpPr/>
+        <p:nvPr/>
+      </p:nvGrpSpPr>
+      <p:grpSpPr>
+        <a:xfrm>
+          <a:off x="0" y="0"/>
+          <a:ext cx="0" cy="0"/>
+          <a:chOff x="0" y="0"/>
+          <a:chExt cx="0" cy="0"/>
+        </a:xfrm>
+      </p:grpSpPr>
+      <p:sp>
+        <p:nvSpPr>
+          <p:cNvPr id="2" name="Title 1"/>
+          <p:cNvSpPr>
+            <a:spLocks noGrp="1"/>
+          </p:cNvSpPr>
+          <p:nvPr>
+            <p:ph type="title"/>
+          </p:nvPr>
+        </p:nvSpPr>
+        <p:spPr/>
+        <p:txBody>
+          <a:bodyPr/>
+          <a:lstStyle/>
+          <a:p>
+            <a:r>
+              <a:rPr lang="en-US" dirty="0"/>
+              <a:t>Have to make copies</a:t>
+            </a:r>
+          </a:p>
+        </p:txBody>
+      </p:sp>
+      <p:sp>
+        <p:nvSpPr>
+          <p:cNvPr id="7" name="Rectangle 3"/>
+          <p:cNvSpPr txBox="1">
+            <a:spLocks noChangeArrowheads="1"/>
+          </p:cNvSpPr>
+          <p:nvPr>
+            <p:custDataLst>
+              <p:tags r:id="rId1"/>
+            </p:custDataLst>
+          </p:nvPr>
+        </p:nvSpPr>
+        <p:spPr bwMode="auto">
+          <a:xfrm>
+            <a:off x="1447800" y="3657600"/>
+            <a:ext cx="6324600" cy="1143000"/>
+          </a:xfrm>
+          <a:prstGeom prst="rect">
+            <a:avLst/>
+          </a:prstGeom>
+          <a:solidFill>
+            <a:srgbClr val="FFFF99"/>
+          </a:solidFill>
+          <a:ln w="9525">
+            <a:noFill/>
+            <a:miter lim="800000"/>
+            <a:headEnd/>
+            <a:tailEnd/>
+          </a:ln>
+          <a:effectLst/>
+        </p:spPr>
+        <p:txBody>
+          <a:bodyPr vert="horz" wrap="square" lIns="91440" tIns="45720" rIns="91440" bIns="45720" numCol="1" anchor="t" anchorCtr="0" compatLnSpc="1">
+            <a:prstTxWarp prst="textNoShape">
+              <a:avLst/>
+            </a:prstTxWarp>
+          </a:bodyPr>
+          <a:lstStyle/>
+          <a:p>
+            <a:pPr marL="342900" lvl="0" indent="-342900">
+              <a:lnSpc>
+                <a:spcPct val="90000"/>
+              </a:lnSpc>
+              <a:spcBef>
+                <a:spcPts val="200"/>
+              </a:spcBef>
+              <a:defRPr/>
+            </a:pPr>
+            <a:r>
+              <a:rPr lang="en-US" sz="2000" b="1" kern="0" dirty="0">
+                <a:solidFill>
+                  <a:schemeClr val="accent1">
+                    <a:lumMod val="50000"/>
+                  </a:schemeClr>
+                </a:solidFill>
+                <a:latin typeface="Courier New" pitchFamily="49" charset="0"/>
+              </a:rPr>
+              <a:t>   public </a:t>
+            </a:r>
+            <a:r>
+              <a:rPr lang="en-US" sz="2000" b="1" kern="0" dirty="0">
+                <a:latin typeface="Courier New" pitchFamily="49" charset="0"/>
+              </a:rPr>
+              <a:t>String[] </a:t>
+            </a:r>
+            <a:r>
+              <a:rPr lang="en-US" sz="2000" b="1" kern="0" dirty="0" err="1">
+                <a:solidFill>
+                  <a:schemeClr val="accent2"/>
+                </a:solidFill>
+                <a:latin typeface="Courier New" pitchFamily="49" charset="0"/>
+              </a:rPr>
+              <a:t>getAllowedUsers</a:t>
+            </a:r>
+            <a:r>
+              <a:rPr lang="en-US" sz="2000" b="1" kern="0" dirty="0">
+                <a:latin typeface="Courier New" pitchFamily="49" charset="0"/>
+              </a:rPr>
+              <a:t>() {</a:t>
+            </a:r>
+          </a:p>
+          <a:p>
+            <a:pPr marL="342900" lvl="0" indent="-342900">
+              <a:lnSpc>
+                <a:spcPct val="90000"/>
+              </a:lnSpc>
+              <a:spcBef>
+                <a:spcPts val="200"/>
+              </a:spcBef>
+              <a:defRPr/>
+            </a:pPr>
+            <a:r>
+              <a:rPr lang="en-US" sz="2000" b="1" i="1" kern="0" dirty="0">
+                <a:solidFill>
+                  <a:srgbClr val="7030A0"/>
+                </a:solidFill>
+                <a:latin typeface="Courier New" pitchFamily="49" charset="0"/>
+              </a:rPr>
+              <a:t>      … return a copy of </a:t>
+            </a:r>
+            <a:r>
+              <a:rPr lang="en-US" sz="2000" b="1" i="1" kern="0" dirty="0" err="1">
+                <a:solidFill>
+                  <a:srgbClr val="7030A0"/>
+                </a:solidFill>
+                <a:latin typeface="Courier New" pitchFamily="49" charset="0"/>
+              </a:rPr>
+              <a:t>allowedUsers</a:t>
+            </a:r>
+            <a:r>
+              <a:rPr lang="en-US" sz="2000" b="1" i="1" kern="0" dirty="0">
+                <a:solidFill>
+                  <a:srgbClr val="7030A0"/>
+                </a:solidFill>
+                <a:latin typeface="Courier New" pitchFamily="49" charset="0"/>
+              </a:rPr>
+              <a:t> …</a:t>
+            </a:r>
+          </a:p>
+          <a:p>
+            <a:pPr marL="342900" lvl="0" indent="-342900">
+              <a:lnSpc>
+                <a:spcPct val="90000"/>
+              </a:lnSpc>
+              <a:spcBef>
+                <a:spcPts val="200"/>
+              </a:spcBef>
+              <a:defRPr/>
+            </a:pPr>
+            <a:r>
+              <a:rPr lang="en-US" sz="2000" b="1" kern="0" dirty="0">
+                <a:latin typeface="Courier New" pitchFamily="49" charset="0"/>
+              </a:rPr>
+              <a:t>   }</a:t>
+            </a:r>
+          </a:p>
+        </p:txBody>
+      </p:sp>
+      <p:sp>
+        <p:nvSpPr>
+          <p:cNvPr id="8" name="Content Placeholder 2"/>
+          <p:cNvSpPr>
+            <a:spLocks noGrp="1"/>
+          </p:cNvSpPr>
+          <p:nvPr>
+            <p:ph idx="1"/>
+          </p:nvPr>
+        </p:nvSpPr>
+        <p:spPr>
+          <a:xfrm>
+            <a:off x="685800" y="3048000"/>
+            <a:ext cx="7772400" cy="533400"/>
+          </a:xfrm>
+        </p:spPr>
+        <p:txBody>
+          <a:bodyPr>
+            <a:normAutofit fontScale="92500" lnSpcReduction="10000"/>
+          </a:bodyPr>
+          <a:lstStyle/>
+          <a:p>
+            <a:pPr marL="0" indent="0">
+              <a:buNone/>
+            </a:pPr>
+            <a:r>
+              <a:rPr lang="en-US" dirty="0"/>
+              <a:t>The fix:</a:t>
+            </a:r>
+          </a:p>
+        </p:txBody>
+      </p:sp>
+      <p:sp>
+        <p:nvSpPr>
+          <p:cNvPr id="10" name="Content Placeholder 2"/>
+          <p:cNvSpPr txBox="1">
+            <a:spLocks/>
+          </p:cNvSpPr>
+          <p:nvPr/>
+        </p:nvSpPr>
+        <p:spPr bwMode="auto">
+          <a:xfrm>
+            <a:off x="762000" y="1295400"/>
+            <a:ext cx="7772400" cy="533400"/>
+          </a:xfrm>
+          <a:prstGeom prst="rect">
+            <a:avLst/>
+          </a:prstGeom>
+          <a:noFill/>
+          <a:ln w="9525">
+            <a:noFill/>
+            <a:miter lim="800000"/>
+            <a:headEnd/>
+            <a:tailEnd/>
+          </a:ln>
+          <a:effectLst/>
+        </p:spPr>
+        <p:txBody>
+          <a:bodyPr vert="horz" wrap="square" lIns="91440" tIns="45720" rIns="91440" bIns="45720" numCol="1" anchor="t" anchorCtr="0" compatLnSpc="1">
+            <a:prstTxWarp prst="textNoShape">
+              <a:avLst/>
+            </a:prstTxWarp>
+          </a:bodyPr>
+          <a:lstStyle>
+            <a:lvl1pPr marL="342900" indent="-342900" algn="l" rtl="0" fontAlgn="base">
+              <a:spcBef>
+                <a:spcPct val="20000"/>
+              </a:spcBef>
+              <a:spcAft>
+                <a:spcPct val="0"/>
+              </a:spcAft>
+              <a:buChar char="•"/>
+              <a:defRPr sz="2000">
+                <a:solidFill>
+                  <a:schemeClr val="tx1"/>
+                </a:solidFill>
+                <a:latin typeface="+mn-lt"/>
+                <a:ea typeface="+mn-ea"/>
+                <a:cs typeface="+mn-cs"/>
+              </a:defRPr>
+            </a:lvl1pPr>
+            <a:lvl2pPr marL="742950" indent="-285750" algn="l" rtl="0" fontAlgn="base">
+              <a:spcBef>
+                <a:spcPct val="20000"/>
+              </a:spcBef>
+              <a:spcAft>
+                <a:spcPct val="0"/>
+              </a:spcAft>
+              <a:buChar char="–"/>
+              <a:defRPr sz="2000">
+                <a:solidFill>
+                  <a:schemeClr val="tx1"/>
+                </a:solidFill>
+                <a:latin typeface="+mn-lt"/>
+              </a:defRPr>
+            </a:lvl2pPr>
+            <a:lvl3pPr marL="1143000" indent="-228600" algn="l" rtl="0" fontAlgn="base">
+              <a:spcBef>
+                <a:spcPct val="20000"/>
+              </a:spcBef>
+              <a:spcAft>
+                <a:spcPct val="0"/>
+              </a:spcAft>
+              <a:buChar char="•"/>
+              <a:defRPr sz="2000">
+                <a:solidFill>
+                  <a:schemeClr val="tx1"/>
+                </a:solidFill>
+                <a:latin typeface="+mn-lt"/>
+              </a:defRPr>
+            </a:lvl3pPr>
+            <a:lvl4pPr marL="1600200" indent="-228600" algn="l" rtl="0" fontAlgn="base">
+              <a:spcBef>
+                <a:spcPct val="20000"/>
+              </a:spcBef>
+              <a:spcAft>
+                <a:spcPct val="0"/>
+              </a:spcAft>
+              <a:buChar char="–"/>
+              <a:defRPr sz="2000">
+                <a:solidFill>
+                  <a:schemeClr val="tx1"/>
+                </a:solidFill>
+                <a:latin typeface="+mn-lt"/>
+              </a:defRPr>
+            </a:lvl4pPr>
+            <a:lvl5pPr marL="2057400" indent="-228600" algn="l" rtl="0" fontAlgn="base">
+              <a:spcBef>
+                <a:spcPct val="20000"/>
+              </a:spcBef>
+              <a:spcAft>
+                <a:spcPct val="0"/>
+              </a:spcAft>
+              <a:buChar char="»"/>
+              <a:defRPr sz="2000">
+                <a:solidFill>
+                  <a:schemeClr val="tx1"/>
+                </a:solidFill>
+                <a:latin typeface="+mn-lt"/>
+              </a:defRPr>
+            </a:lvl5pPr>
+            <a:lvl6pPr marL="2514600" indent="-228600" algn="l" rtl="0" fontAlgn="base">
+              <a:spcBef>
+                <a:spcPct val="20000"/>
+              </a:spcBef>
+              <a:spcAft>
+                <a:spcPct val="0"/>
+              </a:spcAft>
+              <a:buChar char="»"/>
+              <a:defRPr sz="2000">
+                <a:solidFill>
+                  <a:schemeClr val="tx1"/>
+                </a:solidFill>
+                <a:latin typeface="+mn-lt"/>
+              </a:defRPr>
+            </a:lvl6pPr>
+            <a:lvl7pPr marL="2971800" indent="-228600" algn="l" rtl="0" fontAlgn="base">
+              <a:spcBef>
+                <a:spcPct val="20000"/>
+              </a:spcBef>
+              <a:spcAft>
+                <a:spcPct val="0"/>
+              </a:spcAft>
+              <a:buChar char="»"/>
+              <a:defRPr sz="2000">
+                <a:solidFill>
+                  <a:schemeClr val="tx1"/>
+                </a:solidFill>
+                <a:latin typeface="+mn-lt"/>
+              </a:defRPr>
+            </a:lvl7pPr>
+            <a:lvl8pPr marL="3429000" indent="-228600" algn="l" rtl="0" fontAlgn="base">
+              <a:spcBef>
+                <a:spcPct val="20000"/>
+              </a:spcBef>
+              <a:spcAft>
+                <a:spcPct val="0"/>
+              </a:spcAft>
+              <a:buChar char="»"/>
+              <a:defRPr sz="2000">
+                <a:solidFill>
+                  <a:schemeClr val="tx1"/>
+                </a:solidFill>
+                <a:latin typeface="+mn-lt"/>
+              </a:defRPr>
+            </a:lvl8pPr>
+            <a:lvl9pPr marL="3886200" indent="-228600" algn="l" rtl="0" fontAlgn="base">
+              <a:spcBef>
+                <a:spcPct val="20000"/>
+              </a:spcBef>
+              <a:spcAft>
+                <a:spcPct val="0"/>
+              </a:spcAft>
+              <a:buChar char="»"/>
+              <a:defRPr sz="2000">
+                <a:solidFill>
+                  <a:schemeClr val="tx1"/>
+                </a:solidFill>
+                <a:latin typeface="+mn-lt"/>
+              </a:defRPr>
+            </a:lvl9pPr>
+          </a:lstStyle>
+          <a:p>
+            <a:pPr marL="0" indent="0">
+              <a:buFontTx/>
+              <a:buNone/>
+            </a:pPr>
+            <a:r>
+              <a:rPr lang="en-US" sz="3000" b="0" dirty="0">
+                <a:latin typeface="CronosPro-Regular"/>
+              </a:rPr>
+              <a:t>The exploit:</a:t>
+            </a:r>
+          </a:p>
+        </p:txBody>
+      </p:sp>
+      <p:sp>
+        <p:nvSpPr>
+          <p:cNvPr id="11" name="Rectangle 3"/>
+          <p:cNvSpPr txBox="1">
+            <a:spLocks noChangeArrowheads="1"/>
+          </p:cNvSpPr>
+          <p:nvPr>
+            <p:custDataLst>
+              <p:tags r:id="rId2"/>
+            </p:custDataLst>
+          </p:nvPr>
+        </p:nvSpPr>
+        <p:spPr bwMode="auto">
+          <a:xfrm>
+            <a:off x="1447800" y="1981200"/>
+            <a:ext cx="6781800" cy="762000"/>
+          </a:xfrm>
+          <a:prstGeom prst="rect">
+            <a:avLst/>
+          </a:prstGeom>
+          <a:solidFill>
+            <a:srgbClr val="FFFF99"/>
+          </a:solidFill>
+          <a:ln w="9525">
+            <a:noFill/>
+            <a:miter lim="800000"/>
+            <a:headEnd/>
+            <a:tailEnd/>
+          </a:ln>
+          <a:effectLst/>
+        </p:spPr>
+        <p:txBody>
+          <a:bodyPr vert="horz" wrap="square" lIns="91440" tIns="45720" rIns="91440" bIns="45720" numCol="1" anchor="t" anchorCtr="0" compatLnSpc="1">
+            <a:prstTxWarp prst="textNoShape">
+              <a:avLst/>
+            </a:prstTxWarp>
+          </a:bodyPr>
+          <a:lstStyle/>
+          <a:p>
+            <a:pPr marL="342900" lvl="0" indent="-342900">
+              <a:lnSpc>
+                <a:spcPct val="90000"/>
+              </a:lnSpc>
+              <a:spcBef>
+                <a:spcPts val="200"/>
+              </a:spcBef>
+              <a:defRPr/>
+            </a:pPr>
+            <a:r>
+              <a:rPr lang="en-US" sz="2000" b="1" kern="0" dirty="0" err="1">
+                <a:latin typeface="Courier New" pitchFamily="49" charset="0"/>
+              </a:rPr>
+              <a:t>p.getAllowedUsers</a:t>
+            </a:r>
+            <a:r>
+              <a:rPr lang="en-US" sz="2000" b="1" kern="0" dirty="0">
+                <a:latin typeface="Courier New" pitchFamily="49" charset="0"/>
+              </a:rPr>
+              <a:t>()[0] = </a:t>
+            </a:r>
+            <a:r>
+              <a:rPr lang="en-US" sz="2000" b="1" kern="0" dirty="0" err="1">
+                <a:latin typeface="Courier New" pitchFamily="49" charset="0"/>
+              </a:rPr>
+              <a:t>p.currentUser</a:t>
+            </a:r>
+            <a:r>
+              <a:rPr lang="en-US" sz="2000" b="1" kern="0" dirty="0">
+                <a:latin typeface="Courier New" pitchFamily="49" charset="0"/>
+              </a:rPr>
+              <a:t>();</a:t>
+            </a:r>
+          </a:p>
+          <a:p>
+            <a:pPr marL="342900" lvl="0" indent="-342900">
+              <a:lnSpc>
+                <a:spcPct val="90000"/>
+              </a:lnSpc>
+              <a:spcBef>
+                <a:spcPts val="200"/>
+              </a:spcBef>
+              <a:defRPr/>
+            </a:pPr>
+            <a:r>
+              <a:rPr lang="en-US" sz="2000" b="1" kern="0" dirty="0" err="1">
+                <a:latin typeface="Courier New" pitchFamily="49" charset="0"/>
+              </a:rPr>
+              <a:t>p.useTheResource</a:t>
+            </a:r>
+            <a:r>
+              <a:rPr lang="en-US" sz="2000" b="1" kern="0" dirty="0">
+                <a:latin typeface="Courier New" pitchFamily="49" charset="0"/>
+              </a:rPr>
+              <a:t>();</a:t>
+            </a:r>
+          </a:p>
+        </p:txBody>
+      </p:sp>
+      <p:sp>
+        <p:nvSpPr>
+          <p:cNvPr id="9" name="TextBox 8"/>
+          <p:cNvSpPr txBox="1"/>
+          <p:nvPr/>
+        </p:nvSpPr>
+        <p:spPr>
+          <a:xfrm>
+            <a:off x="2133600" y="5486400"/>
+            <a:ext cx="4640254" cy="461665"/>
+          </a:xfrm>
+          <a:prstGeom prst="rect">
+            <a:avLst/>
+          </a:prstGeom>
+          <a:noFill/>
+        </p:spPr>
+        <p:txBody>
+          <a:bodyPr wrap="none" rtlCol="0">
+            <a:spAutoFit/>
+          </a:bodyPr>
+          <a:lstStyle/>
+          <a:p>
+            <a:r>
+              <a:rPr lang="en-US" b="0" dirty="0">
+                <a:latin typeface="CronosPro-Regular"/>
+                <a:cs typeface="CronosPro-Regular"/>
+              </a:rPr>
+              <a:t>Similar errors as recent as Java 1.7beta</a:t>
+            </a:r>
+          </a:p>
+        </p:txBody>
+      </p:sp>
+    </p:spTree>
+    <p:extLst>
+      <p:ext uri="{BB962C8B-B14F-4D97-AF65-F5344CB8AC3E}">
+        <p14:creationId xmlns:p14="http://schemas.microsoft.com/office/powerpoint/2010/main" val="369318285"/>
+      </p:ext>
+    </p:extLst>
+  </p:cSld>
+  <p:clrMapOvr>
+    <a:masterClrMapping/>
+  </p:clrMapOvr>
+</p:sld>
+</file>
+
+<file path=ppt/slides/slide21.xml><?xml version="1.0" encoding="utf-8"?>
 <p:sld xmlns:a="http://schemas.openxmlformats.org/drawingml/2006/main" xmlns:r="http://schemas.openxmlformats.org/officeDocument/2006/relationships" xmlns:p="http://schemas.openxmlformats.org/presentationml/2006/main">
   <p:cSld>
     <p:spTree>
@@ -15749,7 +16320,7 @@
 </p:sld>
 </file>
 
-<file path=ppt/slides/slide21.xml><?xml version="1.0" encoding="utf-8"?>
+<file path=ppt/slides/slide22.xml><?xml version="1.0" encoding="utf-8"?>
 <p:sld xmlns:a="http://schemas.openxmlformats.org/drawingml/2006/main" xmlns:r="http://schemas.openxmlformats.org/officeDocument/2006/relationships" xmlns:p="http://schemas.openxmlformats.org/presentationml/2006/main">
   <p:cSld>
     <p:spTree>
@@ -18083,7 +18654,13 @@
       </p:grpSpPr>
       <p:sp>
         <p:nvSpPr>
-          <p:cNvPr id="2" name="Title 1"/>
+          <p:cNvPr id="2" name="Title 1">
+            <a:extLst>
+              <a:ext uri="{FF2B5EF4-FFF2-40B4-BE49-F238E27FC236}">
+                <a16:creationId xmlns:a16="http://schemas.microsoft.com/office/drawing/2014/main" id="{FC1076DA-4731-014C-876A-40B1C1F74338}"/>
+              </a:ext>
+            </a:extLst>
+          </p:cNvPr>
           <p:cNvSpPr>
             <a:spLocks noGrp="1"/>
           </p:cNvSpPr>
@@ -18098,14 +18675,20 @@
           <a:p>
             <a:r>
               <a:rPr lang="en-US" dirty="0"/>
-              <a:t>References</a:t>
+              <a:t>Unit</a:t>
             </a:r>
           </a:p>
         </p:txBody>
       </p:sp>
       <p:sp>
         <p:nvSpPr>
-          <p:cNvPr id="3" name="Content Placeholder 2"/>
+          <p:cNvPr id="3" name="Content Placeholder 2">
+            <a:extLst>
+              <a:ext uri="{FF2B5EF4-FFF2-40B4-BE49-F238E27FC236}">
+                <a16:creationId xmlns:a16="http://schemas.microsoft.com/office/drawing/2014/main" id="{D330DB1D-9AD9-394F-B2DC-842A67119951}"/>
+              </a:ext>
+            </a:extLst>
+          </p:cNvPr>
           <p:cNvSpPr>
             <a:spLocks noGrp="1"/>
           </p:cNvSpPr>
@@ -18116,171 +18699,183 @@
         <p:spPr/>
         <p:txBody>
           <a:bodyPr>
-            <a:normAutofit/>
+            <a:normAutofit fontScale="62500" lnSpcReduction="20000"/>
           </a:bodyPr>
           <a:lstStyle/>
           <a:p>
             <a:r>
-              <a:rPr lang="en-US" b="1" dirty="0"/>
-              <a:t>Syntax: </a:t>
-            </a:r>
-            <a:r>
-              <a:rPr lang="en-US" b="1" dirty="0">
-                <a:latin typeface="Courier New"/>
-                <a:cs typeface="Courier New"/>
-              </a:rPr>
-              <a:t>!e</a:t>
+              <a:rPr lang="en-US" dirty="0">
+                <a:latin typeface="Courier" pitchFamily="2" charset="0"/>
+              </a:rPr>
+              <a:t>unit</a:t>
+            </a:r>
+            <a:r>
+              <a:rPr lang="en-US" dirty="0"/>
+              <a:t> is a type</a:t>
             </a:r>
           </a:p>
           <a:p>
             <a:pPr lvl="1"/>
             <a:r>
               <a:rPr lang="en-US" dirty="0"/>
-              <a:t>note: not negation</a:t>
-            </a:r>
-          </a:p>
-          <a:p>
-            <a:r>
-              <a:rPr lang="en-US" b="1" dirty="0">
-                <a:solidFill>
-                  <a:schemeClr val="accent4"/>
-                </a:solidFill>
-              </a:rPr>
-              <a:t>Evaluation:</a:t>
+              <a:t>Its only value is </a:t>
+            </a:r>
+            <a:r>
+              <a:rPr lang="en-US" dirty="0">
+                <a:latin typeface="Courier" pitchFamily="2" charset="0"/>
+              </a:rPr>
+              <a:t>()</a:t>
+            </a:r>
+            <a:r>
+              <a:rPr lang="en-US" dirty="0"/>
+              <a:t>, also pronounced “unit” </a:t>
             </a:r>
           </a:p>
           <a:p>
             <a:pPr lvl="1"/>
             <a:r>
+              <a:rPr lang="en-US" dirty="0"/>
+              <a:t>There are no interesting operations on unit</a:t>
+            </a:r>
+          </a:p>
+          <a:p>
+            <a:endParaRPr lang="en-US" dirty="0"/>
+          </a:p>
+          <a:p>
+            <a:r>
+              <a:rPr lang="en-US" dirty="0"/>
+              <a:t>Analogy: Booleans</a:t>
+            </a:r>
+          </a:p>
+          <a:p>
+            <a:pPr lvl="1"/>
+            <a:r>
               <a:rPr lang="en-US" dirty="0">
-                <a:solidFill>
-                  <a:schemeClr val="accent4"/>
-                </a:solidFill>
-              </a:rPr>
-              <a:t>Evaluate </a:t>
-            </a:r>
-            <a:r>
-              <a:rPr lang="en-US" b="1" dirty="0">
-                <a:solidFill>
-                  <a:schemeClr val="accent4"/>
-                </a:solidFill>
-                <a:latin typeface="Courier New"/>
-                <a:cs typeface="Courier New"/>
-              </a:rPr>
-              <a:t>e</a:t>
+                <a:latin typeface="Courier" pitchFamily="2" charset="0"/>
+              </a:rPr>
+              <a:t>bool</a:t>
+            </a:r>
+            <a:r>
+              <a:rPr lang="en-US" dirty="0"/>
+              <a:t> is a type</a:t>
+            </a:r>
+          </a:p>
+          <a:p>
+            <a:pPr lvl="1"/>
+            <a:r>
+              <a:rPr lang="en-US" dirty="0"/>
+              <a:t>It has just two values, </a:t>
             </a:r>
             <a:r>
               <a:rPr lang="en-US" dirty="0">
-                <a:solidFill>
-                  <a:schemeClr val="accent4"/>
-                </a:solidFill>
-              </a:rPr>
-              <a:t> to </a:t>
-            </a:r>
-            <a:r>
-              <a:rPr lang="en-US" b="1" dirty="0" err="1">
-                <a:solidFill>
-                  <a:schemeClr val="accent4"/>
-                </a:solidFill>
-                <a:latin typeface="Courier New"/>
-                <a:cs typeface="Courier New"/>
-              </a:rPr>
-              <a:t>loc</a:t>
-            </a:r>
-            <a:endParaRPr lang="en-US" b="1" dirty="0">
-              <a:solidFill>
-                <a:schemeClr val="accent4"/>
-              </a:solidFill>
-              <a:latin typeface="Courier New"/>
-              <a:cs typeface="Courier New"/>
-            </a:endParaRPr>
+                <a:latin typeface="Courier" pitchFamily="2" charset="0"/>
+              </a:rPr>
+              <a:t>true</a:t>
+            </a:r>
+            <a:r>
+              <a:rPr lang="en-US" dirty="0"/>
+              <a:t> and </a:t>
+            </a:r>
+            <a:r>
+              <a:rPr lang="en-US" dirty="0">
+                <a:latin typeface="Courier" pitchFamily="2" charset="0"/>
+              </a:rPr>
+              <a:t>false</a:t>
+            </a:r>
           </a:p>
           <a:p>
             <a:pPr lvl="1"/>
             <a:r>
+              <a:rPr lang="en-US" dirty="0"/>
+              <a:t>So </a:t>
+            </a:r>
+            <a:r>
               <a:rPr lang="en-US" dirty="0">
-                <a:solidFill>
-                  <a:schemeClr val="accent4"/>
-                </a:solidFill>
-              </a:rPr>
-              <a:t>Return contents of </a:t>
-            </a:r>
-            <a:r>
-              <a:rPr lang="en-US" b="1" dirty="0" err="1">
-                <a:solidFill>
-                  <a:schemeClr val="accent4"/>
-                </a:solidFill>
-                <a:latin typeface="Courier New"/>
-                <a:cs typeface="Courier New"/>
-              </a:rPr>
-              <a:t>loc</a:t>
-            </a:r>
-            <a:endParaRPr lang="en-US" b="1" dirty="0">
-              <a:solidFill>
-                <a:schemeClr val="accent4"/>
-              </a:solidFill>
-              <a:latin typeface="Courier New"/>
-              <a:cs typeface="Courier New"/>
-            </a:endParaRPr>
-          </a:p>
-          <a:p>
-            <a:r>
-              <a:rPr lang="en-US" b="1" dirty="0">
-                <a:solidFill>
-                  <a:schemeClr val="accent2"/>
-                </a:solidFill>
-              </a:rPr>
-              <a:t>Type checking:</a:t>
+                <a:latin typeface="Courier" pitchFamily="2" charset="0"/>
+              </a:rPr>
+              <a:t>unit</a:t>
+            </a:r>
+            <a:r>
+              <a:rPr lang="en-US" dirty="0"/>
+              <a:t> is like a Boolean with one fewer value</a:t>
             </a:r>
           </a:p>
           <a:p>
             <a:pPr lvl="1"/>
+            <a:endParaRPr lang="en-US" dirty="0"/>
+          </a:p>
+          <a:p>
+            <a:r>
+              <a:rPr lang="en-US" dirty="0"/>
+              <a:t>Analogy: </a:t>
+            </a:r>
             <a:r>
               <a:rPr lang="en-US" dirty="0">
-                <a:solidFill>
-                  <a:schemeClr val="accent2"/>
-                </a:solidFill>
-                <a:latin typeface="Cronos Pro"/>
-                <a:ea typeface="Cronos Pro"/>
-                <a:cs typeface="Cronos Pro"/>
-              </a:rPr>
-              <a:t>If </a:t>
-            </a:r>
-            <a:r>
-              <a:rPr lang="en-US" b="1" dirty="0">
-                <a:solidFill>
-                  <a:schemeClr val="accent2"/>
-                </a:solidFill>
-                <a:latin typeface="Courier New"/>
-                <a:ea typeface="Cronos Pro"/>
-                <a:cs typeface="Courier New"/>
-              </a:rPr>
-              <a:t>e : t ref</a:t>
+                <a:latin typeface="Courier" pitchFamily="2" charset="0"/>
+              </a:rPr>
+              <a:t>void</a:t>
             </a:r>
           </a:p>
           <a:p>
             <a:pPr lvl="1"/>
             <a:r>
+              <a:rPr lang="en-US" dirty="0"/>
+              <a:t>When a procedure in Java or C has no interesting value to return, its return type is </a:t>
+            </a:r>
+            <a:r>
               <a:rPr lang="en-US" dirty="0">
-                <a:solidFill>
-                  <a:schemeClr val="accent2"/>
-                </a:solidFill>
-                <a:latin typeface="Cronos Pro"/>
-                <a:ea typeface="Cronos Pro"/>
-                <a:cs typeface="Cronos Pro"/>
-              </a:rPr>
-              <a:t>then </a:t>
-            </a:r>
-            <a:r>
-              <a:rPr lang="en-US" b="1" dirty="0">
-                <a:solidFill>
-                  <a:schemeClr val="accent2"/>
-                </a:solidFill>
-                <a:latin typeface="Courier New"/>
-                <a:ea typeface="Cronos Pro"/>
-                <a:cs typeface="Courier New"/>
-              </a:rPr>
-              <a:t>!e : t</a:t>
+                <a:latin typeface="Courier" pitchFamily="2" charset="0"/>
+              </a:rPr>
+              <a:t>void</a:t>
+            </a:r>
+          </a:p>
+          <a:p>
+            <a:pPr lvl="1"/>
+            <a:r>
+              <a:rPr lang="en-US" dirty="0"/>
+              <a:t>Similar with print and assert in </a:t>
+            </a:r>
+            <a:r>
+              <a:rPr lang="en-US" dirty="0" err="1"/>
+              <a:t>OCaml</a:t>
+            </a:r>
+            <a:r>
+              <a:rPr lang="en-US" dirty="0"/>
+              <a:t>:</a:t>
+            </a:r>
+          </a:p>
+          <a:p>
+            <a:pPr lvl="2"/>
+            <a:r>
+              <a:rPr lang="en-US" dirty="0" err="1">
+                <a:latin typeface="Courier" pitchFamily="2" charset="0"/>
+              </a:rPr>
+              <a:t>print_string</a:t>
+            </a:r>
+            <a:r>
+              <a:rPr lang="en-US" dirty="0">
+                <a:latin typeface="Courier" pitchFamily="2" charset="0"/>
+              </a:rPr>
+              <a:t> : string -&gt; unit</a:t>
+            </a:r>
+          </a:p>
+          <a:p>
+            <a:pPr lvl="2"/>
+            <a:r>
+              <a:rPr lang="en-US" dirty="0">
+                <a:latin typeface="Courier" pitchFamily="2" charset="0"/>
+              </a:rPr>
+              <a:t>assert b : unit    (</a:t>
+            </a:r>
+            <a:r>
+              <a:rPr lang="en-US" dirty="0"/>
+              <a:t>assuming  </a:t>
+            </a:r>
+            <a:r>
+              <a:rPr lang="en-US" dirty="0">
+                <a:latin typeface="Courier" pitchFamily="2" charset="0"/>
+              </a:rPr>
+              <a:t>b : bool)</a:t>
             </a:r>
           </a:p>
         </p:txBody>
@@ -18288,265 +18883,13 @@
     </p:spTree>
     <p:extLst>
       <p:ext uri="{BB962C8B-B14F-4D97-AF65-F5344CB8AC3E}">
-        <p14:creationId xmlns:p14="http://schemas.microsoft.com/office/powerpoint/2010/main" val="1866545195"/>
+        <p14:creationId xmlns:p14="http://schemas.microsoft.com/office/powerpoint/2010/main" val="172988946"/>
       </p:ext>
     </p:extLst>
   </p:cSld>
   <p:clrMapOvr>
     <a:masterClrMapping/>
   </p:clrMapOvr>
-  <p:timing>
-    <p:tnLst>
-      <p:par>
-        <p:cTn id="1" dur="indefinite" restart="never" nodeType="tmRoot">
-          <p:childTnLst>
-            <p:seq concurrent="1" nextAc="seek">
-              <p:cTn id="2" dur="indefinite" nodeType="mainSeq">
-                <p:childTnLst>
-                  <p:par>
-                    <p:cTn id="3" fill="hold">
-                      <p:stCondLst>
-                        <p:cond delay="indefinite"/>
-                      </p:stCondLst>
-                      <p:childTnLst>
-                        <p:par>
-                          <p:cTn id="4" fill="hold">
-                            <p:stCondLst>
-                              <p:cond delay="0"/>
-                            </p:stCondLst>
-                            <p:childTnLst>
-                              <p:par>
-                                <p:cTn id="5" presetID="1" presetClass="entr" presetSubtype="0" fill="hold" nodeType="clickEffect">
-                                  <p:stCondLst>
-                                    <p:cond delay="0"/>
-                                  </p:stCondLst>
-                                  <p:childTnLst>
-                                    <p:set>
-                                      <p:cBhvr>
-                                        <p:cTn id="6" dur="1" fill="hold">
-                                          <p:stCondLst>
-                                            <p:cond delay="0"/>
-                                          </p:stCondLst>
-                                        </p:cTn>
-                                        <p:tgtEl>
-                                          <p:spTgt spid="3">
-                                            <p:txEl>
-                                              <p:pRg st="2" end="2"/>
-                                            </p:txEl>
-                                          </p:spTgt>
-                                        </p:tgtEl>
-                                        <p:attrNameLst>
-                                          <p:attrName>style.visibility</p:attrName>
-                                        </p:attrNameLst>
-                                      </p:cBhvr>
-                                      <p:to>
-                                        <p:strVal val="visible"/>
-                                      </p:to>
-                                    </p:set>
-                                  </p:childTnLst>
-                                </p:cTn>
-                              </p:par>
-                              <p:par>
-                                <p:cTn id="7" presetID="1" presetClass="entr" presetSubtype="0" fill="hold" nodeType="withEffect">
-                                  <p:stCondLst>
-                                    <p:cond delay="0"/>
-                                  </p:stCondLst>
-                                  <p:childTnLst>
-                                    <p:set>
-                                      <p:cBhvr>
-                                        <p:cTn id="8" dur="1" fill="hold">
-                                          <p:stCondLst>
-                                            <p:cond delay="0"/>
-                                          </p:stCondLst>
-                                        </p:cTn>
-                                        <p:tgtEl>
-                                          <p:spTgt spid="3">
-                                            <p:txEl>
-                                              <p:pRg st="3" end="3"/>
-                                            </p:txEl>
-                                          </p:spTgt>
-                                        </p:tgtEl>
-                                        <p:attrNameLst>
-                                          <p:attrName>style.visibility</p:attrName>
-                                        </p:attrNameLst>
-                                      </p:cBhvr>
-                                      <p:to>
-                                        <p:strVal val="visible"/>
-                                      </p:to>
-                                    </p:set>
-                                  </p:childTnLst>
-                                </p:cTn>
-                              </p:par>
-                              <p:par>
-                                <p:cTn id="9" presetID="1" presetClass="entr" presetSubtype="0" fill="hold" nodeType="withEffect">
-                                  <p:stCondLst>
-                                    <p:cond delay="0"/>
-                                  </p:stCondLst>
-                                  <p:childTnLst>
-                                    <p:set>
-                                      <p:cBhvr>
-                                        <p:cTn id="10" dur="1" fill="hold">
-                                          <p:stCondLst>
-                                            <p:cond delay="0"/>
-                                          </p:stCondLst>
-                                        </p:cTn>
-                                        <p:tgtEl>
-                                          <p:spTgt spid="3">
-                                            <p:txEl>
-                                              <p:pRg st="4" end="4"/>
-                                            </p:txEl>
-                                          </p:spTgt>
-                                        </p:tgtEl>
-                                        <p:attrNameLst>
-                                          <p:attrName>style.visibility</p:attrName>
-                                        </p:attrNameLst>
-                                      </p:cBhvr>
-                                      <p:to>
-                                        <p:strVal val="visible"/>
-                                      </p:to>
-                                    </p:set>
-                                  </p:childTnLst>
-                                </p:cTn>
-                              </p:par>
-                            </p:childTnLst>
-                          </p:cTn>
-                        </p:par>
-                      </p:childTnLst>
-                    </p:cTn>
-                  </p:par>
-                  <p:par>
-                    <p:cTn id="11" fill="hold">
-                      <p:stCondLst>
-                        <p:cond delay="indefinite"/>
-                      </p:stCondLst>
-                      <p:childTnLst>
-                        <p:par>
-                          <p:cTn id="12" fill="hold">
-                            <p:stCondLst>
-                              <p:cond delay="0"/>
-                            </p:stCondLst>
-                            <p:childTnLst>
-                              <p:par>
-                                <p:cTn id="13" presetID="1" presetClass="entr" presetSubtype="0" fill="hold" nodeType="clickEffect">
-                                  <p:stCondLst>
-                                    <p:cond delay="0"/>
-                                  </p:stCondLst>
-                                  <p:childTnLst>
-                                    <p:set>
-                                      <p:cBhvr>
-                                        <p:cTn id="14" dur="1" fill="hold">
-                                          <p:stCondLst>
-                                            <p:cond delay="0"/>
-                                          </p:stCondLst>
-                                        </p:cTn>
-                                        <p:tgtEl>
-                                          <p:spTgt spid="3">
-                                            <p:txEl>
-                                              <p:pRg st="5" end="5"/>
-                                            </p:txEl>
-                                          </p:spTgt>
-                                        </p:tgtEl>
-                                        <p:attrNameLst>
-                                          <p:attrName>style.visibility</p:attrName>
-                                        </p:attrNameLst>
-                                      </p:cBhvr>
-                                      <p:to>
-                                        <p:strVal val="visible"/>
-                                      </p:to>
-                                    </p:set>
-                                  </p:childTnLst>
-                                </p:cTn>
-                              </p:par>
-                              <p:par>
-                                <p:cTn id="15" presetID="1" presetClass="entr" presetSubtype="0" fill="hold" nodeType="withEffect">
-                                  <p:stCondLst>
-                                    <p:cond delay="0"/>
-                                  </p:stCondLst>
-                                  <p:childTnLst>
-                                    <p:set>
-                                      <p:cBhvr>
-                                        <p:cTn id="16" dur="1" fill="hold">
-                                          <p:stCondLst>
-                                            <p:cond delay="0"/>
-                                          </p:stCondLst>
-                                        </p:cTn>
-                                        <p:tgtEl>
-                                          <p:spTgt spid="3">
-                                            <p:txEl>
-                                              <p:pRg st="6" end="6"/>
-                                            </p:txEl>
-                                          </p:spTgt>
-                                        </p:tgtEl>
-                                        <p:attrNameLst>
-                                          <p:attrName>style.visibility</p:attrName>
-                                        </p:attrNameLst>
-                                      </p:cBhvr>
-                                      <p:to>
-                                        <p:strVal val="visible"/>
-                                      </p:to>
-                                    </p:set>
-                                  </p:childTnLst>
-                                </p:cTn>
-                              </p:par>
-                              <p:par>
-                                <p:cTn id="17" presetID="1" presetClass="entr" presetSubtype="0" fill="hold" nodeType="withEffect">
-                                  <p:stCondLst>
-                                    <p:cond delay="0"/>
-                                  </p:stCondLst>
-                                  <p:childTnLst>
-                                    <p:set>
-                                      <p:cBhvr>
-                                        <p:cTn id="18" dur="1" fill="hold">
-                                          <p:stCondLst>
-                                            <p:cond delay="0"/>
-                                          </p:stCondLst>
-                                        </p:cTn>
-                                        <p:tgtEl>
-                                          <p:spTgt spid="3">
-                                            <p:txEl>
-                                              <p:pRg st="7" end="7"/>
-                                            </p:txEl>
-                                          </p:spTgt>
-                                        </p:tgtEl>
-                                        <p:attrNameLst>
-                                          <p:attrName>style.visibility</p:attrName>
-                                        </p:attrNameLst>
-                                      </p:cBhvr>
-                                      <p:to>
-                                        <p:strVal val="visible"/>
-                                      </p:to>
-                                    </p:set>
-                                  </p:childTnLst>
-                                </p:cTn>
-                              </p:par>
-                            </p:childTnLst>
-                          </p:cTn>
-                        </p:par>
-                      </p:childTnLst>
-                    </p:cTn>
-                  </p:par>
-                </p:childTnLst>
-              </p:cTn>
-              <p:prevCondLst>
-                <p:cond evt="onPrev" delay="0">
-                  <p:tgtEl>
-                    <p:sldTgt/>
-                  </p:tgtEl>
-                </p:cond>
-              </p:prevCondLst>
-              <p:nextCondLst>
-                <p:cond evt="onNext" delay="0">
-                  <p:tgtEl>
-                    <p:sldTgt/>
-                  </p:tgtEl>
-                </p:cond>
-              </p:nextCondLst>
-            </p:seq>
-          </p:childTnLst>
-        </p:cTn>
-      </p:par>
-    </p:tnLst>
-  </p:timing>
 </p:sld>
 </file>
 
